--- a/Voorbeeld-presentatie.pptx
+++ b/Voorbeeld-presentatie.pptx
@@ -4,14 +4,14 @@
   <p:sldMasterIdLst>
     <p:sldMasterId id="2147483648" r:id="rId2"/>
     <p:sldMasterId id="2147483661" r:id="rId3"/>
-    <p:sldMasterId id="2147483674" r:id="rId4"/>
   </p:sldMasterIdLst>
   <p:sldIdLst>
-    <p:sldId id="256" r:id="rId5"/>
-    <p:sldId id="257" r:id="rId6"/>
-    <p:sldId id="258" r:id="rId7"/>
-    <p:sldId id="259" r:id="rId8"/>
-    <p:sldId id="260" r:id="rId9"/>
+    <p:sldId id="256" r:id="rId4"/>
+    <p:sldId id="257" r:id="rId5"/>
+    <p:sldId id="258" r:id="rId6"/>
+    <p:sldId id="259" r:id="rId7"/>
+    <p:sldId id="260" r:id="rId8"/>
+    <p:sldId id="261" r:id="rId9"/>
   </p:sldIdLst>
   <p:sldSz cx="10077450" cy="5668962"/>
   <p:notesSz cx="7559675" cy="10691812"/>
@@ -59,7 +59,7 @@
       </p:grpSpPr>
       <p:sp>
         <p:nvSpPr>
-          <p:cNvPr id="26" name="PlaceHolder 1"/>
+          <p:cNvPr id="25" name="PlaceHolder 1"/>
           <p:cNvSpPr>
             <a:spLocks noGrp="1"/>
           </p:cNvSpPr>
@@ -70,7 +70,7 @@
         <p:spPr>
           <a:xfrm>
             <a:off x="503640" y="225720"/>
-            <a:ext cx="9068760" cy="946440"/>
+            <a:ext cx="9068400" cy="946080"/>
           </a:xfrm>
           <a:prstGeom prst="rect">
             <a:avLst/>
@@ -81,18 +81,16 @@
             <a:noAutofit/>
           </a:bodyPr>
           <a:p>
-            <a:endParaRPr b="0" lang="en-US" sz="1800" spc="-1" strike="noStrike">
-              <a:solidFill>
-                <a:srgbClr val="000000"/>
-              </a:solidFill>
-              <a:latin typeface="Arial"/>
-            </a:endParaRPr>
-          </a:p>
-        </p:txBody>
-      </p:sp>
-      <p:sp>
-        <p:nvSpPr>
-          <p:cNvPr id="27" name="PlaceHolder 2"/>
+            <a:pPr algn="ctr"/>
+            <a:endParaRPr b="0" lang="nl-NL" sz="4400" spc="-1" strike="noStrike">
+              <a:latin typeface="Arial"/>
+            </a:endParaRPr>
+          </a:p>
+        </p:txBody>
+      </p:sp>
+      <p:sp>
+        <p:nvSpPr>
+          <p:cNvPr id="26" name="PlaceHolder 2"/>
           <p:cNvSpPr>
             <a:spLocks noGrp="1"/>
           </p:cNvSpPr>
@@ -103,7 +101,7 @@
         <p:spPr>
           <a:xfrm>
             <a:off x="503640" y="1326240"/>
-            <a:ext cx="9068760" cy="1568160"/>
+            <a:ext cx="9069120" cy="1567800"/>
           </a:xfrm>
           <a:prstGeom prst="rect">
             <a:avLst/>
@@ -114,18 +112,15 @@
             <a:normAutofit/>
           </a:bodyPr>
           <a:p>
-            <a:endParaRPr b="0" lang="en-US" sz="1540" spc="-1" strike="noStrike">
-              <a:solidFill>
-                <a:srgbClr val="000000"/>
-              </a:solidFill>
-              <a:latin typeface="Arial"/>
-            </a:endParaRPr>
-          </a:p>
-        </p:txBody>
-      </p:sp>
-      <p:sp>
-        <p:nvSpPr>
-          <p:cNvPr id="28" name="PlaceHolder 3"/>
+            <a:endParaRPr b="0" lang="nl-NL" sz="3200" spc="-1" strike="noStrike">
+              <a:latin typeface="Arial"/>
+            </a:endParaRPr>
+          </a:p>
+        </p:txBody>
+      </p:sp>
+      <p:sp>
+        <p:nvSpPr>
+          <p:cNvPr id="27" name="PlaceHolder 3"/>
           <p:cNvSpPr>
             <a:spLocks noGrp="1"/>
           </p:cNvSpPr>
@@ -135,8 +130,8 @@
         </p:nvSpPr>
         <p:spPr>
           <a:xfrm>
-            <a:off x="503640" y="3043800"/>
-            <a:ext cx="9068760" cy="1568160"/>
+            <a:off x="503640" y="3043440"/>
+            <a:ext cx="9069120" cy="1567800"/>
           </a:xfrm>
           <a:prstGeom prst="rect">
             <a:avLst/>
@@ -147,10 +142,7 @@
             <a:normAutofit/>
           </a:bodyPr>
           <a:p>
-            <a:endParaRPr b="0" lang="en-US" sz="1540" spc="-1" strike="noStrike">
-              <a:solidFill>
-                <a:srgbClr val="000000"/>
-              </a:solidFill>
+            <a:endParaRPr b="0" lang="nl-NL" sz="3200" spc="-1" strike="noStrike">
               <a:latin typeface="Arial"/>
             </a:endParaRPr>
           </a:p>
@@ -180,7 +172,7 @@
       </p:grpSpPr>
       <p:sp>
         <p:nvSpPr>
-          <p:cNvPr id="29" name="PlaceHolder 1"/>
+          <p:cNvPr id="28" name="PlaceHolder 1"/>
           <p:cNvSpPr>
             <a:spLocks noGrp="1"/>
           </p:cNvSpPr>
@@ -191,7 +183,7 @@
         <p:spPr>
           <a:xfrm>
             <a:off x="503640" y="225720"/>
-            <a:ext cx="9068760" cy="946440"/>
+            <a:ext cx="9068400" cy="946080"/>
           </a:xfrm>
           <a:prstGeom prst="rect">
             <a:avLst/>
@@ -202,18 +194,16 @@
             <a:noAutofit/>
           </a:bodyPr>
           <a:p>
-            <a:endParaRPr b="0" lang="en-US" sz="1800" spc="-1" strike="noStrike">
-              <a:solidFill>
-                <a:srgbClr val="000000"/>
-              </a:solidFill>
-              <a:latin typeface="Arial"/>
-            </a:endParaRPr>
-          </a:p>
-        </p:txBody>
-      </p:sp>
-      <p:sp>
-        <p:nvSpPr>
-          <p:cNvPr id="30" name="PlaceHolder 2"/>
+            <a:pPr algn="ctr"/>
+            <a:endParaRPr b="0" lang="nl-NL" sz="4400" spc="-1" strike="noStrike">
+              <a:latin typeface="Arial"/>
+            </a:endParaRPr>
+          </a:p>
+        </p:txBody>
+      </p:sp>
+      <p:sp>
+        <p:nvSpPr>
+          <p:cNvPr id="29" name="PlaceHolder 2"/>
           <p:cNvSpPr>
             <a:spLocks noGrp="1"/>
           </p:cNvSpPr>
@@ -224,7 +214,7 @@
         <p:spPr>
           <a:xfrm>
             <a:off x="503640" y="1326240"/>
-            <a:ext cx="4425480" cy="1568160"/>
+            <a:ext cx="4425480" cy="1567800"/>
           </a:xfrm>
           <a:prstGeom prst="rect">
             <a:avLst/>
@@ -235,18 +225,15 @@
             <a:normAutofit/>
           </a:bodyPr>
           <a:p>
-            <a:endParaRPr b="0" lang="en-US" sz="1540" spc="-1" strike="noStrike">
-              <a:solidFill>
-                <a:srgbClr val="000000"/>
-              </a:solidFill>
-              <a:latin typeface="Arial"/>
-            </a:endParaRPr>
-          </a:p>
-        </p:txBody>
-      </p:sp>
-      <p:sp>
-        <p:nvSpPr>
-          <p:cNvPr id="31" name="PlaceHolder 3"/>
+            <a:endParaRPr b="0" lang="nl-NL" sz="3200" spc="-1" strike="noStrike">
+              <a:latin typeface="Arial"/>
+            </a:endParaRPr>
+          </a:p>
+        </p:txBody>
+      </p:sp>
+      <p:sp>
+        <p:nvSpPr>
+          <p:cNvPr id="30" name="PlaceHolder 3"/>
           <p:cNvSpPr>
             <a:spLocks noGrp="1"/>
           </p:cNvSpPr>
@@ -257,7 +244,7 @@
         <p:spPr>
           <a:xfrm>
             <a:off x="5150880" y="1326240"/>
-            <a:ext cx="4425480" cy="1568160"/>
+            <a:ext cx="4425480" cy="1567800"/>
           </a:xfrm>
           <a:prstGeom prst="rect">
             <a:avLst/>
@@ -268,18 +255,15 @@
             <a:normAutofit/>
           </a:bodyPr>
           <a:p>
-            <a:endParaRPr b="0" lang="en-US" sz="1540" spc="-1" strike="noStrike">
-              <a:solidFill>
-                <a:srgbClr val="000000"/>
-              </a:solidFill>
-              <a:latin typeface="Arial"/>
-            </a:endParaRPr>
-          </a:p>
-        </p:txBody>
-      </p:sp>
-      <p:sp>
-        <p:nvSpPr>
-          <p:cNvPr id="32" name="PlaceHolder 4"/>
+            <a:endParaRPr b="0" lang="nl-NL" sz="3200" spc="-1" strike="noStrike">
+              <a:latin typeface="Arial"/>
+            </a:endParaRPr>
+          </a:p>
+        </p:txBody>
+      </p:sp>
+      <p:sp>
+        <p:nvSpPr>
+          <p:cNvPr id="31" name="PlaceHolder 4"/>
           <p:cNvSpPr>
             <a:spLocks noGrp="1"/>
           </p:cNvSpPr>
@@ -289,8 +273,8 @@
         </p:nvSpPr>
         <p:spPr>
           <a:xfrm>
-            <a:off x="503640" y="3043800"/>
-            <a:ext cx="4425480" cy="1568160"/>
+            <a:off x="503640" y="3043440"/>
+            <a:ext cx="4425480" cy="1567800"/>
           </a:xfrm>
           <a:prstGeom prst="rect">
             <a:avLst/>
@@ -301,18 +285,15 @@
             <a:normAutofit/>
           </a:bodyPr>
           <a:p>
-            <a:endParaRPr b="0" lang="en-US" sz="1540" spc="-1" strike="noStrike">
-              <a:solidFill>
-                <a:srgbClr val="000000"/>
-              </a:solidFill>
-              <a:latin typeface="Arial"/>
-            </a:endParaRPr>
-          </a:p>
-        </p:txBody>
-      </p:sp>
-      <p:sp>
-        <p:nvSpPr>
-          <p:cNvPr id="33" name="PlaceHolder 5"/>
+            <a:endParaRPr b="0" lang="nl-NL" sz="3200" spc="-1" strike="noStrike">
+              <a:latin typeface="Arial"/>
+            </a:endParaRPr>
+          </a:p>
+        </p:txBody>
+      </p:sp>
+      <p:sp>
+        <p:nvSpPr>
+          <p:cNvPr id="32" name="PlaceHolder 5"/>
           <p:cNvSpPr>
             <a:spLocks noGrp="1"/>
           </p:cNvSpPr>
@@ -322,8 +303,8 @@
         </p:nvSpPr>
         <p:spPr>
           <a:xfrm>
-            <a:off x="5150880" y="3043800"/>
-            <a:ext cx="4425480" cy="1568160"/>
+            <a:off x="5150880" y="3043440"/>
+            <a:ext cx="4425480" cy="1567800"/>
           </a:xfrm>
           <a:prstGeom prst="rect">
             <a:avLst/>
@@ -334,10 +315,7 @@
             <a:normAutofit/>
           </a:bodyPr>
           <a:p>
-            <a:endParaRPr b="0" lang="en-US" sz="1540" spc="-1" strike="noStrike">
-              <a:solidFill>
-                <a:srgbClr val="000000"/>
-              </a:solidFill>
+            <a:endParaRPr b="0" lang="nl-NL" sz="3200" spc="-1" strike="noStrike">
               <a:latin typeface="Arial"/>
             </a:endParaRPr>
           </a:p>
@@ -367,7 +345,7 @@
       </p:grpSpPr>
       <p:sp>
         <p:nvSpPr>
-          <p:cNvPr id="34" name="PlaceHolder 1"/>
+          <p:cNvPr id="33" name="PlaceHolder 1"/>
           <p:cNvSpPr>
             <a:spLocks noGrp="1"/>
           </p:cNvSpPr>
@@ -378,7 +356,7 @@
         <p:spPr>
           <a:xfrm>
             <a:off x="503640" y="225720"/>
-            <a:ext cx="9068760" cy="946440"/>
+            <a:ext cx="9068400" cy="946080"/>
           </a:xfrm>
           <a:prstGeom prst="rect">
             <a:avLst/>
@@ -389,18 +367,16 @@
             <a:noAutofit/>
           </a:bodyPr>
           <a:p>
-            <a:endParaRPr b="0" lang="en-US" sz="1800" spc="-1" strike="noStrike">
-              <a:solidFill>
-                <a:srgbClr val="000000"/>
-              </a:solidFill>
-              <a:latin typeface="Arial"/>
-            </a:endParaRPr>
-          </a:p>
-        </p:txBody>
-      </p:sp>
-      <p:sp>
-        <p:nvSpPr>
-          <p:cNvPr id="35" name="PlaceHolder 2"/>
+            <a:pPr algn="ctr"/>
+            <a:endParaRPr b="0" lang="nl-NL" sz="4400" spc="-1" strike="noStrike">
+              <a:latin typeface="Arial"/>
+            </a:endParaRPr>
+          </a:p>
+        </p:txBody>
+      </p:sp>
+      <p:sp>
+        <p:nvSpPr>
+          <p:cNvPr id="34" name="PlaceHolder 2"/>
           <p:cNvSpPr>
             <a:spLocks noGrp="1"/>
           </p:cNvSpPr>
@@ -411,7 +387,7 @@
         <p:spPr>
           <a:xfrm>
             <a:off x="503640" y="1326240"/>
-            <a:ext cx="2919960" cy="1568160"/>
+            <a:ext cx="2919960" cy="1567800"/>
           </a:xfrm>
           <a:prstGeom prst="rect">
             <a:avLst/>
@@ -422,18 +398,15 @@
             <a:normAutofit/>
           </a:bodyPr>
           <a:p>
-            <a:endParaRPr b="0" lang="en-US" sz="1540" spc="-1" strike="noStrike">
-              <a:solidFill>
-                <a:srgbClr val="000000"/>
-              </a:solidFill>
-              <a:latin typeface="Arial"/>
-            </a:endParaRPr>
-          </a:p>
-        </p:txBody>
-      </p:sp>
-      <p:sp>
-        <p:nvSpPr>
-          <p:cNvPr id="36" name="PlaceHolder 3"/>
+            <a:endParaRPr b="0" lang="nl-NL" sz="3200" spc="-1" strike="noStrike">
+              <a:latin typeface="Arial"/>
+            </a:endParaRPr>
+          </a:p>
+        </p:txBody>
+      </p:sp>
+      <p:sp>
+        <p:nvSpPr>
+          <p:cNvPr id="35" name="PlaceHolder 3"/>
           <p:cNvSpPr>
             <a:spLocks noGrp="1"/>
           </p:cNvSpPr>
@@ -444,7 +417,7 @@
         <p:spPr>
           <a:xfrm>
             <a:off x="3570120" y="1326240"/>
-            <a:ext cx="2919960" cy="1568160"/>
+            <a:ext cx="2919960" cy="1567800"/>
           </a:xfrm>
           <a:prstGeom prst="rect">
             <a:avLst/>
@@ -455,18 +428,15 @@
             <a:normAutofit/>
           </a:bodyPr>
           <a:p>
-            <a:endParaRPr b="0" lang="en-US" sz="1540" spc="-1" strike="noStrike">
-              <a:solidFill>
-                <a:srgbClr val="000000"/>
-              </a:solidFill>
-              <a:latin typeface="Arial"/>
-            </a:endParaRPr>
-          </a:p>
-        </p:txBody>
-      </p:sp>
-      <p:sp>
-        <p:nvSpPr>
-          <p:cNvPr id="37" name="PlaceHolder 4"/>
+            <a:endParaRPr b="0" lang="nl-NL" sz="3200" spc="-1" strike="noStrike">
+              <a:latin typeface="Arial"/>
+            </a:endParaRPr>
+          </a:p>
+        </p:txBody>
+      </p:sp>
+      <p:sp>
+        <p:nvSpPr>
+          <p:cNvPr id="36" name="PlaceHolder 4"/>
           <p:cNvSpPr>
             <a:spLocks noGrp="1"/>
           </p:cNvSpPr>
@@ -477,7 +447,7 @@
         <p:spPr>
           <a:xfrm>
             <a:off x="6636240" y="1326240"/>
-            <a:ext cx="2919960" cy="1568160"/>
+            <a:ext cx="2919960" cy="1567800"/>
           </a:xfrm>
           <a:prstGeom prst="rect">
             <a:avLst/>
@@ -488,18 +458,15 @@
             <a:normAutofit/>
           </a:bodyPr>
           <a:p>
-            <a:endParaRPr b="0" lang="en-US" sz="1540" spc="-1" strike="noStrike">
-              <a:solidFill>
-                <a:srgbClr val="000000"/>
-              </a:solidFill>
-              <a:latin typeface="Arial"/>
-            </a:endParaRPr>
-          </a:p>
-        </p:txBody>
-      </p:sp>
-      <p:sp>
-        <p:nvSpPr>
-          <p:cNvPr id="38" name="PlaceHolder 5"/>
+            <a:endParaRPr b="0" lang="nl-NL" sz="3200" spc="-1" strike="noStrike">
+              <a:latin typeface="Arial"/>
+            </a:endParaRPr>
+          </a:p>
+        </p:txBody>
+      </p:sp>
+      <p:sp>
+        <p:nvSpPr>
+          <p:cNvPr id="37" name="PlaceHolder 5"/>
           <p:cNvSpPr>
             <a:spLocks noGrp="1"/>
           </p:cNvSpPr>
@@ -509,8 +476,8 @@
         </p:nvSpPr>
         <p:spPr>
           <a:xfrm>
-            <a:off x="503640" y="3043800"/>
-            <a:ext cx="2919960" cy="1568160"/>
+            <a:off x="503640" y="3043440"/>
+            <a:ext cx="2919960" cy="1567800"/>
           </a:xfrm>
           <a:prstGeom prst="rect">
             <a:avLst/>
@@ -521,18 +488,15 @@
             <a:normAutofit/>
           </a:bodyPr>
           <a:p>
-            <a:endParaRPr b="0" lang="en-US" sz="1540" spc="-1" strike="noStrike">
-              <a:solidFill>
-                <a:srgbClr val="000000"/>
-              </a:solidFill>
-              <a:latin typeface="Arial"/>
-            </a:endParaRPr>
-          </a:p>
-        </p:txBody>
-      </p:sp>
-      <p:sp>
-        <p:nvSpPr>
-          <p:cNvPr id="39" name="PlaceHolder 6"/>
+            <a:endParaRPr b="0" lang="nl-NL" sz="3200" spc="-1" strike="noStrike">
+              <a:latin typeface="Arial"/>
+            </a:endParaRPr>
+          </a:p>
+        </p:txBody>
+      </p:sp>
+      <p:sp>
+        <p:nvSpPr>
+          <p:cNvPr id="38" name="PlaceHolder 6"/>
           <p:cNvSpPr>
             <a:spLocks noGrp="1"/>
           </p:cNvSpPr>
@@ -542,8 +506,8 @@
         </p:nvSpPr>
         <p:spPr>
           <a:xfrm>
-            <a:off x="3570120" y="3043800"/>
-            <a:ext cx="2919960" cy="1568160"/>
+            <a:off x="3570120" y="3043440"/>
+            <a:ext cx="2919960" cy="1567800"/>
           </a:xfrm>
           <a:prstGeom prst="rect">
             <a:avLst/>
@@ -554,18 +518,15 @@
             <a:normAutofit/>
           </a:bodyPr>
           <a:p>
-            <a:endParaRPr b="0" lang="en-US" sz="1540" spc="-1" strike="noStrike">
-              <a:solidFill>
-                <a:srgbClr val="000000"/>
-              </a:solidFill>
-              <a:latin typeface="Arial"/>
-            </a:endParaRPr>
-          </a:p>
-        </p:txBody>
-      </p:sp>
-      <p:sp>
-        <p:nvSpPr>
-          <p:cNvPr id="40" name="PlaceHolder 7"/>
+            <a:endParaRPr b="0" lang="nl-NL" sz="3200" spc="-1" strike="noStrike">
+              <a:latin typeface="Arial"/>
+            </a:endParaRPr>
+          </a:p>
+        </p:txBody>
+      </p:sp>
+      <p:sp>
+        <p:nvSpPr>
+          <p:cNvPr id="39" name="PlaceHolder 7"/>
           <p:cNvSpPr>
             <a:spLocks noGrp="1"/>
           </p:cNvSpPr>
@@ -575,8 +536,8 @@
         </p:nvSpPr>
         <p:spPr>
           <a:xfrm>
-            <a:off x="6636240" y="3043800"/>
-            <a:ext cx="2919960" cy="1568160"/>
+            <a:off x="6636240" y="3043440"/>
+            <a:ext cx="2919960" cy="1567800"/>
           </a:xfrm>
           <a:prstGeom prst="rect">
             <a:avLst/>
@@ -587,10 +548,7 @@
             <a:normAutofit/>
           </a:bodyPr>
           <a:p>
-            <a:endParaRPr b="0" lang="en-US" sz="1540" spc="-1" strike="noStrike">
-              <a:solidFill>
-                <a:srgbClr val="000000"/>
-              </a:solidFill>
+            <a:endParaRPr b="0" lang="nl-NL" sz="3200" spc="-1" strike="noStrike">
               <a:latin typeface="Arial"/>
             </a:endParaRPr>
           </a:p>
@@ -642,7 +600,7 @@
       </p:grpSpPr>
       <p:sp>
         <p:nvSpPr>
-          <p:cNvPr id="46" name="PlaceHolder 1"/>
+          <p:cNvPr id="42" name="PlaceHolder 1"/>
           <p:cNvSpPr>
             <a:spLocks noGrp="1"/>
           </p:cNvSpPr>
@@ -653,7 +611,7 @@
         <p:spPr>
           <a:xfrm>
             <a:off x="503640" y="225720"/>
-            <a:ext cx="9068760" cy="946440"/>
+            <a:ext cx="9068400" cy="946080"/>
           </a:xfrm>
           <a:prstGeom prst="rect">
             <a:avLst/>
@@ -664,18 +622,16 @@
             <a:noAutofit/>
           </a:bodyPr>
           <a:p>
-            <a:endParaRPr b="0" lang="en-US" sz="1800" spc="-1" strike="noStrike">
-              <a:solidFill>
-                <a:srgbClr val="000000"/>
-              </a:solidFill>
-              <a:latin typeface="Arial"/>
-            </a:endParaRPr>
-          </a:p>
-        </p:txBody>
-      </p:sp>
-      <p:sp>
-        <p:nvSpPr>
-          <p:cNvPr id="47" name="PlaceHolder 2"/>
+            <a:pPr algn="ctr"/>
+            <a:endParaRPr b="0" lang="nl-NL" sz="4400" spc="-1" strike="noStrike">
+              <a:latin typeface="Arial"/>
+            </a:endParaRPr>
+          </a:p>
+        </p:txBody>
+      </p:sp>
+      <p:sp>
+        <p:nvSpPr>
+          <p:cNvPr id="43" name="PlaceHolder 2"/>
           <p:cNvSpPr>
             <a:spLocks noGrp="1"/>
           </p:cNvSpPr>
@@ -686,7 +642,7 @@
         <p:spPr>
           <a:xfrm>
             <a:off x="503640" y="1326240"/>
-            <a:ext cx="9068760" cy="3287880"/>
+            <a:ext cx="9069120" cy="3287520"/>
           </a:xfrm>
           <a:prstGeom prst="rect">
             <a:avLst/>
@@ -698,7 +654,7 @@
           </a:bodyPr>
           <a:p>
             <a:pPr algn="ctr"/>
-            <a:endParaRPr b="0" lang="en-US" sz="3200" spc="-1" strike="noStrike">
+            <a:endParaRPr b="0" lang="nl-NL" sz="3200" spc="-1" strike="noStrike">
               <a:latin typeface="Arial"/>
             </a:endParaRPr>
           </a:p>
@@ -728,7 +684,7 @@
       </p:grpSpPr>
       <p:sp>
         <p:nvSpPr>
-          <p:cNvPr id="48" name="PlaceHolder 1"/>
+          <p:cNvPr id="44" name="PlaceHolder 1"/>
           <p:cNvSpPr>
             <a:spLocks noGrp="1"/>
           </p:cNvSpPr>
@@ -739,7 +695,7 @@
         <p:spPr>
           <a:xfrm>
             <a:off x="503640" y="225720"/>
-            <a:ext cx="9068760" cy="946440"/>
+            <a:ext cx="9068400" cy="946080"/>
           </a:xfrm>
           <a:prstGeom prst="rect">
             <a:avLst/>
@@ -750,18 +706,16 @@
             <a:noAutofit/>
           </a:bodyPr>
           <a:p>
-            <a:endParaRPr b="0" lang="en-US" sz="1800" spc="-1" strike="noStrike">
-              <a:solidFill>
-                <a:srgbClr val="000000"/>
-              </a:solidFill>
-              <a:latin typeface="Arial"/>
-            </a:endParaRPr>
-          </a:p>
-        </p:txBody>
-      </p:sp>
-      <p:sp>
-        <p:nvSpPr>
-          <p:cNvPr id="49" name="PlaceHolder 2"/>
+            <a:pPr algn="ctr"/>
+            <a:endParaRPr b="0" lang="nl-NL" sz="4400" spc="-1" strike="noStrike">
+              <a:latin typeface="Arial"/>
+            </a:endParaRPr>
+          </a:p>
+        </p:txBody>
+      </p:sp>
+      <p:sp>
+        <p:nvSpPr>
+          <p:cNvPr id="45" name="PlaceHolder 2"/>
           <p:cNvSpPr>
             <a:spLocks noGrp="1"/>
           </p:cNvSpPr>
@@ -772,7 +726,7 @@
         <p:spPr>
           <a:xfrm>
             <a:off x="503640" y="1326240"/>
-            <a:ext cx="9068760" cy="3287880"/>
+            <a:ext cx="9069120" cy="3287520"/>
           </a:xfrm>
           <a:prstGeom prst="rect">
             <a:avLst/>
@@ -783,10 +737,7 @@
             <a:normAutofit/>
           </a:bodyPr>
           <a:p>
-            <a:endParaRPr b="0" lang="en-US" sz="1540" spc="-1" strike="noStrike">
-              <a:solidFill>
-                <a:srgbClr val="000000"/>
-              </a:solidFill>
+            <a:endParaRPr b="0" lang="nl-NL" sz="3200" spc="-1" strike="noStrike">
               <a:latin typeface="Arial"/>
             </a:endParaRPr>
           </a:p>
@@ -816,7 +767,7 @@
       </p:grpSpPr>
       <p:sp>
         <p:nvSpPr>
-          <p:cNvPr id="50" name="PlaceHolder 1"/>
+          <p:cNvPr id="46" name="PlaceHolder 1"/>
           <p:cNvSpPr>
             <a:spLocks noGrp="1"/>
           </p:cNvSpPr>
@@ -827,7 +778,7 @@
         <p:spPr>
           <a:xfrm>
             <a:off x="503640" y="225720"/>
-            <a:ext cx="9068760" cy="946440"/>
+            <a:ext cx="9068400" cy="946080"/>
           </a:xfrm>
           <a:prstGeom prst="rect">
             <a:avLst/>
@@ -838,18 +789,16 @@
             <a:noAutofit/>
           </a:bodyPr>
           <a:p>
-            <a:endParaRPr b="0" lang="en-US" sz="1800" spc="-1" strike="noStrike">
-              <a:solidFill>
-                <a:srgbClr val="000000"/>
-              </a:solidFill>
-              <a:latin typeface="Arial"/>
-            </a:endParaRPr>
-          </a:p>
-        </p:txBody>
-      </p:sp>
-      <p:sp>
-        <p:nvSpPr>
-          <p:cNvPr id="51" name="PlaceHolder 2"/>
+            <a:pPr algn="ctr"/>
+            <a:endParaRPr b="0" lang="nl-NL" sz="4400" spc="-1" strike="noStrike">
+              <a:latin typeface="Arial"/>
+            </a:endParaRPr>
+          </a:p>
+        </p:txBody>
+      </p:sp>
+      <p:sp>
+        <p:nvSpPr>
+          <p:cNvPr id="47" name="PlaceHolder 2"/>
           <p:cNvSpPr>
             <a:spLocks noGrp="1"/>
           </p:cNvSpPr>
@@ -860,7 +809,7 @@
         <p:spPr>
           <a:xfrm>
             <a:off x="503640" y="1326240"/>
-            <a:ext cx="4425480" cy="3287880"/>
+            <a:ext cx="4425480" cy="3287520"/>
           </a:xfrm>
           <a:prstGeom prst="rect">
             <a:avLst/>
@@ -871,18 +820,15 @@
             <a:normAutofit/>
           </a:bodyPr>
           <a:p>
-            <a:endParaRPr b="0" lang="en-US" sz="1540" spc="-1" strike="noStrike">
-              <a:solidFill>
-                <a:srgbClr val="000000"/>
-              </a:solidFill>
-              <a:latin typeface="Arial"/>
-            </a:endParaRPr>
-          </a:p>
-        </p:txBody>
-      </p:sp>
-      <p:sp>
-        <p:nvSpPr>
-          <p:cNvPr id="52" name="PlaceHolder 3"/>
+            <a:endParaRPr b="0" lang="nl-NL" sz="3200" spc="-1" strike="noStrike">
+              <a:latin typeface="Arial"/>
+            </a:endParaRPr>
+          </a:p>
+        </p:txBody>
+      </p:sp>
+      <p:sp>
+        <p:nvSpPr>
+          <p:cNvPr id="48" name="PlaceHolder 3"/>
           <p:cNvSpPr>
             <a:spLocks noGrp="1"/>
           </p:cNvSpPr>
@@ -893,7 +839,7 @@
         <p:spPr>
           <a:xfrm>
             <a:off x="5150880" y="1326240"/>
-            <a:ext cx="4425480" cy="3287880"/>
+            <a:ext cx="4425480" cy="3287520"/>
           </a:xfrm>
           <a:prstGeom prst="rect">
             <a:avLst/>
@@ -904,10 +850,7 @@
             <a:normAutofit/>
           </a:bodyPr>
           <a:p>
-            <a:endParaRPr b="0" lang="en-US" sz="1540" spc="-1" strike="noStrike">
-              <a:solidFill>
-                <a:srgbClr val="000000"/>
-              </a:solidFill>
+            <a:endParaRPr b="0" lang="nl-NL" sz="3200" spc="-1" strike="noStrike">
               <a:latin typeface="Arial"/>
             </a:endParaRPr>
           </a:p>
@@ -937,7 +880,7 @@
       </p:grpSpPr>
       <p:sp>
         <p:nvSpPr>
-          <p:cNvPr id="53" name="PlaceHolder 1"/>
+          <p:cNvPr id="49" name="PlaceHolder 1"/>
           <p:cNvSpPr>
             <a:spLocks noGrp="1"/>
           </p:cNvSpPr>
@@ -948,7 +891,7 @@
         <p:spPr>
           <a:xfrm>
             <a:off x="503640" y="225720"/>
-            <a:ext cx="9068760" cy="946440"/>
+            <a:ext cx="9068400" cy="946080"/>
           </a:xfrm>
           <a:prstGeom prst="rect">
             <a:avLst/>
@@ -959,10 +902,8 @@
             <a:noAutofit/>
           </a:bodyPr>
           <a:p>
-            <a:endParaRPr b="0" lang="en-US" sz="1800" spc="-1" strike="noStrike">
-              <a:solidFill>
-                <a:srgbClr val="000000"/>
-              </a:solidFill>
+            <a:pPr algn="ctr"/>
+            <a:endParaRPr b="0" lang="nl-NL" sz="4400" spc="-1" strike="noStrike">
               <a:latin typeface="Arial"/>
             </a:endParaRPr>
           </a:p>
@@ -992,7 +933,7 @@
       </p:grpSpPr>
       <p:sp>
         <p:nvSpPr>
-          <p:cNvPr id="54" name="PlaceHolder 1"/>
+          <p:cNvPr id="50" name="PlaceHolder 1"/>
           <p:cNvSpPr>
             <a:spLocks noGrp="1"/>
           </p:cNvSpPr>
@@ -1003,7 +944,7 @@
         <p:spPr>
           <a:xfrm>
             <a:off x="503640" y="225720"/>
-            <a:ext cx="9068760" cy="4388400"/>
+            <a:ext cx="9068400" cy="4386600"/>
           </a:xfrm>
           <a:prstGeom prst="rect">
             <a:avLst/>
@@ -1015,7 +956,7 @@
           </a:bodyPr>
           <a:p>
             <a:pPr algn="ctr"/>
-            <a:endParaRPr b="0" lang="en-US" sz="3200" spc="-1" strike="noStrike">
+            <a:endParaRPr b="0" lang="nl-NL" sz="3200" spc="-1" strike="noStrike">
               <a:latin typeface="Arial"/>
             </a:endParaRPr>
           </a:p>
@@ -1045,7 +986,7 @@
       </p:grpSpPr>
       <p:sp>
         <p:nvSpPr>
-          <p:cNvPr id="55" name="PlaceHolder 1"/>
+          <p:cNvPr id="51" name="PlaceHolder 1"/>
           <p:cNvSpPr>
             <a:spLocks noGrp="1"/>
           </p:cNvSpPr>
@@ -1056,7 +997,7 @@
         <p:spPr>
           <a:xfrm>
             <a:off x="503640" y="225720"/>
-            <a:ext cx="9068760" cy="946440"/>
+            <a:ext cx="9068400" cy="946080"/>
           </a:xfrm>
           <a:prstGeom prst="rect">
             <a:avLst/>
@@ -1067,18 +1008,16 @@
             <a:noAutofit/>
           </a:bodyPr>
           <a:p>
-            <a:endParaRPr b="0" lang="en-US" sz="1800" spc="-1" strike="noStrike">
-              <a:solidFill>
-                <a:srgbClr val="000000"/>
-              </a:solidFill>
-              <a:latin typeface="Arial"/>
-            </a:endParaRPr>
-          </a:p>
-        </p:txBody>
-      </p:sp>
-      <p:sp>
-        <p:nvSpPr>
-          <p:cNvPr id="56" name="PlaceHolder 2"/>
+            <a:pPr algn="ctr"/>
+            <a:endParaRPr b="0" lang="nl-NL" sz="4400" spc="-1" strike="noStrike">
+              <a:latin typeface="Arial"/>
+            </a:endParaRPr>
+          </a:p>
+        </p:txBody>
+      </p:sp>
+      <p:sp>
+        <p:nvSpPr>
+          <p:cNvPr id="52" name="PlaceHolder 2"/>
           <p:cNvSpPr>
             <a:spLocks noGrp="1"/>
           </p:cNvSpPr>
@@ -1089,7 +1028,7 @@
         <p:spPr>
           <a:xfrm>
             <a:off x="503640" y="1326240"/>
-            <a:ext cx="4425480" cy="1568160"/>
+            <a:ext cx="4425480" cy="1567800"/>
           </a:xfrm>
           <a:prstGeom prst="rect">
             <a:avLst/>
@@ -1100,18 +1039,15 @@
             <a:normAutofit/>
           </a:bodyPr>
           <a:p>
-            <a:endParaRPr b="0" lang="en-US" sz="1540" spc="-1" strike="noStrike">
-              <a:solidFill>
-                <a:srgbClr val="000000"/>
-              </a:solidFill>
-              <a:latin typeface="Arial"/>
-            </a:endParaRPr>
-          </a:p>
-        </p:txBody>
-      </p:sp>
-      <p:sp>
-        <p:nvSpPr>
-          <p:cNvPr id="57" name="PlaceHolder 3"/>
+            <a:endParaRPr b="0" lang="nl-NL" sz="3200" spc="-1" strike="noStrike">
+              <a:latin typeface="Arial"/>
+            </a:endParaRPr>
+          </a:p>
+        </p:txBody>
+      </p:sp>
+      <p:sp>
+        <p:nvSpPr>
+          <p:cNvPr id="53" name="PlaceHolder 3"/>
           <p:cNvSpPr>
             <a:spLocks noGrp="1"/>
           </p:cNvSpPr>
@@ -1122,7 +1058,7 @@
         <p:spPr>
           <a:xfrm>
             <a:off x="5150880" y="1326240"/>
-            <a:ext cx="4425480" cy="3287880"/>
+            <a:ext cx="4425480" cy="3287520"/>
           </a:xfrm>
           <a:prstGeom prst="rect">
             <a:avLst/>
@@ -1133,18 +1069,15 @@
             <a:normAutofit/>
           </a:bodyPr>
           <a:p>
-            <a:endParaRPr b="0" lang="en-US" sz="1540" spc="-1" strike="noStrike">
-              <a:solidFill>
-                <a:srgbClr val="000000"/>
-              </a:solidFill>
-              <a:latin typeface="Arial"/>
-            </a:endParaRPr>
-          </a:p>
-        </p:txBody>
-      </p:sp>
-      <p:sp>
-        <p:nvSpPr>
-          <p:cNvPr id="58" name="PlaceHolder 4"/>
+            <a:endParaRPr b="0" lang="nl-NL" sz="3200" spc="-1" strike="noStrike">
+              <a:latin typeface="Arial"/>
+            </a:endParaRPr>
+          </a:p>
+        </p:txBody>
+      </p:sp>
+      <p:sp>
+        <p:nvSpPr>
+          <p:cNvPr id="54" name="PlaceHolder 4"/>
           <p:cNvSpPr>
             <a:spLocks noGrp="1"/>
           </p:cNvSpPr>
@@ -1154,8 +1087,8 @@
         </p:nvSpPr>
         <p:spPr>
           <a:xfrm>
-            <a:off x="503640" y="3043800"/>
-            <a:ext cx="4425480" cy="1568160"/>
+            <a:off x="503640" y="3043440"/>
+            <a:ext cx="4425480" cy="1567800"/>
           </a:xfrm>
           <a:prstGeom prst="rect">
             <a:avLst/>
@@ -1166,10 +1099,7 @@
             <a:normAutofit/>
           </a:bodyPr>
           <a:p>
-            <a:endParaRPr b="0" lang="en-US" sz="1540" spc="-1" strike="noStrike">
-              <a:solidFill>
-                <a:srgbClr val="000000"/>
-              </a:solidFill>
+            <a:endParaRPr b="0" lang="nl-NL" sz="3200" spc="-1" strike="noStrike">
               <a:latin typeface="Arial"/>
             </a:endParaRPr>
           </a:p>
@@ -1199,7 +1129,7 @@
       </p:grpSpPr>
       <p:sp>
         <p:nvSpPr>
-          <p:cNvPr id="5" name="PlaceHolder 1"/>
+          <p:cNvPr id="4" name="PlaceHolder 1"/>
           <p:cNvSpPr>
             <a:spLocks noGrp="1"/>
           </p:cNvSpPr>
@@ -1210,7 +1140,7 @@
         <p:spPr>
           <a:xfrm>
             <a:off x="503640" y="225720"/>
-            <a:ext cx="9068760" cy="946440"/>
+            <a:ext cx="9068400" cy="946080"/>
           </a:xfrm>
           <a:prstGeom prst="rect">
             <a:avLst/>
@@ -1221,18 +1151,16 @@
             <a:noAutofit/>
           </a:bodyPr>
           <a:p>
-            <a:endParaRPr b="0" lang="en-US" sz="1800" spc="-1" strike="noStrike">
-              <a:solidFill>
-                <a:srgbClr val="000000"/>
-              </a:solidFill>
-              <a:latin typeface="Arial"/>
-            </a:endParaRPr>
-          </a:p>
-        </p:txBody>
-      </p:sp>
-      <p:sp>
-        <p:nvSpPr>
-          <p:cNvPr id="6" name="PlaceHolder 2"/>
+            <a:pPr algn="ctr"/>
+            <a:endParaRPr b="0" lang="nl-NL" sz="4400" spc="-1" strike="noStrike">
+              <a:latin typeface="Arial"/>
+            </a:endParaRPr>
+          </a:p>
+        </p:txBody>
+      </p:sp>
+      <p:sp>
+        <p:nvSpPr>
+          <p:cNvPr id="5" name="PlaceHolder 2"/>
           <p:cNvSpPr>
             <a:spLocks noGrp="1"/>
           </p:cNvSpPr>
@@ -1243,7 +1171,7 @@
         <p:spPr>
           <a:xfrm>
             <a:off x="503640" y="1326240"/>
-            <a:ext cx="9068760" cy="3287880"/>
+            <a:ext cx="9069120" cy="3287520"/>
           </a:xfrm>
           <a:prstGeom prst="rect">
             <a:avLst/>
@@ -1255,7 +1183,7 @@
           </a:bodyPr>
           <a:p>
             <a:pPr algn="ctr"/>
-            <a:endParaRPr b="0" lang="en-US" sz="3200" spc="-1" strike="noStrike">
+            <a:endParaRPr b="0" lang="nl-NL" sz="3200" spc="-1" strike="noStrike">
               <a:latin typeface="Arial"/>
             </a:endParaRPr>
           </a:p>
@@ -1285,7 +1213,7 @@
       </p:grpSpPr>
       <p:sp>
         <p:nvSpPr>
-          <p:cNvPr id="59" name="PlaceHolder 1"/>
+          <p:cNvPr id="55" name="PlaceHolder 1"/>
           <p:cNvSpPr>
             <a:spLocks noGrp="1"/>
           </p:cNvSpPr>
@@ -1296,7 +1224,7 @@
         <p:spPr>
           <a:xfrm>
             <a:off x="503640" y="225720"/>
-            <a:ext cx="9068760" cy="946440"/>
+            <a:ext cx="9068400" cy="946080"/>
           </a:xfrm>
           <a:prstGeom prst="rect">
             <a:avLst/>
@@ -1307,18 +1235,16 @@
             <a:noAutofit/>
           </a:bodyPr>
           <a:p>
-            <a:endParaRPr b="0" lang="en-US" sz="1800" spc="-1" strike="noStrike">
-              <a:solidFill>
-                <a:srgbClr val="000000"/>
-              </a:solidFill>
-              <a:latin typeface="Arial"/>
-            </a:endParaRPr>
-          </a:p>
-        </p:txBody>
-      </p:sp>
-      <p:sp>
-        <p:nvSpPr>
-          <p:cNvPr id="60" name="PlaceHolder 2"/>
+            <a:pPr algn="ctr"/>
+            <a:endParaRPr b="0" lang="nl-NL" sz="4400" spc="-1" strike="noStrike">
+              <a:latin typeface="Arial"/>
+            </a:endParaRPr>
+          </a:p>
+        </p:txBody>
+      </p:sp>
+      <p:sp>
+        <p:nvSpPr>
+          <p:cNvPr id="56" name="PlaceHolder 2"/>
           <p:cNvSpPr>
             <a:spLocks noGrp="1"/>
           </p:cNvSpPr>
@@ -1329,7 +1255,7 @@
         <p:spPr>
           <a:xfrm>
             <a:off x="503640" y="1326240"/>
-            <a:ext cx="4425480" cy="3287880"/>
+            <a:ext cx="4425480" cy="3287520"/>
           </a:xfrm>
           <a:prstGeom prst="rect">
             <a:avLst/>
@@ -1340,18 +1266,15 @@
             <a:normAutofit/>
           </a:bodyPr>
           <a:p>
-            <a:endParaRPr b="0" lang="en-US" sz="1540" spc="-1" strike="noStrike">
-              <a:solidFill>
-                <a:srgbClr val="000000"/>
-              </a:solidFill>
-              <a:latin typeface="Arial"/>
-            </a:endParaRPr>
-          </a:p>
-        </p:txBody>
-      </p:sp>
-      <p:sp>
-        <p:nvSpPr>
-          <p:cNvPr id="61" name="PlaceHolder 3"/>
+            <a:endParaRPr b="0" lang="nl-NL" sz="3200" spc="-1" strike="noStrike">
+              <a:latin typeface="Arial"/>
+            </a:endParaRPr>
+          </a:p>
+        </p:txBody>
+      </p:sp>
+      <p:sp>
+        <p:nvSpPr>
+          <p:cNvPr id="57" name="PlaceHolder 3"/>
           <p:cNvSpPr>
             <a:spLocks noGrp="1"/>
           </p:cNvSpPr>
@@ -1362,7 +1285,7 @@
         <p:spPr>
           <a:xfrm>
             <a:off x="5150880" y="1326240"/>
-            <a:ext cx="4425480" cy="1568160"/>
+            <a:ext cx="4425480" cy="1567800"/>
           </a:xfrm>
           <a:prstGeom prst="rect">
             <a:avLst/>
@@ -1373,18 +1296,15 @@
             <a:normAutofit/>
           </a:bodyPr>
           <a:p>
-            <a:endParaRPr b="0" lang="en-US" sz="1540" spc="-1" strike="noStrike">
-              <a:solidFill>
-                <a:srgbClr val="000000"/>
-              </a:solidFill>
-              <a:latin typeface="Arial"/>
-            </a:endParaRPr>
-          </a:p>
-        </p:txBody>
-      </p:sp>
-      <p:sp>
-        <p:nvSpPr>
-          <p:cNvPr id="62" name="PlaceHolder 4"/>
+            <a:endParaRPr b="0" lang="nl-NL" sz="3200" spc="-1" strike="noStrike">
+              <a:latin typeface="Arial"/>
+            </a:endParaRPr>
+          </a:p>
+        </p:txBody>
+      </p:sp>
+      <p:sp>
+        <p:nvSpPr>
+          <p:cNvPr id="58" name="PlaceHolder 4"/>
           <p:cNvSpPr>
             <a:spLocks noGrp="1"/>
           </p:cNvSpPr>
@@ -1394,8 +1314,8 @@
         </p:nvSpPr>
         <p:spPr>
           <a:xfrm>
-            <a:off x="5150880" y="3043800"/>
-            <a:ext cx="4425480" cy="1568160"/>
+            <a:off x="5150880" y="3043440"/>
+            <a:ext cx="4425480" cy="1567800"/>
           </a:xfrm>
           <a:prstGeom prst="rect">
             <a:avLst/>
@@ -1406,10 +1326,7 @@
             <a:normAutofit/>
           </a:bodyPr>
           <a:p>
-            <a:endParaRPr b="0" lang="en-US" sz="1540" spc="-1" strike="noStrike">
-              <a:solidFill>
-                <a:srgbClr val="000000"/>
-              </a:solidFill>
+            <a:endParaRPr b="0" lang="nl-NL" sz="3200" spc="-1" strike="noStrike">
               <a:latin typeface="Arial"/>
             </a:endParaRPr>
           </a:p>
@@ -1439,7 +1356,7 @@
       </p:grpSpPr>
       <p:sp>
         <p:nvSpPr>
-          <p:cNvPr id="63" name="PlaceHolder 1"/>
+          <p:cNvPr id="59" name="PlaceHolder 1"/>
           <p:cNvSpPr>
             <a:spLocks noGrp="1"/>
           </p:cNvSpPr>
@@ -1450,7 +1367,7 @@
         <p:spPr>
           <a:xfrm>
             <a:off x="503640" y="225720"/>
-            <a:ext cx="9068760" cy="946440"/>
+            <a:ext cx="9068400" cy="946080"/>
           </a:xfrm>
           <a:prstGeom prst="rect">
             <a:avLst/>
@@ -1461,18 +1378,16 @@
             <a:noAutofit/>
           </a:bodyPr>
           <a:p>
-            <a:endParaRPr b="0" lang="en-US" sz="1800" spc="-1" strike="noStrike">
-              <a:solidFill>
-                <a:srgbClr val="000000"/>
-              </a:solidFill>
-              <a:latin typeface="Arial"/>
-            </a:endParaRPr>
-          </a:p>
-        </p:txBody>
-      </p:sp>
-      <p:sp>
-        <p:nvSpPr>
-          <p:cNvPr id="64" name="PlaceHolder 2"/>
+            <a:pPr algn="ctr"/>
+            <a:endParaRPr b="0" lang="nl-NL" sz="4400" spc="-1" strike="noStrike">
+              <a:latin typeface="Arial"/>
+            </a:endParaRPr>
+          </a:p>
+        </p:txBody>
+      </p:sp>
+      <p:sp>
+        <p:nvSpPr>
+          <p:cNvPr id="60" name="PlaceHolder 2"/>
           <p:cNvSpPr>
             <a:spLocks noGrp="1"/>
           </p:cNvSpPr>
@@ -1483,7 +1398,7 @@
         <p:spPr>
           <a:xfrm>
             <a:off x="503640" y="1326240"/>
-            <a:ext cx="4425480" cy="1568160"/>
+            <a:ext cx="4425480" cy="1567800"/>
           </a:xfrm>
           <a:prstGeom prst="rect">
             <a:avLst/>
@@ -1494,18 +1409,15 @@
             <a:normAutofit/>
           </a:bodyPr>
           <a:p>
-            <a:endParaRPr b="0" lang="en-US" sz="1540" spc="-1" strike="noStrike">
-              <a:solidFill>
-                <a:srgbClr val="000000"/>
-              </a:solidFill>
-              <a:latin typeface="Arial"/>
-            </a:endParaRPr>
-          </a:p>
-        </p:txBody>
-      </p:sp>
-      <p:sp>
-        <p:nvSpPr>
-          <p:cNvPr id="65" name="PlaceHolder 3"/>
+            <a:endParaRPr b="0" lang="nl-NL" sz="3200" spc="-1" strike="noStrike">
+              <a:latin typeface="Arial"/>
+            </a:endParaRPr>
+          </a:p>
+        </p:txBody>
+      </p:sp>
+      <p:sp>
+        <p:nvSpPr>
+          <p:cNvPr id="61" name="PlaceHolder 3"/>
           <p:cNvSpPr>
             <a:spLocks noGrp="1"/>
           </p:cNvSpPr>
@@ -1516,7 +1428,7 @@
         <p:spPr>
           <a:xfrm>
             <a:off x="5150880" y="1326240"/>
-            <a:ext cx="4425480" cy="1568160"/>
+            <a:ext cx="4425480" cy="1567800"/>
           </a:xfrm>
           <a:prstGeom prst="rect">
             <a:avLst/>
@@ -1527,18 +1439,15 @@
             <a:normAutofit/>
           </a:bodyPr>
           <a:p>
-            <a:endParaRPr b="0" lang="en-US" sz="1540" spc="-1" strike="noStrike">
-              <a:solidFill>
-                <a:srgbClr val="000000"/>
-              </a:solidFill>
-              <a:latin typeface="Arial"/>
-            </a:endParaRPr>
-          </a:p>
-        </p:txBody>
-      </p:sp>
-      <p:sp>
-        <p:nvSpPr>
-          <p:cNvPr id="66" name="PlaceHolder 4"/>
+            <a:endParaRPr b="0" lang="nl-NL" sz="3200" spc="-1" strike="noStrike">
+              <a:latin typeface="Arial"/>
+            </a:endParaRPr>
+          </a:p>
+        </p:txBody>
+      </p:sp>
+      <p:sp>
+        <p:nvSpPr>
+          <p:cNvPr id="62" name="PlaceHolder 4"/>
           <p:cNvSpPr>
             <a:spLocks noGrp="1"/>
           </p:cNvSpPr>
@@ -1548,8 +1457,8 @@
         </p:nvSpPr>
         <p:spPr>
           <a:xfrm>
-            <a:off x="503640" y="3043800"/>
-            <a:ext cx="9068760" cy="1568160"/>
+            <a:off x="503640" y="3043440"/>
+            <a:ext cx="9069120" cy="1567800"/>
           </a:xfrm>
           <a:prstGeom prst="rect">
             <a:avLst/>
@@ -1560,10 +1469,7 @@
             <a:normAutofit/>
           </a:bodyPr>
           <a:p>
-            <a:endParaRPr b="0" lang="en-US" sz="1540" spc="-1" strike="noStrike">
-              <a:solidFill>
-                <a:srgbClr val="000000"/>
-              </a:solidFill>
+            <a:endParaRPr b="0" lang="nl-NL" sz="3200" spc="-1" strike="noStrike">
               <a:latin typeface="Arial"/>
             </a:endParaRPr>
           </a:p>
@@ -1593,7 +1499,7 @@
       </p:grpSpPr>
       <p:sp>
         <p:nvSpPr>
-          <p:cNvPr id="67" name="PlaceHolder 1"/>
+          <p:cNvPr id="63" name="PlaceHolder 1"/>
           <p:cNvSpPr>
             <a:spLocks noGrp="1"/>
           </p:cNvSpPr>
@@ -1604,7 +1510,7 @@
         <p:spPr>
           <a:xfrm>
             <a:off x="503640" y="225720"/>
-            <a:ext cx="9068760" cy="946440"/>
+            <a:ext cx="9068400" cy="946080"/>
           </a:xfrm>
           <a:prstGeom prst="rect">
             <a:avLst/>
@@ -1615,18 +1521,16 @@
             <a:noAutofit/>
           </a:bodyPr>
           <a:p>
-            <a:endParaRPr b="0" lang="en-US" sz="1800" spc="-1" strike="noStrike">
-              <a:solidFill>
-                <a:srgbClr val="000000"/>
-              </a:solidFill>
-              <a:latin typeface="Arial"/>
-            </a:endParaRPr>
-          </a:p>
-        </p:txBody>
-      </p:sp>
-      <p:sp>
-        <p:nvSpPr>
-          <p:cNvPr id="68" name="PlaceHolder 2"/>
+            <a:pPr algn="ctr"/>
+            <a:endParaRPr b="0" lang="nl-NL" sz="4400" spc="-1" strike="noStrike">
+              <a:latin typeface="Arial"/>
+            </a:endParaRPr>
+          </a:p>
+        </p:txBody>
+      </p:sp>
+      <p:sp>
+        <p:nvSpPr>
+          <p:cNvPr id="64" name="PlaceHolder 2"/>
           <p:cNvSpPr>
             <a:spLocks noGrp="1"/>
           </p:cNvSpPr>
@@ -1637,7 +1541,7 @@
         <p:spPr>
           <a:xfrm>
             <a:off x="503640" y="1326240"/>
-            <a:ext cx="9068760" cy="1568160"/>
+            <a:ext cx="9069120" cy="1567800"/>
           </a:xfrm>
           <a:prstGeom prst="rect">
             <a:avLst/>
@@ -1648,18 +1552,15 @@
             <a:normAutofit/>
           </a:bodyPr>
           <a:p>
-            <a:endParaRPr b="0" lang="en-US" sz="1540" spc="-1" strike="noStrike">
-              <a:solidFill>
-                <a:srgbClr val="000000"/>
-              </a:solidFill>
-              <a:latin typeface="Arial"/>
-            </a:endParaRPr>
-          </a:p>
-        </p:txBody>
-      </p:sp>
-      <p:sp>
-        <p:nvSpPr>
-          <p:cNvPr id="69" name="PlaceHolder 3"/>
+            <a:endParaRPr b="0" lang="nl-NL" sz="3200" spc="-1" strike="noStrike">
+              <a:latin typeface="Arial"/>
+            </a:endParaRPr>
+          </a:p>
+        </p:txBody>
+      </p:sp>
+      <p:sp>
+        <p:nvSpPr>
+          <p:cNvPr id="65" name="PlaceHolder 3"/>
           <p:cNvSpPr>
             <a:spLocks noGrp="1"/>
           </p:cNvSpPr>
@@ -1669,8 +1570,8 @@
         </p:nvSpPr>
         <p:spPr>
           <a:xfrm>
-            <a:off x="503640" y="3043800"/>
-            <a:ext cx="9068760" cy="1568160"/>
+            <a:off x="503640" y="3043440"/>
+            <a:ext cx="9069120" cy="1567800"/>
           </a:xfrm>
           <a:prstGeom prst="rect">
             <a:avLst/>
@@ -1681,10 +1582,7 @@
             <a:normAutofit/>
           </a:bodyPr>
           <a:p>
-            <a:endParaRPr b="0" lang="en-US" sz="1540" spc="-1" strike="noStrike">
-              <a:solidFill>
-                <a:srgbClr val="000000"/>
-              </a:solidFill>
+            <a:endParaRPr b="0" lang="nl-NL" sz="3200" spc="-1" strike="noStrike">
               <a:latin typeface="Arial"/>
             </a:endParaRPr>
           </a:p>
@@ -1714,7 +1612,7 @@
       </p:grpSpPr>
       <p:sp>
         <p:nvSpPr>
-          <p:cNvPr id="70" name="PlaceHolder 1"/>
+          <p:cNvPr id="66" name="PlaceHolder 1"/>
           <p:cNvSpPr>
             <a:spLocks noGrp="1"/>
           </p:cNvSpPr>
@@ -1725,7 +1623,7 @@
         <p:spPr>
           <a:xfrm>
             <a:off x="503640" y="225720"/>
-            <a:ext cx="9068760" cy="946440"/>
+            <a:ext cx="9068400" cy="946080"/>
           </a:xfrm>
           <a:prstGeom prst="rect">
             <a:avLst/>
@@ -1736,18 +1634,16 @@
             <a:noAutofit/>
           </a:bodyPr>
           <a:p>
-            <a:endParaRPr b="0" lang="en-US" sz="1800" spc="-1" strike="noStrike">
-              <a:solidFill>
-                <a:srgbClr val="000000"/>
-              </a:solidFill>
-              <a:latin typeface="Arial"/>
-            </a:endParaRPr>
-          </a:p>
-        </p:txBody>
-      </p:sp>
-      <p:sp>
-        <p:nvSpPr>
-          <p:cNvPr id="71" name="PlaceHolder 2"/>
+            <a:pPr algn="ctr"/>
+            <a:endParaRPr b="0" lang="nl-NL" sz="4400" spc="-1" strike="noStrike">
+              <a:latin typeface="Arial"/>
+            </a:endParaRPr>
+          </a:p>
+        </p:txBody>
+      </p:sp>
+      <p:sp>
+        <p:nvSpPr>
+          <p:cNvPr id="67" name="PlaceHolder 2"/>
           <p:cNvSpPr>
             <a:spLocks noGrp="1"/>
           </p:cNvSpPr>
@@ -1758,7 +1654,7 @@
         <p:spPr>
           <a:xfrm>
             <a:off x="503640" y="1326240"/>
-            <a:ext cx="4425480" cy="1568160"/>
+            <a:ext cx="4425480" cy="1567800"/>
           </a:xfrm>
           <a:prstGeom prst="rect">
             <a:avLst/>
@@ -1769,18 +1665,15 @@
             <a:normAutofit/>
           </a:bodyPr>
           <a:p>
-            <a:endParaRPr b="0" lang="en-US" sz="1540" spc="-1" strike="noStrike">
-              <a:solidFill>
-                <a:srgbClr val="000000"/>
-              </a:solidFill>
-              <a:latin typeface="Arial"/>
-            </a:endParaRPr>
-          </a:p>
-        </p:txBody>
-      </p:sp>
-      <p:sp>
-        <p:nvSpPr>
-          <p:cNvPr id="72" name="PlaceHolder 3"/>
+            <a:endParaRPr b="0" lang="nl-NL" sz="3200" spc="-1" strike="noStrike">
+              <a:latin typeface="Arial"/>
+            </a:endParaRPr>
+          </a:p>
+        </p:txBody>
+      </p:sp>
+      <p:sp>
+        <p:nvSpPr>
+          <p:cNvPr id="68" name="PlaceHolder 3"/>
           <p:cNvSpPr>
             <a:spLocks noGrp="1"/>
           </p:cNvSpPr>
@@ -1791,7 +1684,7 @@
         <p:spPr>
           <a:xfrm>
             <a:off x="5150880" y="1326240"/>
-            <a:ext cx="4425480" cy="1568160"/>
+            <a:ext cx="4425480" cy="1567800"/>
           </a:xfrm>
           <a:prstGeom prst="rect">
             <a:avLst/>
@@ -1802,18 +1695,15 @@
             <a:normAutofit/>
           </a:bodyPr>
           <a:p>
-            <a:endParaRPr b="0" lang="en-US" sz="1540" spc="-1" strike="noStrike">
-              <a:solidFill>
-                <a:srgbClr val="000000"/>
-              </a:solidFill>
-              <a:latin typeface="Arial"/>
-            </a:endParaRPr>
-          </a:p>
-        </p:txBody>
-      </p:sp>
-      <p:sp>
-        <p:nvSpPr>
-          <p:cNvPr id="73" name="PlaceHolder 4"/>
+            <a:endParaRPr b="0" lang="nl-NL" sz="3200" spc="-1" strike="noStrike">
+              <a:latin typeface="Arial"/>
+            </a:endParaRPr>
+          </a:p>
+        </p:txBody>
+      </p:sp>
+      <p:sp>
+        <p:nvSpPr>
+          <p:cNvPr id="69" name="PlaceHolder 4"/>
           <p:cNvSpPr>
             <a:spLocks noGrp="1"/>
           </p:cNvSpPr>
@@ -1823,8 +1713,8 @@
         </p:nvSpPr>
         <p:spPr>
           <a:xfrm>
-            <a:off x="503640" y="3043800"/>
-            <a:ext cx="4425480" cy="1568160"/>
+            <a:off x="503640" y="3043440"/>
+            <a:ext cx="4425480" cy="1567800"/>
           </a:xfrm>
           <a:prstGeom prst="rect">
             <a:avLst/>
@@ -1835,18 +1725,15 @@
             <a:normAutofit/>
           </a:bodyPr>
           <a:p>
-            <a:endParaRPr b="0" lang="en-US" sz="1540" spc="-1" strike="noStrike">
-              <a:solidFill>
-                <a:srgbClr val="000000"/>
-              </a:solidFill>
-              <a:latin typeface="Arial"/>
-            </a:endParaRPr>
-          </a:p>
-        </p:txBody>
-      </p:sp>
-      <p:sp>
-        <p:nvSpPr>
-          <p:cNvPr id="74" name="PlaceHolder 5"/>
+            <a:endParaRPr b="0" lang="nl-NL" sz="3200" spc="-1" strike="noStrike">
+              <a:latin typeface="Arial"/>
+            </a:endParaRPr>
+          </a:p>
+        </p:txBody>
+      </p:sp>
+      <p:sp>
+        <p:nvSpPr>
+          <p:cNvPr id="70" name="PlaceHolder 5"/>
           <p:cNvSpPr>
             <a:spLocks noGrp="1"/>
           </p:cNvSpPr>
@@ -1856,8 +1743,8 @@
         </p:nvSpPr>
         <p:spPr>
           <a:xfrm>
-            <a:off x="5150880" y="3043800"/>
-            <a:ext cx="4425480" cy="1568160"/>
+            <a:off x="5150880" y="3043440"/>
+            <a:ext cx="4425480" cy="1567800"/>
           </a:xfrm>
           <a:prstGeom prst="rect">
             <a:avLst/>
@@ -1868,10 +1755,7 @@
             <a:normAutofit/>
           </a:bodyPr>
           <a:p>
-            <a:endParaRPr b="0" lang="en-US" sz="1540" spc="-1" strike="noStrike">
-              <a:solidFill>
-                <a:srgbClr val="000000"/>
-              </a:solidFill>
+            <a:endParaRPr b="0" lang="nl-NL" sz="3200" spc="-1" strike="noStrike">
               <a:latin typeface="Arial"/>
             </a:endParaRPr>
           </a:p>
@@ -1901,7 +1785,7 @@
       </p:grpSpPr>
       <p:sp>
         <p:nvSpPr>
-          <p:cNvPr id="75" name="PlaceHolder 1"/>
+          <p:cNvPr id="71" name="PlaceHolder 1"/>
           <p:cNvSpPr>
             <a:spLocks noGrp="1"/>
           </p:cNvSpPr>
@@ -1912,7 +1796,7 @@
         <p:spPr>
           <a:xfrm>
             <a:off x="503640" y="225720"/>
-            <a:ext cx="9068760" cy="946440"/>
+            <a:ext cx="9068400" cy="946080"/>
           </a:xfrm>
           <a:prstGeom prst="rect">
             <a:avLst/>
@@ -1923,18 +1807,16 @@
             <a:noAutofit/>
           </a:bodyPr>
           <a:p>
-            <a:endParaRPr b="0" lang="en-US" sz="1800" spc="-1" strike="noStrike">
-              <a:solidFill>
-                <a:srgbClr val="000000"/>
-              </a:solidFill>
-              <a:latin typeface="Arial"/>
-            </a:endParaRPr>
-          </a:p>
-        </p:txBody>
-      </p:sp>
-      <p:sp>
-        <p:nvSpPr>
-          <p:cNvPr id="76" name="PlaceHolder 2"/>
+            <a:pPr algn="ctr"/>
+            <a:endParaRPr b="0" lang="nl-NL" sz="4400" spc="-1" strike="noStrike">
+              <a:latin typeface="Arial"/>
+            </a:endParaRPr>
+          </a:p>
+        </p:txBody>
+      </p:sp>
+      <p:sp>
+        <p:nvSpPr>
+          <p:cNvPr id="72" name="PlaceHolder 2"/>
           <p:cNvSpPr>
             <a:spLocks noGrp="1"/>
           </p:cNvSpPr>
@@ -1945,7 +1827,7 @@
         <p:spPr>
           <a:xfrm>
             <a:off x="503640" y="1326240"/>
-            <a:ext cx="2919960" cy="1568160"/>
+            <a:ext cx="2919960" cy="1567800"/>
           </a:xfrm>
           <a:prstGeom prst="rect">
             <a:avLst/>
@@ -1956,18 +1838,15 @@
             <a:normAutofit/>
           </a:bodyPr>
           <a:p>
-            <a:endParaRPr b="0" lang="en-US" sz="1540" spc="-1" strike="noStrike">
-              <a:solidFill>
-                <a:srgbClr val="000000"/>
-              </a:solidFill>
-              <a:latin typeface="Arial"/>
-            </a:endParaRPr>
-          </a:p>
-        </p:txBody>
-      </p:sp>
-      <p:sp>
-        <p:nvSpPr>
-          <p:cNvPr id="77" name="PlaceHolder 3"/>
+            <a:endParaRPr b="0" lang="nl-NL" sz="3200" spc="-1" strike="noStrike">
+              <a:latin typeface="Arial"/>
+            </a:endParaRPr>
+          </a:p>
+        </p:txBody>
+      </p:sp>
+      <p:sp>
+        <p:nvSpPr>
+          <p:cNvPr id="73" name="PlaceHolder 3"/>
           <p:cNvSpPr>
             <a:spLocks noGrp="1"/>
           </p:cNvSpPr>
@@ -1978,7 +1857,7 @@
         <p:spPr>
           <a:xfrm>
             <a:off x="3570120" y="1326240"/>
-            <a:ext cx="2919960" cy="1568160"/>
+            <a:ext cx="2919960" cy="1567800"/>
           </a:xfrm>
           <a:prstGeom prst="rect">
             <a:avLst/>
@@ -1989,18 +1868,15 @@
             <a:normAutofit/>
           </a:bodyPr>
           <a:p>
-            <a:endParaRPr b="0" lang="en-US" sz="1540" spc="-1" strike="noStrike">
-              <a:solidFill>
-                <a:srgbClr val="000000"/>
-              </a:solidFill>
-              <a:latin typeface="Arial"/>
-            </a:endParaRPr>
-          </a:p>
-        </p:txBody>
-      </p:sp>
-      <p:sp>
-        <p:nvSpPr>
-          <p:cNvPr id="78" name="PlaceHolder 4"/>
+            <a:endParaRPr b="0" lang="nl-NL" sz="3200" spc="-1" strike="noStrike">
+              <a:latin typeface="Arial"/>
+            </a:endParaRPr>
+          </a:p>
+        </p:txBody>
+      </p:sp>
+      <p:sp>
+        <p:nvSpPr>
+          <p:cNvPr id="74" name="PlaceHolder 4"/>
           <p:cNvSpPr>
             <a:spLocks noGrp="1"/>
           </p:cNvSpPr>
@@ -2011,7 +1887,7 @@
         <p:spPr>
           <a:xfrm>
             <a:off x="6636240" y="1326240"/>
-            <a:ext cx="2919960" cy="1568160"/>
+            <a:ext cx="2919960" cy="1567800"/>
           </a:xfrm>
           <a:prstGeom prst="rect">
             <a:avLst/>
@@ -2022,18 +1898,15 @@
             <a:normAutofit/>
           </a:bodyPr>
           <a:p>
-            <a:endParaRPr b="0" lang="en-US" sz="1540" spc="-1" strike="noStrike">
-              <a:solidFill>
-                <a:srgbClr val="000000"/>
-              </a:solidFill>
-              <a:latin typeface="Arial"/>
-            </a:endParaRPr>
-          </a:p>
-        </p:txBody>
-      </p:sp>
-      <p:sp>
-        <p:nvSpPr>
-          <p:cNvPr id="79" name="PlaceHolder 5"/>
+            <a:endParaRPr b="0" lang="nl-NL" sz="3200" spc="-1" strike="noStrike">
+              <a:latin typeface="Arial"/>
+            </a:endParaRPr>
+          </a:p>
+        </p:txBody>
+      </p:sp>
+      <p:sp>
+        <p:nvSpPr>
+          <p:cNvPr id="75" name="PlaceHolder 5"/>
           <p:cNvSpPr>
             <a:spLocks noGrp="1"/>
           </p:cNvSpPr>
@@ -2043,8 +1916,8 @@
         </p:nvSpPr>
         <p:spPr>
           <a:xfrm>
-            <a:off x="503640" y="3043800"/>
-            <a:ext cx="2919960" cy="1568160"/>
+            <a:off x="503640" y="3043440"/>
+            <a:ext cx="2919960" cy="1567800"/>
           </a:xfrm>
           <a:prstGeom prst="rect">
             <a:avLst/>
@@ -2055,18 +1928,15 @@
             <a:normAutofit/>
           </a:bodyPr>
           <a:p>
-            <a:endParaRPr b="0" lang="en-US" sz="1540" spc="-1" strike="noStrike">
-              <a:solidFill>
-                <a:srgbClr val="000000"/>
-              </a:solidFill>
-              <a:latin typeface="Arial"/>
-            </a:endParaRPr>
-          </a:p>
-        </p:txBody>
-      </p:sp>
-      <p:sp>
-        <p:nvSpPr>
-          <p:cNvPr id="80" name="PlaceHolder 6"/>
+            <a:endParaRPr b="0" lang="nl-NL" sz="3200" spc="-1" strike="noStrike">
+              <a:latin typeface="Arial"/>
+            </a:endParaRPr>
+          </a:p>
+        </p:txBody>
+      </p:sp>
+      <p:sp>
+        <p:nvSpPr>
+          <p:cNvPr id="76" name="PlaceHolder 6"/>
           <p:cNvSpPr>
             <a:spLocks noGrp="1"/>
           </p:cNvSpPr>
@@ -2076,8 +1946,8 @@
         </p:nvSpPr>
         <p:spPr>
           <a:xfrm>
-            <a:off x="3570120" y="3043800"/>
-            <a:ext cx="2919960" cy="1568160"/>
+            <a:off x="3570120" y="3043440"/>
+            <a:ext cx="2919960" cy="1567800"/>
           </a:xfrm>
           <a:prstGeom prst="rect">
             <a:avLst/>
@@ -2088,18 +1958,15 @@
             <a:normAutofit/>
           </a:bodyPr>
           <a:p>
-            <a:endParaRPr b="0" lang="en-US" sz="1540" spc="-1" strike="noStrike">
-              <a:solidFill>
-                <a:srgbClr val="000000"/>
-              </a:solidFill>
-              <a:latin typeface="Arial"/>
-            </a:endParaRPr>
-          </a:p>
-        </p:txBody>
-      </p:sp>
-      <p:sp>
-        <p:nvSpPr>
-          <p:cNvPr id="81" name="PlaceHolder 7"/>
+            <a:endParaRPr b="0" lang="nl-NL" sz="3200" spc="-1" strike="noStrike">
+              <a:latin typeface="Arial"/>
+            </a:endParaRPr>
+          </a:p>
+        </p:txBody>
+      </p:sp>
+      <p:sp>
+        <p:nvSpPr>
+          <p:cNvPr id="77" name="PlaceHolder 7"/>
           <p:cNvSpPr>
             <a:spLocks noGrp="1"/>
           </p:cNvSpPr>
@@ -2109,8 +1976,8 @@
         </p:nvSpPr>
         <p:spPr>
           <a:xfrm>
-            <a:off x="6636240" y="3043800"/>
-            <a:ext cx="2919960" cy="1568160"/>
+            <a:off x="6636240" y="3043440"/>
+            <a:ext cx="2919960" cy="1567800"/>
           </a:xfrm>
           <a:prstGeom prst="rect">
             <a:avLst/>
@@ -2121,382 +1988,7 @@
             <a:normAutofit/>
           </a:bodyPr>
           <a:p>
-            <a:endParaRPr b="0" lang="en-US" sz="1540" spc="-1" strike="noStrike">
-              <a:solidFill>
-                <a:srgbClr val="000000"/>
-              </a:solidFill>
-              <a:latin typeface="Arial"/>
-            </a:endParaRPr>
-          </a:p>
-        </p:txBody>
-      </p:sp>
-    </p:spTree>
-  </p:cSld>
-</p:sldLayout>
-</file>
-
-<file path=ppt/slideLayouts/slideLayout25.xml><?xml version="1.0" encoding="utf-8"?>
-<p:sldLayout xmlns:a="http://schemas.openxmlformats.org/drawingml/2006/main" xmlns:p="http://schemas.openxmlformats.org/presentationml/2006/main" xmlns:r="http://schemas.openxmlformats.org/officeDocument/2006/relationships" xmlns:p14="http://schemas.microsoft.com/office/powerpoint/2010/main" xmlns:p15="http://schemas.microsoft.com/office/powerpoint/2012/main" xmlns:mc="http://schemas.openxmlformats.org/markup-compatibility/2006" type="blank" preserve="1">
-  <p:cSld name="Blank Slide">
-    <p:spTree>
-      <p:nvGrpSpPr>
-        <p:cNvPr id="1" name=""/>
-        <p:cNvGrpSpPr/>
-        <p:nvPr/>
-      </p:nvGrpSpPr>
-      <p:grpSpPr>
-        <a:xfrm>
-          <a:off x="0" y="0"/>
-          <a:ext cx="0" cy="0"/>
-          <a:chOff x="0" y="0"/>
-          <a:chExt cx="0" cy="0"/>
-        </a:xfrm>
-      </p:grpSpPr>
-    </p:spTree>
-  </p:cSld>
-</p:sldLayout>
-</file>
-
-<file path=ppt/slideLayouts/slideLayout26.xml><?xml version="1.0" encoding="utf-8"?>
-<p:sldLayout xmlns:a="http://schemas.openxmlformats.org/drawingml/2006/main" xmlns:p="http://schemas.openxmlformats.org/presentationml/2006/main" xmlns:r="http://schemas.openxmlformats.org/officeDocument/2006/relationships" xmlns:p14="http://schemas.microsoft.com/office/powerpoint/2010/main" xmlns:p15="http://schemas.microsoft.com/office/powerpoint/2012/main" xmlns:mc="http://schemas.openxmlformats.org/markup-compatibility/2006" type="tx" preserve="1">
-  <p:cSld name="Title Slide">
-    <p:spTree>
-      <p:nvGrpSpPr>
-        <p:cNvPr id="1" name=""/>
-        <p:cNvGrpSpPr/>
-        <p:nvPr/>
-      </p:nvGrpSpPr>
-      <p:grpSpPr>
-        <a:xfrm>
-          <a:off x="0" y="0"/>
-          <a:ext cx="0" cy="0"/>
-          <a:chOff x="0" y="0"/>
-          <a:chExt cx="0" cy="0"/>
-        </a:xfrm>
-      </p:grpSpPr>
-      <p:sp>
-        <p:nvSpPr>
-          <p:cNvPr id="85" name="PlaceHolder 1"/>
-          <p:cNvSpPr>
-            <a:spLocks noGrp="1"/>
-          </p:cNvSpPr>
-          <p:nvPr>
-            <p:ph type="title"/>
-          </p:nvPr>
-        </p:nvSpPr>
-        <p:spPr>
-          <a:xfrm>
-            <a:off x="503640" y="225720"/>
-            <a:ext cx="9068760" cy="946440"/>
-          </a:xfrm>
-          <a:prstGeom prst="rect">
-            <a:avLst/>
-          </a:prstGeom>
-        </p:spPr>
-        <p:txBody>
-          <a:bodyPr lIns="0" rIns="0" tIns="0" bIns="0" anchor="ctr">
-            <a:noAutofit/>
-          </a:bodyPr>
-          <a:p>
-            <a:endParaRPr b="0" lang="en-US" sz="1800" spc="-1" strike="noStrike">
-              <a:solidFill>
-                <a:srgbClr val="000000"/>
-              </a:solidFill>
-              <a:latin typeface="Arial"/>
-            </a:endParaRPr>
-          </a:p>
-        </p:txBody>
-      </p:sp>
-      <p:sp>
-        <p:nvSpPr>
-          <p:cNvPr id="86" name="PlaceHolder 2"/>
-          <p:cNvSpPr>
-            <a:spLocks noGrp="1"/>
-          </p:cNvSpPr>
-          <p:nvPr>
-            <p:ph type="subTitle"/>
-          </p:nvPr>
-        </p:nvSpPr>
-        <p:spPr>
-          <a:xfrm>
-            <a:off x="503640" y="1326240"/>
-            <a:ext cx="9068760" cy="3287880"/>
-          </a:xfrm>
-          <a:prstGeom prst="rect">
-            <a:avLst/>
-          </a:prstGeom>
-        </p:spPr>
-        <p:txBody>
-          <a:bodyPr lIns="0" rIns="0" tIns="0" bIns="0" anchor="ctr">
-            <a:noAutofit/>
-          </a:bodyPr>
-          <a:p>
-            <a:pPr algn="ctr"/>
-            <a:endParaRPr b="0" lang="en-US" sz="3200" spc="-1" strike="noStrike">
-              <a:latin typeface="Arial"/>
-            </a:endParaRPr>
-          </a:p>
-        </p:txBody>
-      </p:sp>
-    </p:spTree>
-  </p:cSld>
-</p:sldLayout>
-</file>
-
-<file path=ppt/slideLayouts/slideLayout27.xml><?xml version="1.0" encoding="utf-8"?>
-<p:sldLayout xmlns:a="http://schemas.openxmlformats.org/drawingml/2006/main" xmlns:p="http://schemas.openxmlformats.org/presentationml/2006/main" xmlns:r="http://schemas.openxmlformats.org/officeDocument/2006/relationships" xmlns:p14="http://schemas.microsoft.com/office/powerpoint/2010/main" xmlns:p15="http://schemas.microsoft.com/office/powerpoint/2012/main" xmlns:mc="http://schemas.openxmlformats.org/markup-compatibility/2006" type="obj" preserve="1">
-  <p:cSld name="Title, Content">
-    <p:spTree>
-      <p:nvGrpSpPr>
-        <p:cNvPr id="1" name=""/>
-        <p:cNvGrpSpPr/>
-        <p:nvPr/>
-      </p:nvGrpSpPr>
-      <p:grpSpPr>
-        <a:xfrm>
-          <a:off x="0" y="0"/>
-          <a:ext cx="0" cy="0"/>
-          <a:chOff x="0" y="0"/>
-          <a:chExt cx="0" cy="0"/>
-        </a:xfrm>
-      </p:grpSpPr>
-      <p:sp>
-        <p:nvSpPr>
-          <p:cNvPr id="87" name="PlaceHolder 1"/>
-          <p:cNvSpPr>
-            <a:spLocks noGrp="1"/>
-          </p:cNvSpPr>
-          <p:nvPr>
-            <p:ph type="title"/>
-          </p:nvPr>
-        </p:nvSpPr>
-        <p:spPr>
-          <a:xfrm>
-            <a:off x="503640" y="225720"/>
-            <a:ext cx="9068760" cy="946440"/>
-          </a:xfrm>
-          <a:prstGeom prst="rect">
-            <a:avLst/>
-          </a:prstGeom>
-        </p:spPr>
-        <p:txBody>
-          <a:bodyPr lIns="0" rIns="0" tIns="0" bIns="0" anchor="ctr">
-            <a:noAutofit/>
-          </a:bodyPr>
-          <a:p>
-            <a:endParaRPr b="0" lang="en-US" sz="1800" spc="-1" strike="noStrike">
-              <a:solidFill>
-                <a:srgbClr val="000000"/>
-              </a:solidFill>
-              <a:latin typeface="Arial"/>
-            </a:endParaRPr>
-          </a:p>
-        </p:txBody>
-      </p:sp>
-      <p:sp>
-        <p:nvSpPr>
-          <p:cNvPr id="88" name="PlaceHolder 2"/>
-          <p:cNvSpPr>
-            <a:spLocks noGrp="1"/>
-          </p:cNvSpPr>
-          <p:nvPr>
-            <p:ph type="body"/>
-          </p:nvPr>
-        </p:nvSpPr>
-        <p:spPr>
-          <a:xfrm>
-            <a:off x="503640" y="1326240"/>
-            <a:ext cx="9068760" cy="3287880"/>
-          </a:xfrm>
-          <a:prstGeom prst="rect">
-            <a:avLst/>
-          </a:prstGeom>
-        </p:spPr>
-        <p:txBody>
-          <a:bodyPr lIns="0" rIns="0" tIns="0" bIns="0">
-            <a:normAutofit/>
-          </a:bodyPr>
-          <a:p>
-            <a:endParaRPr b="0" lang="en-US" sz="1540" spc="-1" strike="noStrike">
-              <a:solidFill>
-                <a:srgbClr val="000000"/>
-              </a:solidFill>
-              <a:latin typeface="Arial"/>
-            </a:endParaRPr>
-          </a:p>
-        </p:txBody>
-      </p:sp>
-    </p:spTree>
-  </p:cSld>
-</p:sldLayout>
-</file>
-
-<file path=ppt/slideLayouts/slideLayout28.xml><?xml version="1.0" encoding="utf-8"?>
-<p:sldLayout xmlns:a="http://schemas.openxmlformats.org/drawingml/2006/main" xmlns:p="http://schemas.openxmlformats.org/presentationml/2006/main" xmlns:r="http://schemas.openxmlformats.org/officeDocument/2006/relationships" xmlns:p14="http://schemas.microsoft.com/office/powerpoint/2010/main" xmlns:p15="http://schemas.microsoft.com/office/powerpoint/2012/main" xmlns:mc="http://schemas.openxmlformats.org/markup-compatibility/2006" type="twoObj" preserve="1">
-  <p:cSld name="Title, 2 Content">
-    <p:spTree>
-      <p:nvGrpSpPr>
-        <p:cNvPr id="1" name=""/>
-        <p:cNvGrpSpPr/>
-        <p:nvPr/>
-      </p:nvGrpSpPr>
-      <p:grpSpPr>
-        <a:xfrm>
-          <a:off x="0" y="0"/>
-          <a:ext cx="0" cy="0"/>
-          <a:chOff x="0" y="0"/>
-          <a:chExt cx="0" cy="0"/>
-        </a:xfrm>
-      </p:grpSpPr>
-      <p:sp>
-        <p:nvSpPr>
-          <p:cNvPr id="89" name="PlaceHolder 1"/>
-          <p:cNvSpPr>
-            <a:spLocks noGrp="1"/>
-          </p:cNvSpPr>
-          <p:nvPr>
-            <p:ph type="title"/>
-          </p:nvPr>
-        </p:nvSpPr>
-        <p:spPr>
-          <a:xfrm>
-            <a:off x="503640" y="225720"/>
-            <a:ext cx="9068760" cy="946440"/>
-          </a:xfrm>
-          <a:prstGeom prst="rect">
-            <a:avLst/>
-          </a:prstGeom>
-        </p:spPr>
-        <p:txBody>
-          <a:bodyPr lIns="0" rIns="0" tIns="0" bIns="0" anchor="ctr">
-            <a:noAutofit/>
-          </a:bodyPr>
-          <a:p>
-            <a:endParaRPr b="0" lang="en-US" sz="1800" spc="-1" strike="noStrike">
-              <a:solidFill>
-                <a:srgbClr val="000000"/>
-              </a:solidFill>
-              <a:latin typeface="Arial"/>
-            </a:endParaRPr>
-          </a:p>
-        </p:txBody>
-      </p:sp>
-      <p:sp>
-        <p:nvSpPr>
-          <p:cNvPr id="90" name="PlaceHolder 2"/>
-          <p:cNvSpPr>
-            <a:spLocks noGrp="1"/>
-          </p:cNvSpPr>
-          <p:nvPr>
-            <p:ph type="body"/>
-          </p:nvPr>
-        </p:nvSpPr>
-        <p:spPr>
-          <a:xfrm>
-            <a:off x="503640" y="1326240"/>
-            <a:ext cx="4425480" cy="3287880"/>
-          </a:xfrm>
-          <a:prstGeom prst="rect">
-            <a:avLst/>
-          </a:prstGeom>
-        </p:spPr>
-        <p:txBody>
-          <a:bodyPr lIns="0" rIns="0" tIns="0" bIns="0">
-            <a:normAutofit/>
-          </a:bodyPr>
-          <a:p>
-            <a:endParaRPr b="0" lang="en-US" sz="1540" spc="-1" strike="noStrike">
-              <a:solidFill>
-                <a:srgbClr val="000000"/>
-              </a:solidFill>
-              <a:latin typeface="Arial"/>
-            </a:endParaRPr>
-          </a:p>
-        </p:txBody>
-      </p:sp>
-      <p:sp>
-        <p:nvSpPr>
-          <p:cNvPr id="91" name="PlaceHolder 3"/>
-          <p:cNvSpPr>
-            <a:spLocks noGrp="1"/>
-          </p:cNvSpPr>
-          <p:nvPr>
-            <p:ph type="body"/>
-          </p:nvPr>
-        </p:nvSpPr>
-        <p:spPr>
-          <a:xfrm>
-            <a:off x="5150880" y="1326240"/>
-            <a:ext cx="4425480" cy="3287880"/>
-          </a:xfrm>
-          <a:prstGeom prst="rect">
-            <a:avLst/>
-          </a:prstGeom>
-        </p:spPr>
-        <p:txBody>
-          <a:bodyPr lIns="0" rIns="0" tIns="0" bIns="0">
-            <a:normAutofit/>
-          </a:bodyPr>
-          <a:p>
-            <a:endParaRPr b="0" lang="en-US" sz="1540" spc="-1" strike="noStrike">
-              <a:solidFill>
-                <a:srgbClr val="000000"/>
-              </a:solidFill>
-              <a:latin typeface="Arial"/>
-            </a:endParaRPr>
-          </a:p>
-        </p:txBody>
-      </p:sp>
-    </p:spTree>
-  </p:cSld>
-</p:sldLayout>
-</file>
-
-<file path=ppt/slideLayouts/slideLayout29.xml><?xml version="1.0" encoding="utf-8"?>
-<p:sldLayout xmlns:a="http://schemas.openxmlformats.org/drawingml/2006/main" xmlns:p="http://schemas.openxmlformats.org/presentationml/2006/main" xmlns:r="http://schemas.openxmlformats.org/officeDocument/2006/relationships" xmlns:p14="http://schemas.microsoft.com/office/powerpoint/2010/main" xmlns:p15="http://schemas.microsoft.com/office/powerpoint/2012/main" xmlns:mc="http://schemas.openxmlformats.org/markup-compatibility/2006" type="titleOnly" preserve="1">
-  <p:cSld name="Title Only">
-    <p:spTree>
-      <p:nvGrpSpPr>
-        <p:cNvPr id="1" name=""/>
-        <p:cNvGrpSpPr/>
-        <p:nvPr/>
-      </p:nvGrpSpPr>
-      <p:grpSpPr>
-        <a:xfrm>
-          <a:off x="0" y="0"/>
-          <a:ext cx="0" cy="0"/>
-          <a:chOff x="0" y="0"/>
-          <a:chExt cx="0" cy="0"/>
-        </a:xfrm>
-      </p:grpSpPr>
-      <p:sp>
-        <p:nvSpPr>
-          <p:cNvPr id="92" name="PlaceHolder 1"/>
-          <p:cNvSpPr>
-            <a:spLocks noGrp="1"/>
-          </p:cNvSpPr>
-          <p:nvPr>
-            <p:ph type="title"/>
-          </p:nvPr>
-        </p:nvSpPr>
-        <p:spPr>
-          <a:xfrm>
-            <a:off x="503640" y="225720"/>
-            <a:ext cx="9068760" cy="946440"/>
-          </a:xfrm>
-          <a:prstGeom prst="rect">
-            <a:avLst/>
-          </a:prstGeom>
-        </p:spPr>
-        <p:txBody>
-          <a:bodyPr lIns="0" rIns="0" tIns="0" bIns="0" anchor="ctr">
-            <a:noAutofit/>
-          </a:bodyPr>
-          <a:p>
-            <a:endParaRPr b="0" lang="en-US" sz="1800" spc="-1" strike="noStrike">
-              <a:solidFill>
-                <a:srgbClr val="000000"/>
-              </a:solidFill>
+            <a:endParaRPr b="0" lang="nl-NL" sz="3200" spc="-1" strike="noStrike">
               <a:latin typeface="Arial"/>
             </a:endParaRPr>
           </a:p>
@@ -2526,7 +2018,7 @@
       </p:grpSpPr>
       <p:sp>
         <p:nvSpPr>
-          <p:cNvPr id="7" name="PlaceHolder 1"/>
+          <p:cNvPr id="6" name="PlaceHolder 1"/>
           <p:cNvSpPr>
             <a:spLocks noGrp="1"/>
           </p:cNvSpPr>
@@ -2537,7 +2029,7 @@
         <p:spPr>
           <a:xfrm>
             <a:off x="503640" y="225720"/>
-            <a:ext cx="9068760" cy="946440"/>
+            <a:ext cx="9068400" cy="946080"/>
           </a:xfrm>
           <a:prstGeom prst="rect">
             <a:avLst/>
@@ -2548,18 +2040,16 @@
             <a:noAutofit/>
           </a:bodyPr>
           <a:p>
-            <a:endParaRPr b="0" lang="en-US" sz="1800" spc="-1" strike="noStrike">
-              <a:solidFill>
-                <a:srgbClr val="000000"/>
-              </a:solidFill>
-              <a:latin typeface="Arial"/>
-            </a:endParaRPr>
-          </a:p>
-        </p:txBody>
-      </p:sp>
-      <p:sp>
-        <p:nvSpPr>
-          <p:cNvPr id="8" name="PlaceHolder 2"/>
+            <a:pPr algn="ctr"/>
+            <a:endParaRPr b="0" lang="nl-NL" sz="4400" spc="-1" strike="noStrike">
+              <a:latin typeface="Arial"/>
+            </a:endParaRPr>
+          </a:p>
+        </p:txBody>
+      </p:sp>
+      <p:sp>
+        <p:nvSpPr>
+          <p:cNvPr id="7" name="PlaceHolder 2"/>
           <p:cNvSpPr>
             <a:spLocks noGrp="1"/>
           </p:cNvSpPr>
@@ -2570,7 +2060,7 @@
         <p:spPr>
           <a:xfrm>
             <a:off x="503640" y="1326240"/>
-            <a:ext cx="9068760" cy="3287880"/>
+            <a:ext cx="9069120" cy="3287520"/>
           </a:xfrm>
           <a:prstGeom prst="rect">
             <a:avLst/>
@@ -2581,1086 +2071,7 @@
             <a:normAutofit/>
           </a:bodyPr>
           <a:p>
-            <a:endParaRPr b="0" lang="en-US" sz="1540" spc="-1" strike="noStrike">
-              <a:solidFill>
-                <a:srgbClr val="000000"/>
-              </a:solidFill>
-              <a:latin typeface="Arial"/>
-            </a:endParaRPr>
-          </a:p>
-        </p:txBody>
-      </p:sp>
-    </p:spTree>
-  </p:cSld>
-</p:sldLayout>
-</file>
-
-<file path=ppt/slideLayouts/slideLayout30.xml><?xml version="1.0" encoding="utf-8"?>
-<p:sldLayout xmlns:a="http://schemas.openxmlformats.org/drawingml/2006/main" xmlns:p="http://schemas.openxmlformats.org/presentationml/2006/main" xmlns:r="http://schemas.openxmlformats.org/officeDocument/2006/relationships" xmlns:p14="http://schemas.microsoft.com/office/powerpoint/2010/main" xmlns:p15="http://schemas.microsoft.com/office/powerpoint/2012/main" xmlns:mc="http://schemas.openxmlformats.org/markup-compatibility/2006" type="objOnly" preserve="1">
-  <p:cSld name="Centered Text">
-    <p:spTree>
-      <p:nvGrpSpPr>
-        <p:cNvPr id="1" name=""/>
-        <p:cNvGrpSpPr/>
-        <p:nvPr/>
-      </p:nvGrpSpPr>
-      <p:grpSpPr>
-        <a:xfrm>
-          <a:off x="0" y="0"/>
-          <a:ext cx="0" cy="0"/>
-          <a:chOff x="0" y="0"/>
-          <a:chExt cx="0" cy="0"/>
-        </a:xfrm>
-      </p:grpSpPr>
-      <p:sp>
-        <p:nvSpPr>
-          <p:cNvPr id="93" name="PlaceHolder 1"/>
-          <p:cNvSpPr>
-            <a:spLocks noGrp="1"/>
-          </p:cNvSpPr>
-          <p:nvPr>
-            <p:ph type="subTitle"/>
-          </p:nvPr>
-        </p:nvSpPr>
-        <p:spPr>
-          <a:xfrm>
-            <a:off x="503640" y="225720"/>
-            <a:ext cx="9068760" cy="4388400"/>
-          </a:xfrm>
-          <a:prstGeom prst="rect">
-            <a:avLst/>
-          </a:prstGeom>
-        </p:spPr>
-        <p:txBody>
-          <a:bodyPr lIns="0" rIns="0" tIns="0" bIns="0" anchor="ctr">
-            <a:noAutofit/>
-          </a:bodyPr>
-          <a:p>
-            <a:pPr algn="ctr"/>
-            <a:endParaRPr b="0" lang="en-US" sz="3200" spc="-1" strike="noStrike">
-              <a:latin typeface="Arial"/>
-            </a:endParaRPr>
-          </a:p>
-        </p:txBody>
-      </p:sp>
-    </p:spTree>
-  </p:cSld>
-</p:sldLayout>
-</file>
-
-<file path=ppt/slideLayouts/slideLayout31.xml><?xml version="1.0" encoding="utf-8"?>
-<p:sldLayout xmlns:a="http://schemas.openxmlformats.org/drawingml/2006/main" xmlns:p="http://schemas.openxmlformats.org/presentationml/2006/main" xmlns:r="http://schemas.openxmlformats.org/officeDocument/2006/relationships" xmlns:p14="http://schemas.microsoft.com/office/powerpoint/2010/main" xmlns:p15="http://schemas.microsoft.com/office/powerpoint/2012/main" xmlns:mc="http://schemas.openxmlformats.org/markup-compatibility/2006" type="twoObjAndObj" preserve="1">
-  <p:cSld name="Title, 2 Content and Content">
-    <p:spTree>
-      <p:nvGrpSpPr>
-        <p:cNvPr id="1" name=""/>
-        <p:cNvGrpSpPr/>
-        <p:nvPr/>
-      </p:nvGrpSpPr>
-      <p:grpSpPr>
-        <a:xfrm>
-          <a:off x="0" y="0"/>
-          <a:ext cx="0" cy="0"/>
-          <a:chOff x="0" y="0"/>
-          <a:chExt cx="0" cy="0"/>
-        </a:xfrm>
-      </p:grpSpPr>
-      <p:sp>
-        <p:nvSpPr>
-          <p:cNvPr id="94" name="PlaceHolder 1"/>
-          <p:cNvSpPr>
-            <a:spLocks noGrp="1"/>
-          </p:cNvSpPr>
-          <p:nvPr>
-            <p:ph type="title"/>
-          </p:nvPr>
-        </p:nvSpPr>
-        <p:spPr>
-          <a:xfrm>
-            <a:off x="503640" y="225720"/>
-            <a:ext cx="9068760" cy="946440"/>
-          </a:xfrm>
-          <a:prstGeom prst="rect">
-            <a:avLst/>
-          </a:prstGeom>
-        </p:spPr>
-        <p:txBody>
-          <a:bodyPr lIns="0" rIns="0" tIns="0" bIns="0" anchor="ctr">
-            <a:noAutofit/>
-          </a:bodyPr>
-          <a:p>
-            <a:endParaRPr b="0" lang="en-US" sz="1800" spc="-1" strike="noStrike">
-              <a:solidFill>
-                <a:srgbClr val="000000"/>
-              </a:solidFill>
-              <a:latin typeface="Arial"/>
-            </a:endParaRPr>
-          </a:p>
-        </p:txBody>
-      </p:sp>
-      <p:sp>
-        <p:nvSpPr>
-          <p:cNvPr id="95" name="PlaceHolder 2"/>
-          <p:cNvSpPr>
-            <a:spLocks noGrp="1"/>
-          </p:cNvSpPr>
-          <p:nvPr>
-            <p:ph type="body"/>
-          </p:nvPr>
-        </p:nvSpPr>
-        <p:spPr>
-          <a:xfrm>
-            <a:off x="503640" y="1326240"/>
-            <a:ext cx="4425480" cy="1568160"/>
-          </a:xfrm>
-          <a:prstGeom prst="rect">
-            <a:avLst/>
-          </a:prstGeom>
-        </p:spPr>
-        <p:txBody>
-          <a:bodyPr lIns="0" rIns="0" tIns="0" bIns="0">
-            <a:normAutofit/>
-          </a:bodyPr>
-          <a:p>
-            <a:endParaRPr b="0" lang="en-US" sz="1540" spc="-1" strike="noStrike">
-              <a:solidFill>
-                <a:srgbClr val="000000"/>
-              </a:solidFill>
-              <a:latin typeface="Arial"/>
-            </a:endParaRPr>
-          </a:p>
-        </p:txBody>
-      </p:sp>
-      <p:sp>
-        <p:nvSpPr>
-          <p:cNvPr id="96" name="PlaceHolder 3"/>
-          <p:cNvSpPr>
-            <a:spLocks noGrp="1"/>
-          </p:cNvSpPr>
-          <p:nvPr>
-            <p:ph type="body"/>
-          </p:nvPr>
-        </p:nvSpPr>
-        <p:spPr>
-          <a:xfrm>
-            <a:off x="5150880" y="1326240"/>
-            <a:ext cx="4425480" cy="3287880"/>
-          </a:xfrm>
-          <a:prstGeom prst="rect">
-            <a:avLst/>
-          </a:prstGeom>
-        </p:spPr>
-        <p:txBody>
-          <a:bodyPr lIns="0" rIns="0" tIns="0" bIns="0">
-            <a:normAutofit/>
-          </a:bodyPr>
-          <a:p>
-            <a:endParaRPr b="0" lang="en-US" sz="1540" spc="-1" strike="noStrike">
-              <a:solidFill>
-                <a:srgbClr val="000000"/>
-              </a:solidFill>
-              <a:latin typeface="Arial"/>
-            </a:endParaRPr>
-          </a:p>
-        </p:txBody>
-      </p:sp>
-      <p:sp>
-        <p:nvSpPr>
-          <p:cNvPr id="97" name="PlaceHolder 4"/>
-          <p:cNvSpPr>
-            <a:spLocks noGrp="1"/>
-          </p:cNvSpPr>
-          <p:nvPr>
-            <p:ph type="body"/>
-          </p:nvPr>
-        </p:nvSpPr>
-        <p:spPr>
-          <a:xfrm>
-            <a:off x="503640" y="3043800"/>
-            <a:ext cx="4425480" cy="1568160"/>
-          </a:xfrm>
-          <a:prstGeom prst="rect">
-            <a:avLst/>
-          </a:prstGeom>
-        </p:spPr>
-        <p:txBody>
-          <a:bodyPr lIns="0" rIns="0" tIns="0" bIns="0">
-            <a:normAutofit/>
-          </a:bodyPr>
-          <a:p>
-            <a:endParaRPr b="0" lang="en-US" sz="1540" spc="-1" strike="noStrike">
-              <a:solidFill>
-                <a:srgbClr val="000000"/>
-              </a:solidFill>
-              <a:latin typeface="Arial"/>
-            </a:endParaRPr>
-          </a:p>
-        </p:txBody>
-      </p:sp>
-    </p:spTree>
-  </p:cSld>
-</p:sldLayout>
-</file>
-
-<file path=ppt/slideLayouts/slideLayout32.xml><?xml version="1.0" encoding="utf-8"?>
-<p:sldLayout xmlns:a="http://schemas.openxmlformats.org/drawingml/2006/main" xmlns:p="http://schemas.openxmlformats.org/presentationml/2006/main" xmlns:r="http://schemas.openxmlformats.org/officeDocument/2006/relationships" xmlns:p14="http://schemas.microsoft.com/office/powerpoint/2010/main" xmlns:p15="http://schemas.microsoft.com/office/powerpoint/2012/main" xmlns:mc="http://schemas.openxmlformats.org/markup-compatibility/2006" type="objAndTwoObj" preserve="1">
-  <p:cSld name="Title Content and 2 Content">
-    <p:spTree>
-      <p:nvGrpSpPr>
-        <p:cNvPr id="1" name=""/>
-        <p:cNvGrpSpPr/>
-        <p:nvPr/>
-      </p:nvGrpSpPr>
-      <p:grpSpPr>
-        <a:xfrm>
-          <a:off x="0" y="0"/>
-          <a:ext cx="0" cy="0"/>
-          <a:chOff x="0" y="0"/>
-          <a:chExt cx="0" cy="0"/>
-        </a:xfrm>
-      </p:grpSpPr>
-      <p:sp>
-        <p:nvSpPr>
-          <p:cNvPr id="98" name="PlaceHolder 1"/>
-          <p:cNvSpPr>
-            <a:spLocks noGrp="1"/>
-          </p:cNvSpPr>
-          <p:nvPr>
-            <p:ph type="title"/>
-          </p:nvPr>
-        </p:nvSpPr>
-        <p:spPr>
-          <a:xfrm>
-            <a:off x="503640" y="225720"/>
-            <a:ext cx="9068760" cy="946440"/>
-          </a:xfrm>
-          <a:prstGeom prst="rect">
-            <a:avLst/>
-          </a:prstGeom>
-        </p:spPr>
-        <p:txBody>
-          <a:bodyPr lIns="0" rIns="0" tIns="0" bIns="0" anchor="ctr">
-            <a:noAutofit/>
-          </a:bodyPr>
-          <a:p>
-            <a:endParaRPr b="0" lang="en-US" sz="1800" spc="-1" strike="noStrike">
-              <a:solidFill>
-                <a:srgbClr val="000000"/>
-              </a:solidFill>
-              <a:latin typeface="Arial"/>
-            </a:endParaRPr>
-          </a:p>
-        </p:txBody>
-      </p:sp>
-      <p:sp>
-        <p:nvSpPr>
-          <p:cNvPr id="99" name="PlaceHolder 2"/>
-          <p:cNvSpPr>
-            <a:spLocks noGrp="1"/>
-          </p:cNvSpPr>
-          <p:nvPr>
-            <p:ph type="body"/>
-          </p:nvPr>
-        </p:nvSpPr>
-        <p:spPr>
-          <a:xfrm>
-            <a:off x="503640" y="1326240"/>
-            <a:ext cx="4425480" cy="3287880"/>
-          </a:xfrm>
-          <a:prstGeom prst="rect">
-            <a:avLst/>
-          </a:prstGeom>
-        </p:spPr>
-        <p:txBody>
-          <a:bodyPr lIns="0" rIns="0" tIns="0" bIns="0">
-            <a:normAutofit/>
-          </a:bodyPr>
-          <a:p>
-            <a:endParaRPr b="0" lang="en-US" sz="1540" spc="-1" strike="noStrike">
-              <a:solidFill>
-                <a:srgbClr val="000000"/>
-              </a:solidFill>
-              <a:latin typeface="Arial"/>
-            </a:endParaRPr>
-          </a:p>
-        </p:txBody>
-      </p:sp>
-      <p:sp>
-        <p:nvSpPr>
-          <p:cNvPr id="100" name="PlaceHolder 3"/>
-          <p:cNvSpPr>
-            <a:spLocks noGrp="1"/>
-          </p:cNvSpPr>
-          <p:nvPr>
-            <p:ph type="body"/>
-          </p:nvPr>
-        </p:nvSpPr>
-        <p:spPr>
-          <a:xfrm>
-            <a:off x="5150880" y="1326240"/>
-            <a:ext cx="4425480" cy="1568160"/>
-          </a:xfrm>
-          <a:prstGeom prst="rect">
-            <a:avLst/>
-          </a:prstGeom>
-        </p:spPr>
-        <p:txBody>
-          <a:bodyPr lIns="0" rIns="0" tIns="0" bIns="0">
-            <a:normAutofit/>
-          </a:bodyPr>
-          <a:p>
-            <a:endParaRPr b="0" lang="en-US" sz="1540" spc="-1" strike="noStrike">
-              <a:solidFill>
-                <a:srgbClr val="000000"/>
-              </a:solidFill>
-              <a:latin typeface="Arial"/>
-            </a:endParaRPr>
-          </a:p>
-        </p:txBody>
-      </p:sp>
-      <p:sp>
-        <p:nvSpPr>
-          <p:cNvPr id="101" name="PlaceHolder 4"/>
-          <p:cNvSpPr>
-            <a:spLocks noGrp="1"/>
-          </p:cNvSpPr>
-          <p:nvPr>
-            <p:ph type="body"/>
-          </p:nvPr>
-        </p:nvSpPr>
-        <p:spPr>
-          <a:xfrm>
-            <a:off x="5150880" y="3043800"/>
-            <a:ext cx="4425480" cy="1568160"/>
-          </a:xfrm>
-          <a:prstGeom prst="rect">
-            <a:avLst/>
-          </a:prstGeom>
-        </p:spPr>
-        <p:txBody>
-          <a:bodyPr lIns="0" rIns="0" tIns="0" bIns="0">
-            <a:normAutofit/>
-          </a:bodyPr>
-          <a:p>
-            <a:endParaRPr b="0" lang="en-US" sz="1540" spc="-1" strike="noStrike">
-              <a:solidFill>
-                <a:srgbClr val="000000"/>
-              </a:solidFill>
-              <a:latin typeface="Arial"/>
-            </a:endParaRPr>
-          </a:p>
-        </p:txBody>
-      </p:sp>
-    </p:spTree>
-  </p:cSld>
-</p:sldLayout>
-</file>
-
-<file path=ppt/slideLayouts/slideLayout33.xml><?xml version="1.0" encoding="utf-8"?>
-<p:sldLayout xmlns:a="http://schemas.openxmlformats.org/drawingml/2006/main" xmlns:p="http://schemas.openxmlformats.org/presentationml/2006/main" xmlns:r="http://schemas.openxmlformats.org/officeDocument/2006/relationships" xmlns:p14="http://schemas.microsoft.com/office/powerpoint/2010/main" xmlns:p15="http://schemas.microsoft.com/office/powerpoint/2012/main" xmlns:mc="http://schemas.openxmlformats.org/markup-compatibility/2006" type="twoObjOverTx" preserve="1">
-  <p:cSld name="Title, 2 Content over Content">
-    <p:spTree>
-      <p:nvGrpSpPr>
-        <p:cNvPr id="1" name=""/>
-        <p:cNvGrpSpPr/>
-        <p:nvPr/>
-      </p:nvGrpSpPr>
-      <p:grpSpPr>
-        <a:xfrm>
-          <a:off x="0" y="0"/>
-          <a:ext cx="0" cy="0"/>
-          <a:chOff x="0" y="0"/>
-          <a:chExt cx="0" cy="0"/>
-        </a:xfrm>
-      </p:grpSpPr>
-      <p:sp>
-        <p:nvSpPr>
-          <p:cNvPr id="102" name="PlaceHolder 1"/>
-          <p:cNvSpPr>
-            <a:spLocks noGrp="1"/>
-          </p:cNvSpPr>
-          <p:nvPr>
-            <p:ph type="title"/>
-          </p:nvPr>
-        </p:nvSpPr>
-        <p:spPr>
-          <a:xfrm>
-            <a:off x="503640" y="225720"/>
-            <a:ext cx="9068760" cy="946440"/>
-          </a:xfrm>
-          <a:prstGeom prst="rect">
-            <a:avLst/>
-          </a:prstGeom>
-        </p:spPr>
-        <p:txBody>
-          <a:bodyPr lIns="0" rIns="0" tIns="0" bIns="0" anchor="ctr">
-            <a:noAutofit/>
-          </a:bodyPr>
-          <a:p>
-            <a:endParaRPr b="0" lang="en-US" sz="1800" spc="-1" strike="noStrike">
-              <a:solidFill>
-                <a:srgbClr val="000000"/>
-              </a:solidFill>
-              <a:latin typeface="Arial"/>
-            </a:endParaRPr>
-          </a:p>
-        </p:txBody>
-      </p:sp>
-      <p:sp>
-        <p:nvSpPr>
-          <p:cNvPr id="103" name="PlaceHolder 2"/>
-          <p:cNvSpPr>
-            <a:spLocks noGrp="1"/>
-          </p:cNvSpPr>
-          <p:nvPr>
-            <p:ph type="body"/>
-          </p:nvPr>
-        </p:nvSpPr>
-        <p:spPr>
-          <a:xfrm>
-            <a:off x="503640" y="1326240"/>
-            <a:ext cx="4425480" cy="1568160"/>
-          </a:xfrm>
-          <a:prstGeom prst="rect">
-            <a:avLst/>
-          </a:prstGeom>
-        </p:spPr>
-        <p:txBody>
-          <a:bodyPr lIns="0" rIns="0" tIns="0" bIns="0">
-            <a:normAutofit/>
-          </a:bodyPr>
-          <a:p>
-            <a:endParaRPr b="0" lang="en-US" sz="1540" spc="-1" strike="noStrike">
-              <a:solidFill>
-                <a:srgbClr val="000000"/>
-              </a:solidFill>
-              <a:latin typeface="Arial"/>
-            </a:endParaRPr>
-          </a:p>
-        </p:txBody>
-      </p:sp>
-      <p:sp>
-        <p:nvSpPr>
-          <p:cNvPr id="104" name="PlaceHolder 3"/>
-          <p:cNvSpPr>
-            <a:spLocks noGrp="1"/>
-          </p:cNvSpPr>
-          <p:nvPr>
-            <p:ph type="body"/>
-          </p:nvPr>
-        </p:nvSpPr>
-        <p:spPr>
-          <a:xfrm>
-            <a:off x="5150880" y="1326240"/>
-            <a:ext cx="4425480" cy="1568160"/>
-          </a:xfrm>
-          <a:prstGeom prst="rect">
-            <a:avLst/>
-          </a:prstGeom>
-        </p:spPr>
-        <p:txBody>
-          <a:bodyPr lIns="0" rIns="0" tIns="0" bIns="0">
-            <a:normAutofit/>
-          </a:bodyPr>
-          <a:p>
-            <a:endParaRPr b="0" lang="en-US" sz="1540" spc="-1" strike="noStrike">
-              <a:solidFill>
-                <a:srgbClr val="000000"/>
-              </a:solidFill>
-              <a:latin typeface="Arial"/>
-            </a:endParaRPr>
-          </a:p>
-        </p:txBody>
-      </p:sp>
-      <p:sp>
-        <p:nvSpPr>
-          <p:cNvPr id="105" name="PlaceHolder 4"/>
-          <p:cNvSpPr>
-            <a:spLocks noGrp="1"/>
-          </p:cNvSpPr>
-          <p:nvPr>
-            <p:ph type="body"/>
-          </p:nvPr>
-        </p:nvSpPr>
-        <p:spPr>
-          <a:xfrm>
-            <a:off x="503640" y="3043800"/>
-            <a:ext cx="9068760" cy="1568160"/>
-          </a:xfrm>
-          <a:prstGeom prst="rect">
-            <a:avLst/>
-          </a:prstGeom>
-        </p:spPr>
-        <p:txBody>
-          <a:bodyPr lIns="0" rIns="0" tIns="0" bIns="0">
-            <a:normAutofit/>
-          </a:bodyPr>
-          <a:p>
-            <a:endParaRPr b="0" lang="en-US" sz="1540" spc="-1" strike="noStrike">
-              <a:solidFill>
-                <a:srgbClr val="000000"/>
-              </a:solidFill>
-              <a:latin typeface="Arial"/>
-            </a:endParaRPr>
-          </a:p>
-        </p:txBody>
-      </p:sp>
-    </p:spTree>
-  </p:cSld>
-</p:sldLayout>
-</file>
-
-<file path=ppt/slideLayouts/slideLayout34.xml><?xml version="1.0" encoding="utf-8"?>
-<p:sldLayout xmlns:a="http://schemas.openxmlformats.org/drawingml/2006/main" xmlns:p="http://schemas.openxmlformats.org/presentationml/2006/main" xmlns:r="http://schemas.openxmlformats.org/officeDocument/2006/relationships" xmlns:p14="http://schemas.microsoft.com/office/powerpoint/2010/main" xmlns:p15="http://schemas.microsoft.com/office/powerpoint/2012/main" xmlns:mc="http://schemas.openxmlformats.org/markup-compatibility/2006" type="objOverTx" preserve="1">
-  <p:cSld name="Title, Content over Content">
-    <p:spTree>
-      <p:nvGrpSpPr>
-        <p:cNvPr id="1" name=""/>
-        <p:cNvGrpSpPr/>
-        <p:nvPr/>
-      </p:nvGrpSpPr>
-      <p:grpSpPr>
-        <a:xfrm>
-          <a:off x="0" y="0"/>
-          <a:ext cx="0" cy="0"/>
-          <a:chOff x="0" y="0"/>
-          <a:chExt cx="0" cy="0"/>
-        </a:xfrm>
-      </p:grpSpPr>
-      <p:sp>
-        <p:nvSpPr>
-          <p:cNvPr id="106" name="PlaceHolder 1"/>
-          <p:cNvSpPr>
-            <a:spLocks noGrp="1"/>
-          </p:cNvSpPr>
-          <p:nvPr>
-            <p:ph type="title"/>
-          </p:nvPr>
-        </p:nvSpPr>
-        <p:spPr>
-          <a:xfrm>
-            <a:off x="503640" y="225720"/>
-            <a:ext cx="9068760" cy="946440"/>
-          </a:xfrm>
-          <a:prstGeom prst="rect">
-            <a:avLst/>
-          </a:prstGeom>
-        </p:spPr>
-        <p:txBody>
-          <a:bodyPr lIns="0" rIns="0" tIns="0" bIns="0" anchor="ctr">
-            <a:noAutofit/>
-          </a:bodyPr>
-          <a:p>
-            <a:endParaRPr b="0" lang="en-US" sz="1800" spc="-1" strike="noStrike">
-              <a:solidFill>
-                <a:srgbClr val="000000"/>
-              </a:solidFill>
-              <a:latin typeface="Arial"/>
-            </a:endParaRPr>
-          </a:p>
-        </p:txBody>
-      </p:sp>
-      <p:sp>
-        <p:nvSpPr>
-          <p:cNvPr id="107" name="PlaceHolder 2"/>
-          <p:cNvSpPr>
-            <a:spLocks noGrp="1"/>
-          </p:cNvSpPr>
-          <p:nvPr>
-            <p:ph type="body"/>
-          </p:nvPr>
-        </p:nvSpPr>
-        <p:spPr>
-          <a:xfrm>
-            <a:off x="503640" y="1326240"/>
-            <a:ext cx="9068760" cy="1568160"/>
-          </a:xfrm>
-          <a:prstGeom prst="rect">
-            <a:avLst/>
-          </a:prstGeom>
-        </p:spPr>
-        <p:txBody>
-          <a:bodyPr lIns="0" rIns="0" tIns="0" bIns="0">
-            <a:normAutofit/>
-          </a:bodyPr>
-          <a:p>
-            <a:endParaRPr b="0" lang="en-US" sz="1540" spc="-1" strike="noStrike">
-              <a:solidFill>
-                <a:srgbClr val="000000"/>
-              </a:solidFill>
-              <a:latin typeface="Arial"/>
-            </a:endParaRPr>
-          </a:p>
-        </p:txBody>
-      </p:sp>
-      <p:sp>
-        <p:nvSpPr>
-          <p:cNvPr id="108" name="PlaceHolder 3"/>
-          <p:cNvSpPr>
-            <a:spLocks noGrp="1"/>
-          </p:cNvSpPr>
-          <p:nvPr>
-            <p:ph type="body"/>
-          </p:nvPr>
-        </p:nvSpPr>
-        <p:spPr>
-          <a:xfrm>
-            <a:off x="503640" y="3043800"/>
-            <a:ext cx="9068760" cy="1568160"/>
-          </a:xfrm>
-          <a:prstGeom prst="rect">
-            <a:avLst/>
-          </a:prstGeom>
-        </p:spPr>
-        <p:txBody>
-          <a:bodyPr lIns="0" rIns="0" tIns="0" bIns="0">
-            <a:normAutofit/>
-          </a:bodyPr>
-          <a:p>
-            <a:endParaRPr b="0" lang="en-US" sz="1540" spc="-1" strike="noStrike">
-              <a:solidFill>
-                <a:srgbClr val="000000"/>
-              </a:solidFill>
-              <a:latin typeface="Arial"/>
-            </a:endParaRPr>
-          </a:p>
-        </p:txBody>
-      </p:sp>
-    </p:spTree>
-  </p:cSld>
-</p:sldLayout>
-</file>
-
-<file path=ppt/slideLayouts/slideLayout35.xml><?xml version="1.0" encoding="utf-8"?>
-<p:sldLayout xmlns:a="http://schemas.openxmlformats.org/drawingml/2006/main" xmlns:p="http://schemas.openxmlformats.org/presentationml/2006/main" xmlns:r="http://schemas.openxmlformats.org/officeDocument/2006/relationships" xmlns:p14="http://schemas.microsoft.com/office/powerpoint/2010/main" xmlns:p15="http://schemas.microsoft.com/office/powerpoint/2012/main" xmlns:mc="http://schemas.openxmlformats.org/markup-compatibility/2006" type="fourObj" preserve="1">
-  <p:cSld name="Title, 4 Content">
-    <p:spTree>
-      <p:nvGrpSpPr>
-        <p:cNvPr id="1" name=""/>
-        <p:cNvGrpSpPr/>
-        <p:nvPr/>
-      </p:nvGrpSpPr>
-      <p:grpSpPr>
-        <a:xfrm>
-          <a:off x="0" y="0"/>
-          <a:ext cx="0" cy="0"/>
-          <a:chOff x="0" y="0"/>
-          <a:chExt cx="0" cy="0"/>
-        </a:xfrm>
-      </p:grpSpPr>
-      <p:sp>
-        <p:nvSpPr>
-          <p:cNvPr id="109" name="PlaceHolder 1"/>
-          <p:cNvSpPr>
-            <a:spLocks noGrp="1"/>
-          </p:cNvSpPr>
-          <p:nvPr>
-            <p:ph type="title"/>
-          </p:nvPr>
-        </p:nvSpPr>
-        <p:spPr>
-          <a:xfrm>
-            <a:off x="503640" y="225720"/>
-            <a:ext cx="9068760" cy="946440"/>
-          </a:xfrm>
-          <a:prstGeom prst="rect">
-            <a:avLst/>
-          </a:prstGeom>
-        </p:spPr>
-        <p:txBody>
-          <a:bodyPr lIns="0" rIns="0" tIns="0" bIns="0" anchor="ctr">
-            <a:noAutofit/>
-          </a:bodyPr>
-          <a:p>
-            <a:endParaRPr b="0" lang="en-US" sz="1800" spc="-1" strike="noStrike">
-              <a:solidFill>
-                <a:srgbClr val="000000"/>
-              </a:solidFill>
-              <a:latin typeface="Arial"/>
-            </a:endParaRPr>
-          </a:p>
-        </p:txBody>
-      </p:sp>
-      <p:sp>
-        <p:nvSpPr>
-          <p:cNvPr id="110" name="PlaceHolder 2"/>
-          <p:cNvSpPr>
-            <a:spLocks noGrp="1"/>
-          </p:cNvSpPr>
-          <p:nvPr>
-            <p:ph type="body"/>
-          </p:nvPr>
-        </p:nvSpPr>
-        <p:spPr>
-          <a:xfrm>
-            <a:off x="503640" y="1326240"/>
-            <a:ext cx="4425480" cy="1568160"/>
-          </a:xfrm>
-          <a:prstGeom prst="rect">
-            <a:avLst/>
-          </a:prstGeom>
-        </p:spPr>
-        <p:txBody>
-          <a:bodyPr lIns="0" rIns="0" tIns="0" bIns="0">
-            <a:normAutofit/>
-          </a:bodyPr>
-          <a:p>
-            <a:endParaRPr b="0" lang="en-US" sz="1540" spc="-1" strike="noStrike">
-              <a:solidFill>
-                <a:srgbClr val="000000"/>
-              </a:solidFill>
-              <a:latin typeface="Arial"/>
-            </a:endParaRPr>
-          </a:p>
-        </p:txBody>
-      </p:sp>
-      <p:sp>
-        <p:nvSpPr>
-          <p:cNvPr id="111" name="PlaceHolder 3"/>
-          <p:cNvSpPr>
-            <a:spLocks noGrp="1"/>
-          </p:cNvSpPr>
-          <p:nvPr>
-            <p:ph type="body"/>
-          </p:nvPr>
-        </p:nvSpPr>
-        <p:spPr>
-          <a:xfrm>
-            <a:off x="5150880" y="1326240"/>
-            <a:ext cx="4425480" cy="1568160"/>
-          </a:xfrm>
-          <a:prstGeom prst="rect">
-            <a:avLst/>
-          </a:prstGeom>
-        </p:spPr>
-        <p:txBody>
-          <a:bodyPr lIns="0" rIns="0" tIns="0" bIns="0">
-            <a:normAutofit/>
-          </a:bodyPr>
-          <a:p>
-            <a:endParaRPr b="0" lang="en-US" sz="1540" spc="-1" strike="noStrike">
-              <a:solidFill>
-                <a:srgbClr val="000000"/>
-              </a:solidFill>
-              <a:latin typeface="Arial"/>
-            </a:endParaRPr>
-          </a:p>
-        </p:txBody>
-      </p:sp>
-      <p:sp>
-        <p:nvSpPr>
-          <p:cNvPr id="112" name="PlaceHolder 4"/>
-          <p:cNvSpPr>
-            <a:spLocks noGrp="1"/>
-          </p:cNvSpPr>
-          <p:nvPr>
-            <p:ph type="body"/>
-          </p:nvPr>
-        </p:nvSpPr>
-        <p:spPr>
-          <a:xfrm>
-            <a:off x="503640" y="3043800"/>
-            <a:ext cx="4425480" cy="1568160"/>
-          </a:xfrm>
-          <a:prstGeom prst="rect">
-            <a:avLst/>
-          </a:prstGeom>
-        </p:spPr>
-        <p:txBody>
-          <a:bodyPr lIns="0" rIns="0" tIns="0" bIns="0">
-            <a:normAutofit/>
-          </a:bodyPr>
-          <a:p>
-            <a:endParaRPr b="0" lang="en-US" sz="1540" spc="-1" strike="noStrike">
-              <a:solidFill>
-                <a:srgbClr val="000000"/>
-              </a:solidFill>
-              <a:latin typeface="Arial"/>
-            </a:endParaRPr>
-          </a:p>
-        </p:txBody>
-      </p:sp>
-      <p:sp>
-        <p:nvSpPr>
-          <p:cNvPr id="113" name="PlaceHolder 5"/>
-          <p:cNvSpPr>
-            <a:spLocks noGrp="1"/>
-          </p:cNvSpPr>
-          <p:nvPr>
-            <p:ph type="body"/>
-          </p:nvPr>
-        </p:nvSpPr>
-        <p:spPr>
-          <a:xfrm>
-            <a:off x="5150880" y="3043800"/>
-            <a:ext cx="4425480" cy="1568160"/>
-          </a:xfrm>
-          <a:prstGeom prst="rect">
-            <a:avLst/>
-          </a:prstGeom>
-        </p:spPr>
-        <p:txBody>
-          <a:bodyPr lIns="0" rIns="0" tIns="0" bIns="0">
-            <a:normAutofit/>
-          </a:bodyPr>
-          <a:p>
-            <a:endParaRPr b="0" lang="en-US" sz="1540" spc="-1" strike="noStrike">
-              <a:solidFill>
-                <a:srgbClr val="000000"/>
-              </a:solidFill>
-              <a:latin typeface="Arial"/>
-            </a:endParaRPr>
-          </a:p>
-        </p:txBody>
-      </p:sp>
-    </p:spTree>
-  </p:cSld>
-</p:sldLayout>
-</file>
-
-<file path=ppt/slideLayouts/slideLayout36.xml><?xml version="1.0" encoding="utf-8"?>
-<p:sldLayout xmlns:a="http://schemas.openxmlformats.org/drawingml/2006/main" xmlns:p="http://schemas.openxmlformats.org/presentationml/2006/main" xmlns:r="http://schemas.openxmlformats.org/officeDocument/2006/relationships" xmlns:p14="http://schemas.microsoft.com/office/powerpoint/2010/main" xmlns:p15="http://schemas.microsoft.com/office/powerpoint/2012/main" xmlns:mc="http://schemas.openxmlformats.org/markup-compatibility/2006" type="blank" preserve="1">
-  <p:cSld name="Title, 6 Content">
-    <p:spTree>
-      <p:nvGrpSpPr>
-        <p:cNvPr id="1" name=""/>
-        <p:cNvGrpSpPr/>
-        <p:nvPr/>
-      </p:nvGrpSpPr>
-      <p:grpSpPr>
-        <a:xfrm>
-          <a:off x="0" y="0"/>
-          <a:ext cx="0" cy="0"/>
-          <a:chOff x="0" y="0"/>
-          <a:chExt cx="0" cy="0"/>
-        </a:xfrm>
-      </p:grpSpPr>
-      <p:sp>
-        <p:nvSpPr>
-          <p:cNvPr id="114" name="PlaceHolder 1"/>
-          <p:cNvSpPr>
-            <a:spLocks noGrp="1"/>
-          </p:cNvSpPr>
-          <p:nvPr>
-            <p:ph type="title"/>
-          </p:nvPr>
-        </p:nvSpPr>
-        <p:spPr>
-          <a:xfrm>
-            <a:off x="503640" y="225720"/>
-            <a:ext cx="9068760" cy="946440"/>
-          </a:xfrm>
-          <a:prstGeom prst="rect">
-            <a:avLst/>
-          </a:prstGeom>
-        </p:spPr>
-        <p:txBody>
-          <a:bodyPr lIns="0" rIns="0" tIns="0" bIns="0" anchor="ctr">
-            <a:noAutofit/>
-          </a:bodyPr>
-          <a:p>
-            <a:endParaRPr b="0" lang="en-US" sz="1800" spc="-1" strike="noStrike">
-              <a:solidFill>
-                <a:srgbClr val="000000"/>
-              </a:solidFill>
-              <a:latin typeface="Arial"/>
-            </a:endParaRPr>
-          </a:p>
-        </p:txBody>
-      </p:sp>
-      <p:sp>
-        <p:nvSpPr>
-          <p:cNvPr id="115" name="PlaceHolder 2"/>
-          <p:cNvSpPr>
-            <a:spLocks noGrp="1"/>
-          </p:cNvSpPr>
-          <p:nvPr>
-            <p:ph type="body"/>
-          </p:nvPr>
-        </p:nvSpPr>
-        <p:spPr>
-          <a:xfrm>
-            <a:off x="503640" y="1326240"/>
-            <a:ext cx="2919960" cy="1568160"/>
-          </a:xfrm>
-          <a:prstGeom prst="rect">
-            <a:avLst/>
-          </a:prstGeom>
-        </p:spPr>
-        <p:txBody>
-          <a:bodyPr lIns="0" rIns="0" tIns="0" bIns="0">
-            <a:normAutofit/>
-          </a:bodyPr>
-          <a:p>
-            <a:endParaRPr b="0" lang="en-US" sz="1540" spc="-1" strike="noStrike">
-              <a:solidFill>
-                <a:srgbClr val="000000"/>
-              </a:solidFill>
-              <a:latin typeface="Arial"/>
-            </a:endParaRPr>
-          </a:p>
-        </p:txBody>
-      </p:sp>
-      <p:sp>
-        <p:nvSpPr>
-          <p:cNvPr id="116" name="PlaceHolder 3"/>
-          <p:cNvSpPr>
-            <a:spLocks noGrp="1"/>
-          </p:cNvSpPr>
-          <p:nvPr>
-            <p:ph type="body"/>
-          </p:nvPr>
-        </p:nvSpPr>
-        <p:spPr>
-          <a:xfrm>
-            <a:off x="3570120" y="1326240"/>
-            <a:ext cx="2919960" cy="1568160"/>
-          </a:xfrm>
-          <a:prstGeom prst="rect">
-            <a:avLst/>
-          </a:prstGeom>
-        </p:spPr>
-        <p:txBody>
-          <a:bodyPr lIns="0" rIns="0" tIns="0" bIns="0">
-            <a:normAutofit/>
-          </a:bodyPr>
-          <a:p>
-            <a:endParaRPr b="0" lang="en-US" sz="1540" spc="-1" strike="noStrike">
-              <a:solidFill>
-                <a:srgbClr val="000000"/>
-              </a:solidFill>
-              <a:latin typeface="Arial"/>
-            </a:endParaRPr>
-          </a:p>
-        </p:txBody>
-      </p:sp>
-      <p:sp>
-        <p:nvSpPr>
-          <p:cNvPr id="117" name="PlaceHolder 4"/>
-          <p:cNvSpPr>
-            <a:spLocks noGrp="1"/>
-          </p:cNvSpPr>
-          <p:nvPr>
-            <p:ph type="body"/>
-          </p:nvPr>
-        </p:nvSpPr>
-        <p:spPr>
-          <a:xfrm>
-            <a:off x="6636240" y="1326240"/>
-            <a:ext cx="2919960" cy="1568160"/>
-          </a:xfrm>
-          <a:prstGeom prst="rect">
-            <a:avLst/>
-          </a:prstGeom>
-        </p:spPr>
-        <p:txBody>
-          <a:bodyPr lIns="0" rIns="0" tIns="0" bIns="0">
-            <a:normAutofit/>
-          </a:bodyPr>
-          <a:p>
-            <a:endParaRPr b="0" lang="en-US" sz="1540" spc="-1" strike="noStrike">
-              <a:solidFill>
-                <a:srgbClr val="000000"/>
-              </a:solidFill>
-              <a:latin typeface="Arial"/>
-            </a:endParaRPr>
-          </a:p>
-        </p:txBody>
-      </p:sp>
-      <p:sp>
-        <p:nvSpPr>
-          <p:cNvPr id="118" name="PlaceHolder 5"/>
-          <p:cNvSpPr>
-            <a:spLocks noGrp="1"/>
-          </p:cNvSpPr>
-          <p:nvPr>
-            <p:ph type="body"/>
-          </p:nvPr>
-        </p:nvSpPr>
-        <p:spPr>
-          <a:xfrm>
-            <a:off x="503640" y="3043800"/>
-            <a:ext cx="2919960" cy="1568160"/>
-          </a:xfrm>
-          <a:prstGeom prst="rect">
-            <a:avLst/>
-          </a:prstGeom>
-        </p:spPr>
-        <p:txBody>
-          <a:bodyPr lIns="0" rIns="0" tIns="0" bIns="0">
-            <a:normAutofit/>
-          </a:bodyPr>
-          <a:p>
-            <a:endParaRPr b="0" lang="en-US" sz="1540" spc="-1" strike="noStrike">
-              <a:solidFill>
-                <a:srgbClr val="000000"/>
-              </a:solidFill>
-              <a:latin typeface="Arial"/>
-            </a:endParaRPr>
-          </a:p>
-        </p:txBody>
-      </p:sp>
-      <p:sp>
-        <p:nvSpPr>
-          <p:cNvPr id="119" name="PlaceHolder 6"/>
-          <p:cNvSpPr>
-            <a:spLocks noGrp="1"/>
-          </p:cNvSpPr>
-          <p:nvPr>
-            <p:ph type="body"/>
-          </p:nvPr>
-        </p:nvSpPr>
-        <p:spPr>
-          <a:xfrm>
-            <a:off x="3570120" y="3043800"/>
-            <a:ext cx="2919960" cy="1568160"/>
-          </a:xfrm>
-          <a:prstGeom prst="rect">
-            <a:avLst/>
-          </a:prstGeom>
-        </p:spPr>
-        <p:txBody>
-          <a:bodyPr lIns="0" rIns="0" tIns="0" bIns="0">
-            <a:normAutofit/>
-          </a:bodyPr>
-          <a:p>
-            <a:endParaRPr b="0" lang="en-US" sz="1540" spc="-1" strike="noStrike">
-              <a:solidFill>
-                <a:srgbClr val="000000"/>
-              </a:solidFill>
-              <a:latin typeface="Arial"/>
-            </a:endParaRPr>
-          </a:p>
-        </p:txBody>
-      </p:sp>
-      <p:sp>
-        <p:nvSpPr>
-          <p:cNvPr id="120" name="PlaceHolder 7"/>
-          <p:cNvSpPr>
-            <a:spLocks noGrp="1"/>
-          </p:cNvSpPr>
-          <p:nvPr>
-            <p:ph type="body"/>
-          </p:nvPr>
-        </p:nvSpPr>
-        <p:spPr>
-          <a:xfrm>
-            <a:off x="6636240" y="3043800"/>
-            <a:ext cx="2919960" cy="1568160"/>
-          </a:xfrm>
-          <a:prstGeom prst="rect">
-            <a:avLst/>
-          </a:prstGeom>
-        </p:spPr>
-        <p:txBody>
-          <a:bodyPr lIns="0" rIns="0" tIns="0" bIns="0">
-            <a:normAutofit/>
-          </a:bodyPr>
-          <a:p>
-            <a:endParaRPr b="0" lang="en-US" sz="1540" spc="-1" strike="noStrike">
-              <a:solidFill>
-                <a:srgbClr val="000000"/>
-              </a:solidFill>
+            <a:endParaRPr b="0" lang="nl-NL" sz="3200" spc="-1" strike="noStrike">
               <a:latin typeface="Arial"/>
             </a:endParaRPr>
           </a:p>
@@ -3690,7 +2101,7 @@
       </p:grpSpPr>
       <p:sp>
         <p:nvSpPr>
-          <p:cNvPr id="9" name="PlaceHolder 1"/>
+          <p:cNvPr id="8" name="PlaceHolder 1"/>
           <p:cNvSpPr>
             <a:spLocks noGrp="1"/>
           </p:cNvSpPr>
@@ -3701,7 +2112,7 @@
         <p:spPr>
           <a:xfrm>
             <a:off x="503640" y="225720"/>
-            <a:ext cx="9068760" cy="946440"/>
+            <a:ext cx="9068400" cy="946080"/>
           </a:xfrm>
           <a:prstGeom prst="rect">
             <a:avLst/>
@@ -3712,18 +2123,16 @@
             <a:noAutofit/>
           </a:bodyPr>
           <a:p>
-            <a:endParaRPr b="0" lang="en-US" sz="1800" spc="-1" strike="noStrike">
-              <a:solidFill>
-                <a:srgbClr val="000000"/>
-              </a:solidFill>
-              <a:latin typeface="Arial"/>
-            </a:endParaRPr>
-          </a:p>
-        </p:txBody>
-      </p:sp>
-      <p:sp>
-        <p:nvSpPr>
-          <p:cNvPr id="10" name="PlaceHolder 2"/>
+            <a:pPr algn="ctr"/>
+            <a:endParaRPr b="0" lang="nl-NL" sz="4400" spc="-1" strike="noStrike">
+              <a:latin typeface="Arial"/>
+            </a:endParaRPr>
+          </a:p>
+        </p:txBody>
+      </p:sp>
+      <p:sp>
+        <p:nvSpPr>
+          <p:cNvPr id="9" name="PlaceHolder 2"/>
           <p:cNvSpPr>
             <a:spLocks noGrp="1"/>
           </p:cNvSpPr>
@@ -3734,7 +2143,7 @@
         <p:spPr>
           <a:xfrm>
             <a:off x="503640" y="1326240"/>
-            <a:ext cx="4425480" cy="3287880"/>
+            <a:ext cx="4425480" cy="3287520"/>
           </a:xfrm>
           <a:prstGeom prst="rect">
             <a:avLst/>
@@ -3745,18 +2154,15 @@
             <a:normAutofit/>
           </a:bodyPr>
           <a:p>
-            <a:endParaRPr b="0" lang="en-US" sz="1540" spc="-1" strike="noStrike">
-              <a:solidFill>
-                <a:srgbClr val="000000"/>
-              </a:solidFill>
-              <a:latin typeface="Arial"/>
-            </a:endParaRPr>
-          </a:p>
-        </p:txBody>
-      </p:sp>
-      <p:sp>
-        <p:nvSpPr>
-          <p:cNvPr id="11" name="PlaceHolder 3"/>
+            <a:endParaRPr b="0" lang="nl-NL" sz="3200" spc="-1" strike="noStrike">
+              <a:latin typeface="Arial"/>
+            </a:endParaRPr>
+          </a:p>
+        </p:txBody>
+      </p:sp>
+      <p:sp>
+        <p:nvSpPr>
+          <p:cNvPr id="10" name="PlaceHolder 3"/>
           <p:cNvSpPr>
             <a:spLocks noGrp="1"/>
           </p:cNvSpPr>
@@ -3767,7 +2173,7 @@
         <p:spPr>
           <a:xfrm>
             <a:off x="5150880" y="1326240"/>
-            <a:ext cx="4425480" cy="3287880"/>
+            <a:ext cx="4425480" cy="3287520"/>
           </a:xfrm>
           <a:prstGeom prst="rect">
             <a:avLst/>
@@ -3778,10 +2184,7 @@
             <a:normAutofit/>
           </a:bodyPr>
           <a:p>
-            <a:endParaRPr b="0" lang="en-US" sz="1540" spc="-1" strike="noStrike">
-              <a:solidFill>
-                <a:srgbClr val="000000"/>
-              </a:solidFill>
+            <a:endParaRPr b="0" lang="nl-NL" sz="3200" spc="-1" strike="noStrike">
               <a:latin typeface="Arial"/>
             </a:endParaRPr>
           </a:p>
@@ -3811,7 +2214,7 @@
       </p:grpSpPr>
       <p:sp>
         <p:nvSpPr>
-          <p:cNvPr id="12" name="PlaceHolder 1"/>
+          <p:cNvPr id="11" name="PlaceHolder 1"/>
           <p:cNvSpPr>
             <a:spLocks noGrp="1"/>
           </p:cNvSpPr>
@@ -3822,7 +2225,7 @@
         <p:spPr>
           <a:xfrm>
             <a:off x="503640" y="225720"/>
-            <a:ext cx="9068760" cy="946440"/>
+            <a:ext cx="9068400" cy="946080"/>
           </a:xfrm>
           <a:prstGeom prst="rect">
             <a:avLst/>
@@ -3833,10 +2236,8 @@
             <a:noAutofit/>
           </a:bodyPr>
           <a:p>
-            <a:endParaRPr b="0" lang="en-US" sz="1800" spc="-1" strike="noStrike">
-              <a:solidFill>
-                <a:srgbClr val="000000"/>
-              </a:solidFill>
+            <a:pPr algn="ctr"/>
+            <a:endParaRPr b="0" lang="nl-NL" sz="4400" spc="-1" strike="noStrike">
               <a:latin typeface="Arial"/>
             </a:endParaRPr>
           </a:p>
@@ -3866,7 +2267,7 @@
       </p:grpSpPr>
       <p:sp>
         <p:nvSpPr>
-          <p:cNvPr id="13" name="PlaceHolder 1"/>
+          <p:cNvPr id="12" name="PlaceHolder 1"/>
           <p:cNvSpPr>
             <a:spLocks noGrp="1"/>
           </p:cNvSpPr>
@@ -3877,7 +2278,7 @@
         <p:spPr>
           <a:xfrm>
             <a:off x="503640" y="225720"/>
-            <a:ext cx="9068760" cy="4388400"/>
+            <a:ext cx="9068400" cy="4386600"/>
           </a:xfrm>
           <a:prstGeom prst="rect">
             <a:avLst/>
@@ -3889,7 +2290,7 @@
           </a:bodyPr>
           <a:p>
             <a:pPr algn="ctr"/>
-            <a:endParaRPr b="0" lang="en-US" sz="3200" spc="-1" strike="noStrike">
+            <a:endParaRPr b="0" lang="nl-NL" sz="3200" spc="-1" strike="noStrike">
               <a:latin typeface="Arial"/>
             </a:endParaRPr>
           </a:p>
@@ -3919,7 +2320,7 @@
       </p:grpSpPr>
       <p:sp>
         <p:nvSpPr>
-          <p:cNvPr id="14" name="PlaceHolder 1"/>
+          <p:cNvPr id="13" name="PlaceHolder 1"/>
           <p:cNvSpPr>
             <a:spLocks noGrp="1"/>
           </p:cNvSpPr>
@@ -3930,7 +2331,7 @@
         <p:spPr>
           <a:xfrm>
             <a:off x="503640" y="225720"/>
-            <a:ext cx="9068760" cy="946440"/>
+            <a:ext cx="9068400" cy="946080"/>
           </a:xfrm>
           <a:prstGeom prst="rect">
             <a:avLst/>
@@ -3941,18 +2342,16 @@
             <a:noAutofit/>
           </a:bodyPr>
           <a:p>
-            <a:endParaRPr b="0" lang="en-US" sz="1800" spc="-1" strike="noStrike">
-              <a:solidFill>
-                <a:srgbClr val="000000"/>
-              </a:solidFill>
-              <a:latin typeface="Arial"/>
-            </a:endParaRPr>
-          </a:p>
-        </p:txBody>
-      </p:sp>
-      <p:sp>
-        <p:nvSpPr>
-          <p:cNvPr id="15" name="PlaceHolder 2"/>
+            <a:pPr algn="ctr"/>
+            <a:endParaRPr b="0" lang="nl-NL" sz="4400" spc="-1" strike="noStrike">
+              <a:latin typeface="Arial"/>
+            </a:endParaRPr>
+          </a:p>
+        </p:txBody>
+      </p:sp>
+      <p:sp>
+        <p:nvSpPr>
+          <p:cNvPr id="14" name="PlaceHolder 2"/>
           <p:cNvSpPr>
             <a:spLocks noGrp="1"/>
           </p:cNvSpPr>
@@ -3963,7 +2362,7 @@
         <p:spPr>
           <a:xfrm>
             <a:off x="503640" y="1326240"/>
-            <a:ext cx="4425480" cy="1568160"/>
+            <a:ext cx="4425480" cy="1567800"/>
           </a:xfrm>
           <a:prstGeom prst="rect">
             <a:avLst/>
@@ -3974,18 +2373,15 @@
             <a:normAutofit/>
           </a:bodyPr>
           <a:p>
-            <a:endParaRPr b="0" lang="en-US" sz="1540" spc="-1" strike="noStrike">
-              <a:solidFill>
-                <a:srgbClr val="000000"/>
-              </a:solidFill>
-              <a:latin typeface="Arial"/>
-            </a:endParaRPr>
-          </a:p>
-        </p:txBody>
-      </p:sp>
-      <p:sp>
-        <p:nvSpPr>
-          <p:cNvPr id="16" name="PlaceHolder 3"/>
+            <a:endParaRPr b="0" lang="nl-NL" sz="3200" spc="-1" strike="noStrike">
+              <a:latin typeface="Arial"/>
+            </a:endParaRPr>
+          </a:p>
+        </p:txBody>
+      </p:sp>
+      <p:sp>
+        <p:nvSpPr>
+          <p:cNvPr id="15" name="PlaceHolder 3"/>
           <p:cNvSpPr>
             <a:spLocks noGrp="1"/>
           </p:cNvSpPr>
@@ -3996,7 +2392,7 @@
         <p:spPr>
           <a:xfrm>
             <a:off x="5150880" y="1326240"/>
-            <a:ext cx="4425480" cy="3287880"/>
+            <a:ext cx="4425480" cy="3287520"/>
           </a:xfrm>
           <a:prstGeom prst="rect">
             <a:avLst/>
@@ -4007,18 +2403,15 @@
             <a:normAutofit/>
           </a:bodyPr>
           <a:p>
-            <a:endParaRPr b="0" lang="en-US" sz="1540" spc="-1" strike="noStrike">
-              <a:solidFill>
-                <a:srgbClr val="000000"/>
-              </a:solidFill>
-              <a:latin typeface="Arial"/>
-            </a:endParaRPr>
-          </a:p>
-        </p:txBody>
-      </p:sp>
-      <p:sp>
-        <p:nvSpPr>
-          <p:cNvPr id="17" name="PlaceHolder 4"/>
+            <a:endParaRPr b="0" lang="nl-NL" sz="3200" spc="-1" strike="noStrike">
+              <a:latin typeface="Arial"/>
+            </a:endParaRPr>
+          </a:p>
+        </p:txBody>
+      </p:sp>
+      <p:sp>
+        <p:nvSpPr>
+          <p:cNvPr id="16" name="PlaceHolder 4"/>
           <p:cNvSpPr>
             <a:spLocks noGrp="1"/>
           </p:cNvSpPr>
@@ -4028,8 +2421,8 @@
         </p:nvSpPr>
         <p:spPr>
           <a:xfrm>
-            <a:off x="503640" y="3043800"/>
-            <a:ext cx="4425480" cy="1568160"/>
+            <a:off x="503640" y="3043440"/>
+            <a:ext cx="4425480" cy="1567800"/>
           </a:xfrm>
           <a:prstGeom prst="rect">
             <a:avLst/>
@@ -4040,10 +2433,7 @@
             <a:normAutofit/>
           </a:bodyPr>
           <a:p>
-            <a:endParaRPr b="0" lang="en-US" sz="1540" spc="-1" strike="noStrike">
-              <a:solidFill>
-                <a:srgbClr val="000000"/>
-              </a:solidFill>
+            <a:endParaRPr b="0" lang="nl-NL" sz="3200" spc="-1" strike="noStrike">
               <a:latin typeface="Arial"/>
             </a:endParaRPr>
           </a:p>
@@ -4073,7 +2463,7 @@
       </p:grpSpPr>
       <p:sp>
         <p:nvSpPr>
-          <p:cNvPr id="18" name="PlaceHolder 1"/>
+          <p:cNvPr id="17" name="PlaceHolder 1"/>
           <p:cNvSpPr>
             <a:spLocks noGrp="1"/>
           </p:cNvSpPr>
@@ -4084,7 +2474,7 @@
         <p:spPr>
           <a:xfrm>
             <a:off x="503640" y="225720"/>
-            <a:ext cx="9068760" cy="946440"/>
+            <a:ext cx="9068400" cy="946080"/>
           </a:xfrm>
           <a:prstGeom prst="rect">
             <a:avLst/>
@@ -4095,18 +2485,16 @@
             <a:noAutofit/>
           </a:bodyPr>
           <a:p>
-            <a:endParaRPr b="0" lang="en-US" sz="1800" spc="-1" strike="noStrike">
-              <a:solidFill>
-                <a:srgbClr val="000000"/>
-              </a:solidFill>
-              <a:latin typeface="Arial"/>
-            </a:endParaRPr>
-          </a:p>
-        </p:txBody>
-      </p:sp>
-      <p:sp>
-        <p:nvSpPr>
-          <p:cNvPr id="19" name="PlaceHolder 2"/>
+            <a:pPr algn="ctr"/>
+            <a:endParaRPr b="0" lang="nl-NL" sz="4400" spc="-1" strike="noStrike">
+              <a:latin typeface="Arial"/>
+            </a:endParaRPr>
+          </a:p>
+        </p:txBody>
+      </p:sp>
+      <p:sp>
+        <p:nvSpPr>
+          <p:cNvPr id="18" name="PlaceHolder 2"/>
           <p:cNvSpPr>
             <a:spLocks noGrp="1"/>
           </p:cNvSpPr>
@@ -4117,7 +2505,7 @@
         <p:spPr>
           <a:xfrm>
             <a:off x="503640" y="1326240"/>
-            <a:ext cx="4425480" cy="3287880"/>
+            <a:ext cx="4425480" cy="3287520"/>
           </a:xfrm>
           <a:prstGeom prst="rect">
             <a:avLst/>
@@ -4128,18 +2516,15 @@
             <a:normAutofit/>
           </a:bodyPr>
           <a:p>
-            <a:endParaRPr b="0" lang="en-US" sz="1540" spc="-1" strike="noStrike">
-              <a:solidFill>
-                <a:srgbClr val="000000"/>
-              </a:solidFill>
-              <a:latin typeface="Arial"/>
-            </a:endParaRPr>
-          </a:p>
-        </p:txBody>
-      </p:sp>
-      <p:sp>
-        <p:nvSpPr>
-          <p:cNvPr id="20" name="PlaceHolder 3"/>
+            <a:endParaRPr b="0" lang="nl-NL" sz="3200" spc="-1" strike="noStrike">
+              <a:latin typeface="Arial"/>
+            </a:endParaRPr>
+          </a:p>
+        </p:txBody>
+      </p:sp>
+      <p:sp>
+        <p:nvSpPr>
+          <p:cNvPr id="19" name="PlaceHolder 3"/>
           <p:cNvSpPr>
             <a:spLocks noGrp="1"/>
           </p:cNvSpPr>
@@ -4150,7 +2535,7 @@
         <p:spPr>
           <a:xfrm>
             <a:off x="5150880" y="1326240"/>
-            <a:ext cx="4425480" cy="1568160"/>
+            <a:ext cx="4425480" cy="1567800"/>
           </a:xfrm>
           <a:prstGeom prst="rect">
             <a:avLst/>
@@ -4161,18 +2546,15 @@
             <a:normAutofit/>
           </a:bodyPr>
           <a:p>
-            <a:endParaRPr b="0" lang="en-US" sz="1540" spc="-1" strike="noStrike">
-              <a:solidFill>
-                <a:srgbClr val="000000"/>
-              </a:solidFill>
-              <a:latin typeface="Arial"/>
-            </a:endParaRPr>
-          </a:p>
-        </p:txBody>
-      </p:sp>
-      <p:sp>
-        <p:nvSpPr>
-          <p:cNvPr id="21" name="PlaceHolder 4"/>
+            <a:endParaRPr b="0" lang="nl-NL" sz="3200" spc="-1" strike="noStrike">
+              <a:latin typeface="Arial"/>
+            </a:endParaRPr>
+          </a:p>
+        </p:txBody>
+      </p:sp>
+      <p:sp>
+        <p:nvSpPr>
+          <p:cNvPr id="20" name="PlaceHolder 4"/>
           <p:cNvSpPr>
             <a:spLocks noGrp="1"/>
           </p:cNvSpPr>
@@ -4182,8 +2564,8 @@
         </p:nvSpPr>
         <p:spPr>
           <a:xfrm>
-            <a:off x="5150880" y="3043800"/>
-            <a:ext cx="4425480" cy="1568160"/>
+            <a:off x="5150880" y="3043440"/>
+            <a:ext cx="4425480" cy="1567800"/>
           </a:xfrm>
           <a:prstGeom prst="rect">
             <a:avLst/>
@@ -4194,10 +2576,7 @@
             <a:normAutofit/>
           </a:bodyPr>
           <a:p>
-            <a:endParaRPr b="0" lang="en-US" sz="1540" spc="-1" strike="noStrike">
-              <a:solidFill>
-                <a:srgbClr val="000000"/>
-              </a:solidFill>
+            <a:endParaRPr b="0" lang="nl-NL" sz="3200" spc="-1" strike="noStrike">
               <a:latin typeface="Arial"/>
             </a:endParaRPr>
           </a:p>
@@ -4227,7 +2606,7 @@
       </p:grpSpPr>
       <p:sp>
         <p:nvSpPr>
-          <p:cNvPr id="22" name="PlaceHolder 1"/>
+          <p:cNvPr id="21" name="PlaceHolder 1"/>
           <p:cNvSpPr>
             <a:spLocks noGrp="1"/>
           </p:cNvSpPr>
@@ -4238,7 +2617,7 @@
         <p:spPr>
           <a:xfrm>
             <a:off x="503640" y="225720"/>
-            <a:ext cx="9068760" cy="946440"/>
+            <a:ext cx="9068400" cy="946080"/>
           </a:xfrm>
           <a:prstGeom prst="rect">
             <a:avLst/>
@@ -4249,18 +2628,16 @@
             <a:noAutofit/>
           </a:bodyPr>
           <a:p>
-            <a:endParaRPr b="0" lang="en-US" sz="1800" spc="-1" strike="noStrike">
-              <a:solidFill>
-                <a:srgbClr val="000000"/>
-              </a:solidFill>
-              <a:latin typeface="Arial"/>
-            </a:endParaRPr>
-          </a:p>
-        </p:txBody>
-      </p:sp>
-      <p:sp>
-        <p:nvSpPr>
-          <p:cNvPr id="23" name="PlaceHolder 2"/>
+            <a:pPr algn="ctr"/>
+            <a:endParaRPr b="0" lang="nl-NL" sz="4400" spc="-1" strike="noStrike">
+              <a:latin typeface="Arial"/>
+            </a:endParaRPr>
+          </a:p>
+        </p:txBody>
+      </p:sp>
+      <p:sp>
+        <p:nvSpPr>
+          <p:cNvPr id="22" name="PlaceHolder 2"/>
           <p:cNvSpPr>
             <a:spLocks noGrp="1"/>
           </p:cNvSpPr>
@@ -4271,7 +2648,7 @@
         <p:spPr>
           <a:xfrm>
             <a:off x="503640" y="1326240"/>
-            <a:ext cx="4425480" cy="1568160"/>
+            <a:ext cx="4425480" cy="1567800"/>
           </a:xfrm>
           <a:prstGeom prst="rect">
             <a:avLst/>
@@ -4282,18 +2659,15 @@
             <a:normAutofit/>
           </a:bodyPr>
           <a:p>
-            <a:endParaRPr b="0" lang="en-US" sz="1540" spc="-1" strike="noStrike">
-              <a:solidFill>
-                <a:srgbClr val="000000"/>
-              </a:solidFill>
-              <a:latin typeface="Arial"/>
-            </a:endParaRPr>
-          </a:p>
-        </p:txBody>
-      </p:sp>
-      <p:sp>
-        <p:nvSpPr>
-          <p:cNvPr id="24" name="PlaceHolder 3"/>
+            <a:endParaRPr b="0" lang="nl-NL" sz="3200" spc="-1" strike="noStrike">
+              <a:latin typeface="Arial"/>
+            </a:endParaRPr>
+          </a:p>
+        </p:txBody>
+      </p:sp>
+      <p:sp>
+        <p:nvSpPr>
+          <p:cNvPr id="23" name="PlaceHolder 3"/>
           <p:cNvSpPr>
             <a:spLocks noGrp="1"/>
           </p:cNvSpPr>
@@ -4304,7 +2678,7 @@
         <p:spPr>
           <a:xfrm>
             <a:off x="5150880" y="1326240"/>
-            <a:ext cx="4425480" cy="1568160"/>
+            <a:ext cx="4425480" cy="1567800"/>
           </a:xfrm>
           <a:prstGeom prst="rect">
             <a:avLst/>
@@ -4315,18 +2689,15 @@
             <a:normAutofit/>
           </a:bodyPr>
           <a:p>
-            <a:endParaRPr b="0" lang="en-US" sz="1540" spc="-1" strike="noStrike">
-              <a:solidFill>
-                <a:srgbClr val="000000"/>
-              </a:solidFill>
-              <a:latin typeface="Arial"/>
-            </a:endParaRPr>
-          </a:p>
-        </p:txBody>
-      </p:sp>
-      <p:sp>
-        <p:nvSpPr>
-          <p:cNvPr id="25" name="PlaceHolder 4"/>
+            <a:endParaRPr b="0" lang="nl-NL" sz="3200" spc="-1" strike="noStrike">
+              <a:latin typeface="Arial"/>
+            </a:endParaRPr>
+          </a:p>
+        </p:txBody>
+      </p:sp>
+      <p:sp>
+        <p:nvSpPr>
+          <p:cNvPr id="24" name="PlaceHolder 4"/>
           <p:cNvSpPr>
             <a:spLocks noGrp="1"/>
           </p:cNvSpPr>
@@ -4336,8 +2707,8 @@
         </p:nvSpPr>
         <p:spPr>
           <a:xfrm>
-            <a:off x="503640" y="3043800"/>
-            <a:ext cx="9068760" cy="1568160"/>
+            <a:off x="503640" y="3043440"/>
+            <a:ext cx="9069120" cy="1567800"/>
           </a:xfrm>
           <a:prstGeom prst="rect">
             <a:avLst/>
@@ -4348,10 +2719,7 @@
             <a:normAutofit/>
           </a:bodyPr>
           <a:p>
-            <a:endParaRPr b="0" lang="en-US" sz="1540" spc="-1" strike="noStrike">
-              <a:solidFill>
-                <a:srgbClr val="000000"/>
-              </a:solidFill>
+            <a:endParaRPr b="0" lang="nl-NL" sz="3200" spc="-1" strike="noStrike">
               <a:latin typeface="Arial"/>
             </a:endParaRPr>
           </a:p>
@@ -4363,381 +2731,6 @@
 </file>
 
 <file path=ppt/slideMasters/slideMaster1.xml><?xml version="1.0" encoding="utf-8"?>
-<p:sldMaster xmlns:a="http://schemas.openxmlformats.org/drawingml/2006/main" xmlns:p="http://schemas.openxmlformats.org/presentationml/2006/main" xmlns:r="http://schemas.openxmlformats.org/officeDocument/2006/relationships" xmlns:p14="http://schemas.microsoft.com/office/powerpoint/2010/main" xmlns:p15="http://schemas.microsoft.com/office/powerpoint/2012/main" xmlns:mc="http://schemas.openxmlformats.org/markup-compatibility/2006">
-  <p:cSld>
-    <p:spTree>
-      <p:nvGrpSpPr>
-        <p:cNvPr id="1" name=""/>
-        <p:cNvGrpSpPr/>
-        <p:nvPr/>
-      </p:nvGrpSpPr>
-      <p:grpSpPr>
-        <a:xfrm>
-          <a:off x="0" y="0"/>
-          <a:ext cx="0" cy="0"/>
-          <a:chOff x="0" y="0"/>
-          <a:chExt cx="0" cy="0"/>
-        </a:xfrm>
-      </p:grpSpPr>
-      <p:sp>
-        <p:nvSpPr>
-          <p:cNvPr id="0" name="PlaceHolder 1"/>
-          <p:cNvSpPr>
-            <a:spLocks noGrp="1"/>
-          </p:cNvSpPr>
-          <p:nvPr>
-            <p:ph type="title"/>
-          </p:nvPr>
-        </p:nvSpPr>
-        <p:spPr>
-          <a:xfrm>
-            <a:off x="503640" y="225720"/>
-            <a:ext cx="9068760" cy="946440"/>
-          </a:xfrm>
-          <a:prstGeom prst="rect">
-            <a:avLst/>
-          </a:prstGeom>
-        </p:spPr>
-        <p:txBody>
-          <a:bodyPr lIns="0" rIns="0" tIns="0" bIns="0" anchor="ctr">
-            <a:noAutofit/>
-          </a:bodyPr>
-          <a:p>
-            <a:pPr algn="ctr"/>
-            <a:r>
-              <a:rPr b="0" lang="en-US" sz="4400" spc="-1" strike="noStrike">
-                <a:latin typeface="Arial"/>
-              </a:rPr>
-              <a:t>Click to edit the title text format</a:t>
-            </a:r>
-            <a:endParaRPr b="0" lang="en-US" sz="4400" spc="-1" strike="noStrike">
-              <a:latin typeface="Arial"/>
-            </a:endParaRPr>
-          </a:p>
-        </p:txBody>
-      </p:sp>
-      <p:sp>
-        <p:nvSpPr>
-          <p:cNvPr id="1" name="PlaceHolder 2"/>
-          <p:cNvSpPr>
-            <a:spLocks noGrp="1"/>
-          </p:cNvSpPr>
-          <p:nvPr>
-            <p:ph type="body"/>
-          </p:nvPr>
-        </p:nvSpPr>
-        <p:spPr>
-          <a:xfrm>
-            <a:off x="503640" y="1326240"/>
-            <a:ext cx="9068760" cy="3287880"/>
-          </a:xfrm>
-          <a:prstGeom prst="rect">
-            <a:avLst/>
-          </a:prstGeom>
-        </p:spPr>
-        <p:txBody>
-          <a:bodyPr lIns="0" rIns="0" tIns="0" bIns="0">
-            <a:normAutofit/>
-          </a:bodyPr>
-          <a:p>
-            <a:pPr marL="432000" indent="-324000">
-              <a:spcBef>
-                <a:spcPts val="1414"/>
-              </a:spcBef>
-              <a:buClr>
-                <a:srgbClr val="000000"/>
-              </a:buClr>
-              <a:buSzPct val="45000"/>
-              <a:buFont typeface="Wingdings" charset="2"/>
-              <a:buChar char=""/>
-            </a:pPr>
-            <a:r>
-              <a:rPr b="0" lang="en-US" sz="3200" spc="-1" strike="noStrike">
-                <a:latin typeface="Arial"/>
-              </a:rPr>
-              <a:t>Click to edit the outline </a:t>
-            </a:r>
-            <a:r>
-              <a:rPr b="0" lang="en-US" sz="3200" spc="-1" strike="noStrike">
-                <a:latin typeface="Arial"/>
-              </a:rPr>
-              <a:t>text format</a:t>
-            </a:r>
-            <a:endParaRPr b="0" lang="en-US" sz="3200" spc="-1" strike="noStrike">
-              <a:latin typeface="Arial"/>
-            </a:endParaRPr>
-          </a:p>
-          <a:p>
-            <a:pPr lvl="1" marL="864000" indent="-324000">
-              <a:spcBef>
-                <a:spcPts val="1131"/>
-              </a:spcBef>
-              <a:buClr>
-                <a:srgbClr val="000000"/>
-              </a:buClr>
-              <a:buSzPct val="75000"/>
-              <a:buFont typeface="Symbol" charset="2"/>
-              <a:buChar char=""/>
-            </a:pPr>
-            <a:r>
-              <a:rPr b="0" lang="en-US" sz="2800" spc="-1" strike="noStrike">
-                <a:latin typeface="Arial"/>
-              </a:rPr>
-              <a:t>Second Outline Level</a:t>
-            </a:r>
-            <a:endParaRPr b="0" lang="en-US" sz="2800" spc="-1" strike="noStrike">
-              <a:latin typeface="Arial"/>
-            </a:endParaRPr>
-          </a:p>
-          <a:p>
-            <a:pPr lvl="2" marL="1296000" indent="-288000">
-              <a:spcBef>
-                <a:spcPts val="848"/>
-              </a:spcBef>
-              <a:buClr>
-                <a:srgbClr val="000000"/>
-              </a:buClr>
-              <a:buSzPct val="45000"/>
-              <a:buFont typeface="Wingdings" charset="2"/>
-              <a:buChar char=""/>
-            </a:pPr>
-            <a:r>
-              <a:rPr b="0" lang="en-US" sz="2400" spc="-1" strike="noStrike">
-                <a:latin typeface="Arial"/>
-              </a:rPr>
-              <a:t>Third Outline Level</a:t>
-            </a:r>
-            <a:endParaRPr b="0" lang="en-US" sz="2400" spc="-1" strike="noStrike">
-              <a:latin typeface="Arial"/>
-            </a:endParaRPr>
-          </a:p>
-          <a:p>
-            <a:pPr lvl="3" marL="1728000" indent="-216000">
-              <a:spcBef>
-                <a:spcPts val="564"/>
-              </a:spcBef>
-              <a:buClr>
-                <a:srgbClr val="000000"/>
-              </a:buClr>
-              <a:buSzPct val="75000"/>
-              <a:buFont typeface="Symbol" charset="2"/>
-              <a:buChar char=""/>
-            </a:pPr>
-            <a:r>
-              <a:rPr b="0" lang="en-US" sz="2000" spc="-1" strike="noStrike">
-                <a:latin typeface="Arial"/>
-              </a:rPr>
-              <a:t>Fourth Outline Level</a:t>
-            </a:r>
-            <a:endParaRPr b="0" lang="en-US" sz="2000" spc="-1" strike="noStrike">
-              <a:latin typeface="Arial"/>
-            </a:endParaRPr>
-          </a:p>
-          <a:p>
-            <a:pPr lvl="4" marL="2160000" indent="-216000">
-              <a:spcBef>
-                <a:spcPts val="281"/>
-              </a:spcBef>
-              <a:buClr>
-                <a:srgbClr val="000000"/>
-              </a:buClr>
-              <a:buSzPct val="45000"/>
-              <a:buFont typeface="Wingdings" charset="2"/>
-              <a:buChar char=""/>
-            </a:pPr>
-            <a:r>
-              <a:rPr b="0" lang="en-US" sz="2000" spc="-1" strike="noStrike">
-                <a:latin typeface="Arial"/>
-              </a:rPr>
-              <a:t>Fifth Outline Level</a:t>
-            </a:r>
-            <a:endParaRPr b="0" lang="en-US" sz="2000" spc="-1" strike="noStrike">
-              <a:latin typeface="Arial"/>
-            </a:endParaRPr>
-          </a:p>
-          <a:p>
-            <a:pPr lvl="5" marL="2592000" indent="-216000">
-              <a:spcBef>
-                <a:spcPts val="281"/>
-              </a:spcBef>
-              <a:buClr>
-                <a:srgbClr val="000000"/>
-              </a:buClr>
-              <a:buSzPct val="45000"/>
-              <a:buFont typeface="Wingdings" charset="2"/>
-              <a:buChar char=""/>
-            </a:pPr>
-            <a:r>
-              <a:rPr b="0" lang="en-US" sz="2000" spc="-1" strike="noStrike">
-                <a:latin typeface="Arial"/>
-              </a:rPr>
-              <a:t>Sixth Outline Level</a:t>
-            </a:r>
-            <a:endParaRPr b="0" lang="en-US" sz="2000" spc="-1" strike="noStrike">
-              <a:latin typeface="Arial"/>
-            </a:endParaRPr>
-          </a:p>
-          <a:p>
-            <a:pPr lvl="6" marL="3024000" indent="-216000">
-              <a:spcBef>
-                <a:spcPts val="281"/>
-              </a:spcBef>
-              <a:buClr>
-                <a:srgbClr val="000000"/>
-              </a:buClr>
-              <a:buSzPct val="45000"/>
-              <a:buFont typeface="Wingdings" charset="2"/>
-              <a:buChar char=""/>
-            </a:pPr>
-            <a:r>
-              <a:rPr b="0" lang="en-US" sz="2000" spc="-1" strike="noStrike">
-                <a:latin typeface="Arial"/>
-              </a:rPr>
-              <a:t>Seventh Outline </a:t>
-            </a:r>
-            <a:r>
-              <a:rPr b="0" lang="en-US" sz="2000" spc="-1" strike="noStrike">
-                <a:latin typeface="Arial"/>
-              </a:rPr>
-              <a:t>Level</a:t>
-            </a:r>
-            <a:endParaRPr b="0" lang="en-US" sz="2000" spc="-1" strike="noStrike">
-              <a:latin typeface="Arial"/>
-            </a:endParaRPr>
-          </a:p>
-        </p:txBody>
-      </p:sp>
-      <p:sp>
-        <p:nvSpPr>
-          <p:cNvPr id="2" name="PlaceHolder 3"/>
-          <p:cNvSpPr>
-            <a:spLocks noGrp="1"/>
-          </p:cNvSpPr>
-          <p:nvPr>
-            <p:ph type="dt"/>
-          </p:nvPr>
-        </p:nvSpPr>
-        <p:spPr>
-          <a:xfrm>
-            <a:off x="503640" y="5164560"/>
-            <a:ext cx="2347560" cy="390600"/>
-          </a:xfrm>
-          <a:prstGeom prst="rect">
-            <a:avLst/>
-          </a:prstGeom>
-        </p:spPr>
-        <p:txBody>
-          <a:bodyPr lIns="0" rIns="0" tIns="0" bIns="0">
-            <a:noAutofit/>
-          </a:bodyPr>
-          <a:p>
-            <a:r>
-              <a:rPr b="0" lang="en-US" sz="1400" spc="-1" strike="noStrike">
-                <a:latin typeface="Times New Roman"/>
-              </a:rPr>
-              <a:t>&lt;date/time&gt;</a:t>
-            </a:r>
-            <a:endParaRPr b="0" lang="en-US" sz="1400" spc="-1" strike="noStrike">
-              <a:latin typeface="Times New Roman"/>
-            </a:endParaRPr>
-          </a:p>
-        </p:txBody>
-      </p:sp>
-      <p:sp>
-        <p:nvSpPr>
-          <p:cNvPr id="3" name="PlaceHolder 4"/>
-          <p:cNvSpPr>
-            <a:spLocks noGrp="1"/>
-          </p:cNvSpPr>
-          <p:nvPr>
-            <p:ph type="ftr"/>
-          </p:nvPr>
-        </p:nvSpPr>
-        <p:spPr>
-          <a:xfrm>
-            <a:off x="3445920" y="5164560"/>
-            <a:ext cx="3193920" cy="390600"/>
-          </a:xfrm>
-          <a:prstGeom prst="rect">
-            <a:avLst/>
-          </a:prstGeom>
-        </p:spPr>
-        <p:txBody>
-          <a:bodyPr lIns="0" rIns="0" tIns="0" bIns="0">
-            <a:noAutofit/>
-          </a:bodyPr>
-          <a:p>
-            <a:pPr algn="ctr"/>
-            <a:r>
-              <a:rPr b="0" lang="en-US" sz="1400" spc="-1" strike="noStrike">
-                <a:latin typeface="Times New Roman"/>
-              </a:rPr>
-              <a:t>&lt;footer&gt;</a:t>
-            </a:r>
-            <a:endParaRPr b="0" lang="en-US" sz="1400" spc="-1" strike="noStrike">
-              <a:latin typeface="Times New Roman"/>
-            </a:endParaRPr>
-          </a:p>
-        </p:txBody>
-      </p:sp>
-      <p:sp>
-        <p:nvSpPr>
-          <p:cNvPr id="4" name="PlaceHolder 5"/>
-          <p:cNvSpPr>
-            <a:spLocks noGrp="1"/>
-          </p:cNvSpPr>
-          <p:nvPr>
-            <p:ph type="sldNum"/>
-          </p:nvPr>
-        </p:nvSpPr>
-        <p:spPr>
-          <a:xfrm>
-            <a:off x="7224840" y="5164560"/>
-            <a:ext cx="2347560" cy="390600"/>
-          </a:xfrm>
-          <a:prstGeom prst="rect">
-            <a:avLst/>
-          </a:prstGeom>
-        </p:spPr>
-        <p:txBody>
-          <a:bodyPr lIns="0" rIns="0" tIns="0" bIns="0">
-            <a:noAutofit/>
-          </a:bodyPr>
-          <a:p>
-            <a:pPr algn="r"/>
-            <a:fld id="{4E5E2659-53E8-4832-A42C-F296A75CC914}" type="slidenum">
-              <a:rPr b="0" lang="en-US" sz="1400" spc="-1" strike="noStrike">
-                <a:latin typeface="Times New Roman"/>
-              </a:rPr>
-              <a:t>&lt;number&gt;</a:t>
-            </a:fld>
-            <a:endParaRPr b="0" lang="en-US" sz="1400" spc="-1" strike="noStrike">
-              <a:latin typeface="Times New Roman"/>
-            </a:endParaRPr>
-          </a:p>
-        </p:txBody>
-      </p:sp>
-    </p:spTree>
-  </p:cSld>
-  <p:clrMap bg1="lt1" bg2="lt2" tx1="dk1" tx2="dk2" accent1="accent1" accent2="accent2" accent3="accent3" accent4="accent4" accent5="accent5" accent6="accent6" hlink="hlink" folHlink="folHlink"/>
-  <p:sldLayoutIdLst>
-    <p:sldLayoutId id="2147483649" r:id="rId2"/>
-    <p:sldLayoutId id="2147483650" r:id="rId3"/>
-    <p:sldLayoutId id="2147483651" r:id="rId4"/>
-    <p:sldLayoutId id="2147483652" r:id="rId5"/>
-    <p:sldLayoutId id="2147483653" r:id="rId6"/>
-    <p:sldLayoutId id="2147483654" r:id="rId7"/>
-    <p:sldLayoutId id="2147483655" r:id="rId8"/>
-    <p:sldLayoutId id="2147483656" r:id="rId9"/>
-    <p:sldLayoutId id="2147483657" r:id="rId10"/>
-    <p:sldLayoutId id="2147483658" r:id="rId11"/>
-    <p:sldLayoutId id="2147483659" r:id="rId12"/>
-    <p:sldLayoutId id="2147483660" r:id="rId13"/>
-  </p:sldLayoutIdLst>
-</p:sldMaster>
-</file>
-
-<file path=ppt/slideMasters/slideMaster2.xml><?xml version="1.0" encoding="utf-8"?>
 <p:sldMaster xmlns:a="http://schemas.openxmlformats.org/drawingml/2006/main" xmlns:p="http://schemas.openxmlformats.org/presentationml/2006/main" xmlns:r="http://schemas.openxmlformats.org/officeDocument/2006/relationships" xmlns:p14="http://schemas.microsoft.com/office/powerpoint/2010/main" xmlns:p15="http://schemas.microsoft.com/office/powerpoint/2012/main" xmlns:mc="http://schemas.openxmlformats.org/markup-compatibility/2006">
   <p:cSld>
     <p:bg>
@@ -4771,62 +2764,14 @@
       </p:grpSpPr>
       <p:sp>
         <p:nvSpPr>
-          <p:cNvPr id="41" name="PlaceHolder 1"/>
-          <p:cNvSpPr>
-            <a:spLocks noGrp="1"/>
-          </p:cNvSpPr>
-          <p:nvPr>
-            <p:ph type="sldNum"/>
-          </p:nvPr>
-        </p:nvSpPr>
-        <p:spPr>
-          <a:xfrm>
-            <a:off x="9336600" y="5139360"/>
-            <a:ext cx="604080" cy="433440"/>
-          </a:xfrm>
-          <a:prstGeom prst="rect">
-            <a:avLst/>
-          </a:prstGeom>
-        </p:spPr>
-        <p:txBody>
-          <a:bodyPr tIns="91440" bIns="91440" anchor="ctr">
-            <a:noAutofit/>
-          </a:bodyPr>
-          <a:p>
-            <a:pPr algn="r">
-              <a:lnSpc>
-                <a:spcPct val="100000"/>
-              </a:lnSpc>
-              <a:tabLst>
-                <a:tab algn="l" pos="0"/>
-              </a:tabLst>
-            </a:pPr>
-            <a:fld id="{AF42FA2C-5329-45A0-9468-01833D733DCA}" type="slidenum">
-              <a:rPr b="0" lang="en" sz="1000" spc="-1" strike="noStrike">
-                <a:solidFill>
-                  <a:srgbClr val="595959"/>
-                </a:solidFill>
-                <a:latin typeface="Arial"/>
-                <a:ea typeface="Arial"/>
-              </a:rPr>
-              <a:t>&lt;number&gt;</a:t>
-            </a:fld>
-            <a:endParaRPr b="0" lang="en-US" sz="1000" spc="-1" strike="noStrike">
-              <a:latin typeface="Times New Roman"/>
-            </a:endParaRPr>
-          </a:p>
-        </p:txBody>
-      </p:sp>
-      <p:sp>
-        <p:nvSpPr>
-          <p:cNvPr id="42" name="CustomShape 2"/>
+          <p:cNvPr id="0" name="CustomShape 1"/>
           <p:cNvSpPr/>
           <p:nvPr/>
         </p:nvSpPr>
         <p:spPr>
           <a:xfrm flipH="1">
             <a:off x="1514880" y="3407760"/>
-            <a:ext cx="7044840" cy="739080"/>
+            <a:ext cx="7044480" cy="738720"/>
           </a:xfrm>
           <a:prstGeom prst="rect">
             <a:avLst/>
@@ -4845,7 +2790,7 @@
       </p:sp>
       <p:pic>
         <p:nvPicPr>
-          <p:cNvPr id="43" name="Google Shape;12;p2" descr=""/>
+          <p:cNvPr id="1" name="Google Shape;12;p2" descr=""/>
           <p:cNvPicPr/>
           <p:nvPr/>
         </p:nvPicPr>
@@ -4856,7 +2801,7 @@
         <p:spPr>
           <a:xfrm>
             <a:off x="0" y="-439920"/>
-            <a:ext cx="10076400" cy="4815360"/>
+            <a:ext cx="10076040" cy="4815000"/>
           </a:xfrm>
           <a:prstGeom prst="rect">
             <a:avLst/>
@@ -4868,7 +2813,7 @@
       </p:pic>
       <p:sp>
         <p:nvSpPr>
-          <p:cNvPr id="44" name="PlaceHolder 3"/>
+          <p:cNvPr id="2" name="PlaceHolder 2"/>
           <p:cNvSpPr>
             <a:spLocks noGrp="1"/>
           </p:cNvSpPr>
@@ -4878,39 +2823,33 @@
         </p:nvSpPr>
         <p:spPr>
           <a:xfrm>
-            <a:off x="503640" y="3232080"/>
-            <a:ext cx="9068760" cy="562680"/>
-          </a:xfrm>
-          <a:prstGeom prst="rect">
-            <a:avLst/>
-          </a:prstGeom>
-        </p:spPr>
-        <p:txBody>
-          <a:bodyPr tIns="91440" bIns="91440" anchor="ctr">
+            <a:off x="503640" y="225720"/>
+            <a:ext cx="9068400" cy="946080"/>
+          </a:xfrm>
+          <a:prstGeom prst="rect">
+            <a:avLst/>
+          </a:prstGeom>
+        </p:spPr>
+        <p:txBody>
+          <a:bodyPr lIns="0" rIns="0" tIns="0" bIns="0" anchor="ctr">
             <a:noAutofit/>
           </a:bodyPr>
           <a:p>
             <a:r>
-              <a:rPr b="0" lang="en-US" sz="6000" spc="-1" strike="noStrike">
-                <a:solidFill>
-                  <a:srgbClr val="000000"/>
-                </a:solidFill>
+              <a:rPr b="0" lang="nl-NL" sz="1800" spc="-1" strike="noStrike">
                 <a:latin typeface="Arial"/>
               </a:rPr>
               <a:t>Click to edit the title text format</a:t>
             </a:r>
-            <a:endParaRPr b="0" lang="en-US" sz="6000" spc="-1" strike="noStrike">
-              <a:solidFill>
-                <a:srgbClr val="000000"/>
-              </a:solidFill>
-              <a:latin typeface="Arial"/>
-            </a:endParaRPr>
-          </a:p>
-        </p:txBody>
-      </p:sp>
-      <p:sp>
-        <p:nvSpPr>
-          <p:cNvPr id="45" name="PlaceHolder 4"/>
+            <a:endParaRPr b="0" lang="nl-NL" sz="1800" spc="-1" strike="noStrike">
+              <a:latin typeface="Arial"/>
+            </a:endParaRPr>
+          </a:p>
+        </p:txBody>
+      </p:sp>
+      <p:sp>
+        <p:nvSpPr>
+          <p:cNvPr id="3" name="PlaceHolder 3"/>
           <p:cNvSpPr>
             <a:spLocks noGrp="1"/>
           </p:cNvSpPr>
@@ -4921,7 +2860,7 @@
         <p:spPr>
           <a:xfrm>
             <a:off x="503640" y="1326240"/>
-            <a:ext cx="9068760" cy="3287880"/>
+            <a:ext cx="9069120" cy="3287520"/>
           </a:xfrm>
           <a:prstGeom prst="rect">
             <a:avLst/>
@@ -4934,7 +2873,7 @@
           <a:p>
             <a:pPr marL="432000" indent="-324000">
               <a:spcBef>
-                <a:spcPts val="1553"/>
+                <a:spcPts val="1417"/>
               </a:spcBef>
               <a:buClr>
                 <a:srgbClr val="000000"/>
@@ -4944,25 +2883,19 @@
               <a:buChar char=""/>
             </a:pPr>
             <a:r>
-              <a:rPr b="0" lang="en-US" sz="1540" spc="-1" strike="noStrike">
-                <a:solidFill>
-                  <a:srgbClr val="000000"/>
-                </a:solidFill>
+              <a:rPr b="0" lang="nl-NL" sz="3200" spc="-1" strike="noStrike">
                 <a:latin typeface="Arial"/>
               </a:rPr>
               <a:t>Click to edit the outline text format</a:t>
             </a:r>
-            <a:endParaRPr b="0" lang="en-US" sz="1540" spc="-1" strike="noStrike">
-              <a:solidFill>
-                <a:srgbClr val="000000"/>
-              </a:solidFill>
+            <a:endParaRPr b="0" lang="nl-NL" sz="3200" spc="-1" strike="noStrike">
               <a:latin typeface="Arial"/>
             </a:endParaRPr>
           </a:p>
           <a:p>
             <a:pPr lvl="1" marL="864000" indent="-324000">
               <a:spcBef>
-                <a:spcPts val="1244"/>
+                <a:spcPts val="1134"/>
               </a:spcBef>
               <a:buClr>
                 <a:srgbClr val="000000"/>
@@ -4972,25 +2905,19 @@
               <a:buChar char=""/>
             </a:pPr>
             <a:r>
-              <a:rPr b="0" lang="en-US" sz="1540" spc="-1" strike="noStrike">
-                <a:solidFill>
-                  <a:srgbClr val="000000"/>
-                </a:solidFill>
+              <a:rPr b="0" lang="nl-NL" sz="2800" spc="-1" strike="noStrike">
                 <a:latin typeface="Arial"/>
               </a:rPr>
               <a:t>Second Outline Level</a:t>
             </a:r>
-            <a:endParaRPr b="0" lang="en-US" sz="1540" spc="-1" strike="noStrike">
-              <a:solidFill>
-                <a:srgbClr val="000000"/>
-              </a:solidFill>
+            <a:endParaRPr b="0" lang="nl-NL" sz="2800" spc="-1" strike="noStrike">
               <a:latin typeface="Arial"/>
             </a:endParaRPr>
           </a:p>
           <a:p>
             <a:pPr lvl="2" marL="1296000" indent="-288000">
               <a:spcBef>
-                <a:spcPts val="933"/>
+                <a:spcPts val="850"/>
               </a:spcBef>
               <a:buClr>
                 <a:srgbClr val="000000"/>
@@ -5000,25 +2927,19 @@
               <a:buChar char=""/>
             </a:pPr>
             <a:r>
-              <a:rPr b="0" lang="en-US" sz="1540" spc="-1" strike="noStrike">
-                <a:solidFill>
-                  <a:srgbClr val="000000"/>
-                </a:solidFill>
+              <a:rPr b="0" lang="nl-NL" sz="2400" spc="-1" strike="noStrike">
                 <a:latin typeface="Arial"/>
               </a:rPr>
               <a:t>Third Outline Level</a:t>
             </a:r>
-            <a:endParaRPr b="0" lang="en-US" sz="1540" spc="-1" strike="noStrike">
-              <a:solidFill>
-                <a:srgbClr val="000000"/>
-              </a:solidFill>
+            <a:endParaRPr b="0" lang="nl-NL" sz="2400" spc="-1" strike="noStrike">
               <a:latin typeface="Arial"/>
             </a:endParaRPr>
           </a:p>
           <a:p>
             <a:pPr lvl="3" marL="1728000" indent="-216000">
               <a:spcBef>
-                <a:spcPts val="621"/>
+                <a:spcPts val="567"/>
               </a:spcBef>
               <a:buClr>
                 <a:srgbClr val="000000"/>
@@ -5028,25 +2949,19 @@
               <a:buChar char=""/>
             </a:pPr>
             <a:r>
-              <a:rPr b="0" lang="en-US" sz="1540" spc="-1" strike="noStrike">
-                <a:solidFill>
-                  <a:srgbClr val="000000"/>
-                </a:solidFill>
+              <a:rPr b="0" lang="nl-NL" sz="2000" spc="-1" strike="noStrike">
                 <a:latin typeface="Arial"/>
               </a:rPr>
               <a:t>Fourth Outline Level</a:t>
             </a:r>
-            <a:endParaRPr b="0" lang="en-US" sz="1540" spc="-1" strike="noStrike">
-              <a:solidFill>
-                <a:srgbClr val="000000"/>
-              </a:solidFill>
+            <a:endParaRPr b="0" lang="nl-NL" sz="2000" spc="-1" strike="noStrike">
               <a:latin typeface="Arial"/>
             </a:endParaRPr>
           </a:p>
           <a:p>
             <a:pPr lvl="4" marL="2160000" indent="-216000">
               <a:spcBef>
-                <a:spcPts val="309"/>
+                <a:spcPts val="283"/>
               </a:spcBef>
               <a:buClr>
                 <a:srgbClr val="000000"/>
@@ -5056,25 +2971,19 @@
               <a:buChar char=""/>
             </a:pPr>
             <a:r>
-              <a:rPr b="0" lang="en-US" sz="2200" spc="-1" strike="noStrike">
-                <a:solidFill>
-                  <a:srgbClr val="000000"/>
-                </a:solidFill>
+              <a:rPr b="0" lang="nl-NL" sz="2000" spc="-1" strike="noStrike">
                 <a:latin typeface="Arial"/>
               </a:rPr>
               <a:t>Fifth Outline Level</a:t>
             </a:r>
-            <a:endParaRPr b="0" lang="en-US" sz="2200" spc="-1" strike="noStrike">
-              <a:solidFill>
-                <a:srgbClr val="000000"/>
-              </a:solidFill>
+            <a:endParaRPr b="0" lang="nl-NL" sz="2000" spc="-1" strike="noStrike">
               <a:latin typeface="Arial"/>
             </a:endParaRPr>
           </a:p>
           <a:p>
             <a:pPr lvl="5" marL="2592000" indent="-216000">
               <a:spcBef>
-                <a:spcPts val="309"/>
+                <a:spcPts val="283"/>
               </a:spcBef>
               <a:buClr>
                 <a:srgbClr val="000000"/>
@@ -5084,34 +2993,19 @@
               <a:buChar char=""/>
             </a:pPr>
             <a:r>
-              <a:rPr b="0" lang="en-US" sz="2200" spc="-1" strike="noStrike">
-                <a:solidFill>
-                  <a:srgbClr val="000000"/>
-                </a:solidFill>
+              <a:rPr b="0" lang="nl-NL" sz="2000" spc="-1" strike="noStrike">
                 <a:latin typeface="Arial"/>
               </a:rPr>
-              <a:t>Sixth Outline </a:t>
+              <a:t>Sixth Outline Level</a:t>
             </a:r>
-            <a:r>
-              <a:rPr b="0" lang="en-US" sz="2200" spc="-1" strike="noStrike">
-                <a:solidFill>
-                  <a:srgbClr val="000000"/>
-                </a:solidFill>
-                <a:latin typeface="Arial"/>
-              </a:rPr>
-              <a:t>Level</a:t>
-            </a:r>
-            <a:endParaRPr b="0" lang="en-US" sz="2200" spc="-1" strike="noStrike">
-              <a:solidFill>
-                <a:srgbClr val="000000"/>
-              </a:solidFill>
+            <a:endParaRPr b="0" lang="nl-NL" sz="2000" spc="-1" strike="noStrike">
               <a:latin typeface="Arial"/>
             </a:endParaRPr>
           </a:p>
           <a:p>
             <a:pPr lvl="6" marL="3024000" indent="-216000">
               <a:spcBef>
-                <a:spcPts val="309"/>
+                <a:spcPts val="283"/>
               </a:spcBef>
               <a:buClr>
                 <a:srgbClr val="000000"/>
@@ -5121,27 +3015,12 @@
               <a:buChar char=""/>
             </a:pPr>
             <a:r>
-              <a:rPr b="0" lang="en-US" sz="2200" spc="-1" strike="noStrike">
-                <a:solidFill>
-                  <a:srgbClr val="000000"/>
-                </a:solidFill>
+              <a:rPr b="0" lang="nl-NL" sz="2000" spc="-1" strike="noStrike">
                 <a:latin typeface="Arial"/>
               </a:rPr>
-              <a:t>Seventh </a:t>
+              <a:t>Seventh Outline Level</a:t>
             </a:r>
-            <a:r>
-              <a:rPr b="0" lang="en-US" sz="2200" spc="-1" strike="noStrike">
-                <a:solidFill>
-                  <a:srgbClr val="000000"/>
-                </a:solidFill>
-                <a:latin typeface="Arial"/>
-              </a:rPr>
-              <a:t>Outline Level</a:t>
-            </a:r>
-            <a:endParaRPr b="0" lang="en-US" sz="2200" spc="-1" strike="noStrike">
-              <a:solidFill>
-                <a:srgbClr val="000000"/>
-              </a:solidFill>
+            <a:endParaRPr b="0" lang="nl-NL" sz="2000" spc="-1" strike="noStrike">
               <a:latin typeface="Arial"/>
             </a:endParaRPr>
           </a:p>
@@ -5151,23 +3030,23 @@
   </p:cSld>
   <p:clrMap bg1="lt1" bg2="lt2" tx1="dk1" tx2="dk2" accent1="accent1" accent2="accent2" accent3="accent3" accent4="accent4" accent5="accent5" accent6="accent6" hlink="hlink" folHlink="folHlink"/>
   <p:sldLayoutIdLst>
-    <p:sldLayoutId id="2147483662" r:id="rId3"/>
-    <p:sldLayoutId id="2147483663" r:id="rId4"/>
-    <p:sldLayoutId id="2147483664" r:id="rId5"/>
-    <p:sldLayoutId id="2147483665" r:id="rId6"/>
-    <p:sldLayoutId id="2147483666" r:id="rId7"/>
-    <p:sldLayoutId id="2147483667" r:id="rId8"/>
-    <p:sldLayoutId id="2147483668" r:id="rId9"/>
-    <p:sldLayoutId id="2147483669" r:id="rId10"/>
-    <p:sldLayoutId id="2147483670" r:id="rId11"/>
-    <p:sldLayoutId id="2147483671" r:id="rId12"/>
-    <p:sldLayoutId id="2147483672" r:id="rId13"/>
-    <p:sldLayoutId id="2147483673" r:id="rId14"/>
+    <p:sldLayoutId id="2147483649" r:id="rId3"/>
+    <p:sldLayoutId id="2147483650" r:id="rId4"/>
+    <p:sldLayoutId id="2147483651" r:id="rId5"/>
+    <p:sldLayoutId id="2147483652" r:id="rId6"/>
+    <p:sldLayoutId id="2147483653" r:id="rId7"/>
+    <p:sldLayoutId id="2147483654" r:id="rId8"/>
+    <p:sldLayoutId id="2147483655" r:id="rId9"/>
+    <p:sldLayoutId id="2147483656" r:id="rId10"/>
+    <p:sldLayoutId id="2147483657" r:id="rId11"/>
+    <p:sldLayoutId id="2147483658" r:id="rId12"/>
+    <p:sldLayoutId id="2147483659" r:id="rId13"/>
+    <p:sldLayoutId id="2147483660" r:id="rId14"/>
   </p:sldLayoutIdLst>
 </p:sldMaster>
 </file>
 
-<file path=ppt/slideMasters/slideMaster3.xml><?xml version="1.0" encoding="utf-8"?>
+<file path=ppt/slideMasters/slideMaster2.xml><?xml version="1.0" encoding="utf-8"?>
 <p:sldMaster xmlns:a="http://schemas.openxmlformats.org/drawingml/2006/main" xmlns:p="http://schemas.openxmlformats.org/presentationml/2006/main" xmlns:r="http://schemas.openxmlformats.org/officeDocument/2006/relationships" xmlns:p14="http://schemas.microsoft.com/office/powerpoint/2010/main" xmlns:p15="http://schemas.microsoft.com/office/powerpoint/2012/main" xmlns:mc="http://schemas.openxmlformats.org/markup-compatibility/2006">
   <p:cSld>
     <p:spTree>
@@ -5186,55 +3065,7 @@
       </p:grpSpPr>
       <p:sp>
         <p:nvSpPr>
-          <p:cNvPr id="82" name="PlaceHolder 1"/>
-          <p:cNvSpPr>
-            <a:spLocks noGrp="1"/>
-          </p:cNvSpPr>
-          <p:nvPr>
-            <p:ph type="sldNum"/>
-          </p:nvPr>
-        </p:nvSpPr>
-        <p:spPr>
-          <a:xfrm>
-            <a:off x="9336600" y="5139360"/>
-            <a:ext cx="604080" cy="433440"/>
-          </a:xfrm>
-          <a:prstGeom prst="rect">
-            <a:avLst/>
-          </a:prstGeom>
-        </p:spPr>
-        <p:txBody>
-          <a:bodyPr tIns="91440" bIns="91440" anchor="ctr">
-            <a:noAutofit/>
-          </a:bodyPr>
-          <a:p>
-            <a:pPr algn="r">
-              <a:lnSpc>
-                <a:spcPct val="100000"/>
-              </a:lnSpc>
-              <a:tabLst>
-                <a:tab algn="l" pos="0"/>
-              </a:tabLst>
-            </a:pPr>
-            <a:fld id="{CFF28AD6-5404-41C3-B24E-D9015432F8C5}" type="slidenum">
-              <a:rPr b="0" lang="en" sz="1000" spc="-1" strike="noStrike">
-                <a:solidFill>
-                  <a:srgbClr val="595959"/>
-                </a:solidFill>
-                <a:latin typeface="Arial"/>
-                <a:ea typeface="Arial"/>
-              </a:rPr>
-              <a:t>&lt;number&gt;</a:t>
-            </a:fld>
-            <a:endParaRPr b="0" lang="en-US" sz="1000" spc="-1" strike="noStrike">
-              <a:latin typeface="Times New Roman"/>
-            </a:endParaRPr>
-          </a:p>
-        </p:txBody>
-      </p:sp>
-      <p:sp>
-        <p:nvSpPr>
-          <p:cNvPr id="83" name="PlaceHolder 2"/>
+          <p:cNvPr id="40" name="PlaceHolder 1"/>
           <p:cNvSpPr>
             <a:spLocks noGrp="1"/>
           </p:cNvSpPr>
@@ -5245,7 +3076,7 @@
         <p:spPr>
           <a:xfrm>
             <a:off x="503640" y="225720"/>
-            <a:ext cx="9068760" cy="946440"/>
+            <a:ext cx="9068400" cy="946080"/>
           </a:xfrm>
           <a:prstGeom prst="rect">
             <a:avLst/>
@@ -5257,26 +3088,20 @@
           </a:bodyPr>
           <a:p>
             <a:r>
-              <a:rPr b="0" lang="en-US" sz="1800" spc="-1" strike="noStrike">
-                <a:solidFill>
-                  <a:srgbClr val="000000"/>
-                </a:solidFill>
+              <a:rPr b="0" lang="nl-NL" sz="1800" spc="-1" strike="noStrike">
                 <a:latin typeface="Arial"/>
               </a:rPr>
               <a:t>Click to edit the title text format</a:t>
             </a:r>
-            <a:endParaRPr b="0" lang="en-US" sz="1800" spc="-1" strike="noStrike">
-              <a:solidFill>
-                <a:srgbClr val="000000"/>
-              </a:solidFill>
-              <a:latin typeface="Arial"/>
-            </a:endParaRPr>
-          </a:p>
-        </p:txBody>
-      </p:sp>
-      <p:sp>
-        <p:nvSpPr>
-          <p:cNvPr id="84" name="PlaceHolder 3"/>
+            <a:endParaRPr b="0" lang="nl-NL" sz="1800" spc="-1" strike="noStrike">
+              <a:latin typeface="Arial"/>
+            </a:endParaRPr>
+          </a:p>
+        </p:txBody>
+      </p:sp>
+      <p:sp>
+        <p:nvSpPr>
+          <p:cNvPr id="41" name="PlaceHolder 2"/>
           <p:cNvSpPr>
             <a:spLocks noGrp="1"/>
           </p:cNvSpPr>
@@ -5287,7 +3112,7 @@
         <p:spPr>
           <a:xfrm>
             <a:off x="503640" y="1326240"/>
-            <a:ext cx="9068760" cy="3287880"/>
+            <a:ext cx="9069120" cy="3287520"/>
           </a:xfrm>
           <a:prstGeom prst="rect">
             <a:avLst/>
@@ -5300,7 +3125,7 @@
           <a:p>
             <a:pPr marL="432000" indent="-324000">
               <a:spcBef>
-                <a:spcPts val="1553"/>
+                <a:spcPts val="1417"/>
               </a:spcBef>
               <a:buClr>
                 <a:srgbClr val="000000"/>
@@ -5310,25 +3135,19 @@
               <a:buChar char=""/>
             </a:pPr>
             <a:r>
-              <a:rPr b="0" lang="en-US" sz="1540" spc="-1" strike="noStrike">
-                <a:solidFill>
-                  <a:srgbClr val="000000"/>
-                </a:solidFill>
+              <a:rPr b="0" lang="nl-NL" sz="3200" spc="-1" strike="noStrike">
                 <a:latin typeface="Arial"/>
               </a:rPr>
               <a:t>Click to edit the outline text format</a:t>
             </a:r>
-            <a:endParaRPr b="0" lang="en-US" sz="1540" spc="-1" strike="noStrike">
-              <a:solidFill>
-                <a:srgbClr val="000000"/>
-              </a:solidFill>
+            <a:endParaRPr b="0" lang="nl-NL" sz="3200" spc="-1" strike="noStrike">
               <a:latin typeface="Arial"/>
             </a:endParaRPr>
           </a:p>
           <a:p>
             <a:pPr lvl="1" marL="864000" indent="-324000">
               <a:spcBef>
-                <a:spcPts val="1244"/>
+                <a:spcPts val="1134"/>
               </a:spcBef>
               <a:buClr>
                 <a:srgbClr val="000000"/>
@@ -5338,25 +3157,19 @@
               <a:buChar char=""/>
             </a:pPr>
             <a:r>
-              <a:rPr b="0" lang="en-US" sz="1540" spc="-1" strike="noStrike">
-                <a:solidFill>
-                  <a:srgbClr val="000000"/>
-                </a:solidFill>
+              <a:rPr b="0" lang="nl-NL" sz="2800" spc="-1" strike="noStrike">
                 <a:latin typeface="Arial"/>
               </a:rPr>
               <a:t>Second Outline Level</a:t>
             </a:r>
-            <a:endParaRPr b="0" lang="en-US" sz="1540" spc="-1" strike="noStrike">
-              <a:solidFill>
-                <a:srgbClr val="000000"/>
-              </a:solidFill>
+            <a:endParaRPr b="0" lang="nl-NL" sz="2800" spc="-1" strike="noStrike">
               <a:latin typeface="Arial"/>
             </a:endParaRPr>
           </a:p>
           <a:p>
             <a:pPr lvl="2" marL="1296000" indent="-288000">
               <a:spcBef>
-                <a:spcPts val="933"/>
+                <a:spcPts val="850"/>
               </a:spcBef>
               <a:buClr>
                 <a:srgbClr val="000000"/>
@@ -5366,25 +3179,19 @@
               <a:buChar char=""/>
             </a:pPr>
             <a:r>
-              <a:rPr b="0" lang="en-US" sz="1540" spc="-1" strike="noStrike">
-                <a:solidFill>
-                  <a:srgbClr val="000000"/>
-                </a:solidFill>
+              <a:rPr b="0" lang="nl-NL" sz="2400" spc="-1" strike="noStrike">
                 <a:latin typeface="Arial"/>
               </a:rPr>
               <a:t>Third Outline Level</a:t>
             </a:r>
-            <a:endParaRPr b="0" lang="en-US" sz="1540" spc="-1" strike="noStrike">
-              <a:solidFill>
-                <a:srgbClr val="000000"/>
-              </a:solidFill>
+            <a:endParaRPr b="0" lang="nl-NL" sz="2400" spc="-1" strike="noStrike">
               <a:latin typeface="Arial"/>
             </a:endParaRPr>
           </a:p>
           <a:p>
             <a:pPr lvl="3" marL="1728000" indent="-216000">
               <a:spcBef>
-                <a:spcPts val="621"/>
+                <a:spcPts val="567"/>
               </a:spcBef>
               <a:buClr>
                 <a:srgbClr val="000000"/>
@@ -5394,25 +3201,19 @@
               <a:buChar char=""/>
             </a:pPr>
             <a:r>
-              <a:rPr b="0" lang="en-US" sz="1540" spc="-1" strike="noStrike">
-                <a:solidFill>
-                  <a:srgbClr val="000000"/>
-                </a:solidFill>
+              <a:rPr b="0" lang="nl-NL" sz="2000" spc="-1" strike="noStrike">
                 <a:latin typeface="Arial"/>
               </a:rPr>
               <a:t>Fourth Outline Level</a:t>
             </a:r>
-            <a:endParaRPr b="0" lang="en-US" sz="1540" spc="-1" strike="noStrike">
-              <a:solidFill>
-                <a:srgbClr val="000000"/>
-              </a:solidFill>
+            <a:endParaRPr b="0" lang="nl-NL" sz="2000" spc="-1" strike="noStrike">
               <a:latin typeface="Arial"/>
             </a:endParaRPr>
           </a:p>
           <a:p>
             <a:pPr lvl="4" marL="2160000" indent="-216000">
               <a:spcBef>
-                <a:spcPts val="309"/>
+                <a:spcPts val="283"/>
               </a:spcBef>
               <a:buClr>
                 <a:srgbClr val="000000"/>
@@ -5422,25 +3223,19 @@
               <a:buChar char=""/>
             </a:pPr>
             <a:r>
-              <a:rPr b="0" lang="en-US" sz="2200" spc="-1" strike="noStrike">
-                <a:solidFill>
-                  <a:srgbClr val="000000"/>
-                </a:solidFill>
+              <a:rPr b="0" lang="nl-NL" sz="2000" spc="-1" strike="noStrike">
                 <a:latin typeface="Arial"/>
               </a:rPr>
               <a:t>Fifth Outline Level</a:t>
             </a:r>
-            <a:endParaRPr b="0" lang="en-US" sz="2200" spc="-1" strike="noStrike">
-              <a:solidFill>
-                <a:srgbClr val="000000"/>
-              </a:solidFill>
+            <a:endParaRPr b="0" lang="nl-NL" sz="2000" spc="-1" strike="noStrike">
               <a:latin typeface="Arial"/>
             </a:endParaRPr>
           </a:p>
           <a:p>
             <a:pPr lvl="5" marL="2592000" indent="-216000">
               <a:spcBef>
-                <a:spcPts val="309"/>
+                <a:spcPts val="283"/>
               </a:spcBef>
               <a:buClr>
                 <a:srgbClr val="000000"/>
@@ -5450,34 +3245,19 @@
               <a:buChar char=""/>
             </a:pPr>
             <a:r>
-              <a:rPr b="0" lang="en-US" sz="2200" spc="-1" strike="noStrike">
-                <a:solidFill>
-                  <a:srgbClr val="000000"/>
-                </a:solidFill>
+              <a:rPr b="0" lang="nl-NL" sz="2000" spc="-1" strike="noStrike">
                 <a:latin typeface="Arial"/>
               </a:rPr>
-              <a:t>Sixth Outline </a:t>
+              <a:t>Sixth Outline Level</a:t>
             </a:r>
-            <a:r>
-              <a:rPr b="0" lang="en-US" sz="2200" spc="-1" strike="noStrike">
-                <a:solidFill>
-                  <a:srgbClr val="000000"/>
-                </a:solidFill>
-                <a:latin typeface="Arial"/>
-              </a:rPr>
-              <a:t>Level</a:t>
-            </a:r>
-            <a:endParaRPr b="0" lang="en-US" sz="2200" spc="-1" strike="noStrike">
-              <a:solidFill>
-                <a:srgbClr val="000000"/>
-              </a:solidFill>
+            <a:endParaRPr b="0" lang="nl-NL" sz="2000" spc="-1" strike="noStrike">
               <a:latin typeface="Arial"/>
             </a:endParaRPr>
           </a:p>
           <a:p>
             <a:pPr lvl="6" marL="3024000" indent="-216000">
               <a:spcBef>
-                <a:spcPts val="309"/>
+                <a:spcPts val="283"/>
               </a:spcBef>
               <a:buClr>
                 <a:srgbClr val="000000"/>
@@ -5487,27 +3267,12 @@
               <a:buChar char=""/>
             </a:pPr>
             <a:r>
-              <a:rPr b="0" lang="en-US" sz="2200" spc="-1" strike="noStrike">
-                <a:solidFill>
-                  <a:srgbClr val="000000"/>
-                </a:solidFill>
+              <a:rPr b="0" lang="nl-NL" sz="2000" spc="-1" strike="noStrike">
                 <a:latin typeface="Arial"/>
               </a:rPr>
-              <a:t>Seventh </a:t>
+              <a:t>Seventh Outline Level</a:t>
             </a:r>
-            <a:r>
-              <a:rPr b="0" lang="en-US" sz="2200" spc="-1" strike="noStrike">
-                <a:solidFill>
-                  <a:srgbClr val="000000"/>
-                </a:solidFill>
-                <a:latin typeface="Arial"/>
-              </a:rPr>
-              <a:t>Outline Level</a:t>
-            </a:r>
-            <a:endParaRPr b="0" lang="en-US" sz="2200" spc="-1" strike="noStrike">
-              <a:solidFill>
-                <a:srgbClr val="000000"/>
-              </a:solidFill>
+            <a:endParaRPr b="0" lang="nl-NL" sz="2000" spc="-1" strike="noStrike">
               <a:latin typeface="Arial"/>
             </a:endParaRPr>
           </a:p>
@@ -5517,18 +3282,18 @@
   </p:cSld>
   <p:clrMap bg1="lt1" bg2="lt2" tx1="dk1" tx2="dk2" accent1="accent1" accent2="accent2" accent3="accent3" accent4="accent4" accent5="accent5" accent6="accent6" hlink="hlink" folHlink="folHlink"/>
   <p:sldLayoutIdLst>
-    <p:sldLayoutId id="2147483675" r:id="rId2"/>
-    <p:sldLayoutId id="2147483676" r:id="rId3"/>
-    <p:sldLayoutId id="2147483677" r:id="rId4"/>
-    <p:sldLayoutId id="2147483678" r:id="rId5"/>
-    <p:sldLayoutId id="2147483679" r:id="rId6"/>
-    <p:sldLayoutId id="2147483680" r:id="rId7"/>
-    <p:sldLayoutId id="2147483681" r:id="rId8"/>
-    <p:sldLayoutId id="2147483682" r:id="rId9"/>
-    <p:sldLayoutId id="2147483683" r:id="rId10"/>
-    <p:sldLayoutId id="2147483684" r:id="rId11"/>
-    <p:sldLayoutId id="2147483685" r:id="rId12"/>
-    <p:sldLayoutId id="2147483686" r:id="rId13"/>
+    <p:sldLayoutId id="2147483662" r:id="rId2"/>
+    <p:sldLayoutId id="2147483663" r:id="rId3"/>
+    <p:sldLayoutId id="2147483664" r:id="rId4"/>
+    <p:sldLayoutId id="2147483665" r:id="rId5"/>
+    <p:sldLayoutId id="2147483666" r:id="rId6"/>
+    <p:sldLayoutId id="2147483667" r:id="rId7"/>
+    <p:sldLayoutId id="2147483668" r:id="rId8"/>
+    <p:sldLayoutId id="2147483669" r:id="rId9"/>
+    <p:sldLayoutId id="2147483670" r:id="rId10"/>
+    <p:sldLayoutId id="2147483671" r:id="rId11"/>
+    <p:sldLayoutId id="2147483672" r:id="rId12"/>
+    <p:sldLayoutId id="2147483673" r:id="rId13"/>
   </p:sldLayoutIdLst>
 </p:sldMaster>
 </file>
@@ -5552,14 +3317,14 @@
       </p:grpSpPr>
       <p:sp>
         <p:nvSpPr>
-          <p:cNvPr id="121" name="TextShape 1"/>
-          <p:cNvSpPr txBox="1"/>
+          <p:cNvPr id="78" name="CustomShape 1"/>
+          <p:cNvSpPr/>
           <p:nvPr/>
         </p:nvSpPr>
         <p:spPr>
           <a:xfrm>
             <a:off x="503640" y="3231720"/>
-            <a:ext cx="9068760" cy="562680"/>
+            <a:ext cx="9068400" cy="562320"/>
           </a:xfrm>
           <a:prstGeom prst="rect">
             <a:avLst/>
@@ -5569,8 +3334,14 @@
             <a:noFill/>
           </a:ln>
         </p:spPr>
-        <p:txBody>
-          <a:bodyPr tIns="91440" bIns="91440" anchor="ctr">
+        <p:style>
+          <a:lnRef idx="0"/>
+          <a:fillRef idx="0"/>
+          <a:effectRef idx="0"/>
+          <a:fontRef idx="minor"/>
+        </p:style>
+        <p:txBody>
+          <a:bodyPr lIns="90000" rIns="90000" tIns="91440" bIns="91440" anchor="ctr">
             <a:noAutofit/>
           </a:bodyPr>
           <a:p>
@@ -5592,25 +3363,22 @@
               </a:rPr>
               <a:t>Eindproject Groep 5</a:t>
             </a:r>
-            <a:endParaRPr b="0" lang="en-US" sz="6000" spc="-1" strike="noStrike">
-              <a:solidFill>
-                <a:srgbClr val="000000"/>
-              </a:solidFill>
-              <a:latin typeface="Arial"/>
-            </a:endParaRPr>
-          </a:p>
-        </p:txBody>
-      </p:sp>
-      <p:sp>
-        <p:nvSpPr>
-          <p:cNvPr id="122" name="TextShape 2"/>
-          <p:cNvSpPr txBox="1"/>
+            <a:endParaRPr b="0" lang="nl-NL" sz="6000" spc="-1" strike="noStrike">
+              <a:latin typeface="Arial"/>
+            </a:endParaRPr>
+          </a:p>
+        </p:txBody>
+      </p:sp>
+      <p:sp>
+        <p:nvSpPr>
+          <p:cNvPr id="79" name="CustomShape 2"/>
+          <p:cNvSpPr/>
           <p:nvPr/>
         </p:nvSpPr>
         <p:spPr>
           <a:xfrm>
             <a:off x="457200" y="4568760"/>
-            <a:ext cx="9068760" cy="460440"/>
+            <a:ext cx="9068400" cy="460080"/>
           </a:xfrm>
           <a:prstGeom prst="rect">
             <a:avLst/>
@@ -5620,8 +3388,14 @@
             <a:noFill/>
           </a:ln>
         </p:spPr>
-        <p:txBody>
-          <a:bodyPr tIns="91440" bIns="91440">
+        <p:style>
+          <a:lnRef idx="0"/>
+          <a:fillRef idx="0"/>
+          <a:effectRef idx="0"/>
+          <a:fontRef idx="minor"/>
+        </p:style>
+        <p:txBody>
+          <a:bodyPr lIns="90000" rIns="90000" tIns="91440" bIns="91440">
             <a:noAutofit/>
           </a:bodyPr>
           <a:p>
@@ -5643,7 +3417,7 @@
               </a:rPr>
               <a:t>Groepslid1, groepslid 2</a:t>
             </a:r>
-            <a:endParaRPr b="0" lang="en-US" sz="1400" spc="-1" strike="noStrike">
+            <a:endParaRPr b="0" lang="nl-NL" sz="1400" spc="-1" strike="noStrike">
               <a:latin typeface="Arial"/>
             </a:endParaRPr>
           </a:p>
@@ -5693,7 +3467,7 @@
                                           </p:stCondLst>
                                         </p:cTn>
                                         <p:tgtEl>
-                                          <p:spTgt spid="121"/>
+                                          <p:spTgt spid="78"/>
                                         </p:tgtEl>
                                         <p:attrNameLst>
                                           <p:attrName>style.visibility</p:attrName>
@@ -5707,7 +3481,7 @@
                                       <p:cBhvr additive="repl">
                                         <p:cTn id="7" dur="1000"/>
                                         <p:tgtEl>
-                                          <p:spTgt spid="121"/>
+                                          <p:spTgt spid="78"/>
                                         </p:tgtEl>
                                       </p:cBhvr>
                                     </p:animEffect>
@@ -5728,7 +3502,7 @@
                                           </p:stCondLst>
                                         </p:cTn>
                                         <p:tgtEl>
-                                          <p:spTgt spid="122"/>
+                                          <p:spTgt spid="79"/>
                                         </p:tgtEl>
                                         <p:attrNameLst>
                                           <p:attrName>style.visibility</p:attrName>
@@ -5742,7 +3516,7 @@
                                       <p:cBhvr additive="repl">
                                         <p:cTn id="10" dur="1000"/>
                                         <p:tgtEl>
-                                          <p:spTgt spid="122"/>
+                                          <p:spTgt spid="79"/>
                                         </p:tgtEl>
                                         <p:attrNameLst>
                                           <p:attrName>ppt_y</p:attrName>
@@ -5822,39 +3596,16 @@
           <a:chExt cx="0" cy="0"/>
         </a:xfrm>
       </p:grpSpPr>
-      <p:pic>
-        <p:nvPicPr>
-          <p:cNvPr id="123" name="" descr=""/>
-          <p:cNvPicPr/>
+      <p:sp>
+        <p:nvSpPr>
+          <p:cNvPr id="80" name="CustomShape 1"/>
+          <p:cNvSpPr/>
           <p:nvPr/>
-        </p:nvPicPr>
-        <p:blipFill>
-          <a:blip r:embed="rId2"/>
-          <a:stretch/>
-        </p:blipFill>
-        <p:spPr>
-          <a:xfrm>
-            <a:off x="0" y="-36000"/>
-            <a:ext cx="11204280" cy="5669280"/>
-          </a:xfrm>
-          <a:prstGeom prst="rect">
-            <a:avLst/>
-          </a:prstGeom>
-          <a:ln>
-            <a:noFill/>
-          </a:ln>
-        </p:spPr>
-      </p:pic>
-      <p:sp>
-        <p:nvSpPr>
-          <p:cNvPr id="124" name="TextShape 1"/>
-          <p:cNvSpPr txBox="1"/>
-          <p:nvPr/>
         </p:nvSpPr>
         <p:spPr>
           <a:xfrm>
             <a:off x="503640" y="-360"/>
-            <a:ext cx="9068760" cy="1399680"/>
+            <a:ext cx="9068400" cy="1399320"/>
           </a:xfrm>
           <a:prstGeom prst="rect">
             <a:avLst/>
@@ -5864,11 +3615,22 @@
             <a:noFill/>
           </a:ln>
         </p:spPr>
+        <p:style>
+          <a:lnRef idx="0"/>
+          <a:fillRef idx="0"/>
+          <a:effectRef idx="0"/>
+          <a:fontRef idx="minor"/>
+        </p:style>
         <p:txBody>
           <a:bodyPr lIns="0" rIns="0" tIns="0" bIns="0" anchor="ctr">
             <a:noAutofit/>
           </a:bodyPr>
           <a:p>
+            <a:pPr>
+              <a:lnSpc>
+                <a:spcPct val="100000"/>
+              </a:lnSpc>
+            </a:pPr>
             <a:r>
               <a:rPr b="1" lang="en-US" sz="4400" spc="-1" strike="noStrike">
                 <a:solidFill>
@@ -5887,31 +3649,28 @@
               </a:rPr>
               <a:t> </a:t>
             </a:r>
-            <a:endParaRPr b="0" lang="en-US" sz="1800" spc="-1" strike="noStrike">
-              <a:solidFill>
-                <a:srgbClr val="000000"/>
-              </a:solidFill>
-              <a:latin typeface="Arial"/>
-            </a:endParaRPr>
-          </a:p>
-        </p:txBody>
-      </p:sp>
-      <p:sp>
-        <p:nvSpPr>
-          <p:cNvPr id="125" name="TextShape 2"/>
-          <p:cNvSpPr txBox="1"/>
+            <a:endParaRPr b="0" lang="nl-NL" sz="1800" spc="-1" strike="noStrike">
+              <a:latin typeface="Arial"/>
+            </a:endParaRPr>
+          </a:p>
+        </p:txBody>
+      </p:sp>
+      <p:sp>
+        <p:nvSpPr>
+          <p:cNvPr id="81" name="CustomShape 2"/>
+          <p:cNvSpPr/>
           <p:nvPr/>
         </p:nvSpPr>
         <p:spPr>
           <a:xfrm>
-            <a:off x="457200" y="1009800"/>
-            <a:ext cx="4754880" cy="2099160"/>
+            <a:off x="144000" y="1080000"/>
+            <a:ext cx="4536000" cy="2098800"/>
           </a:xfrm>
           <a:prstGeom prst="rect">
             <a:avLst/>
           </a:prstGeom>
           <a:solidFill>
-            <a:srgbClr val="0c3561">
+            <a:srgbClr val="1c1c1c">
               <a:alpha val="50000"/>
             </a:srgbClr>
           </a:solidFill>
@@ -5919,12 +3678,18 @@
             <a:noFill/>
           </a:ln>
         </p:spPr>
+        <p:style>
+          <a:lnRef idx="0"/>
+          <a:fillRef idx="0"/>
+          <a:effectRef idx="0"/>
+          <a:fontRef idx="minor"/>
+        </p:style>
         <p:txBody>
           <a:bodyPr lIns="0" rIns="0" tIns="0" bIns="0">
-            <a:normAutofit/>
-          </a:bodyPr>
-          <a:p>
-            <a:pPr marL="432000" indent="-324000">
+            <a:normAutofit fontScale="45000"/>
+          </a:bodyPr>
+          <a:p>
+            <a:pPr marL="432000" indent="-323640">
               <a:lnSpc>
                 <a:spcPct val="100000"/>
               </a:lnSpc>
@@ -5948,51 +3713,24 @@
                 </a:solidFill>
                 <a:latin typeface="Chandas"/>
               </a:rPr>
-              <a:t>Radio communcatie tussen microbits is voor iedereen op hetzelfde kanaal te lezen.</a:t>
+              <a:t>Radio communcatie tussen microbits wordt door iedereen op hetzelfde kanaal ontvangen. Dat is niet altijd wenselijk.</a:t>
             </a:r>
-            <a:endParaRPr b="0" lang="en-US" sz="2200" spc="-1" strike="noStrike">
-              <a:solidFill>
-                <a:srgbClr val="ffbf00"/>
-              </a:solidFill>
-              <a:latin typeface="Chandas"/>
-              <a:ea typeface="Arial"/>
-            </a:endParaRPr>
-          </a:p>
-        </p:txBody>
-      </p:sp>
-      <p:pic>
-        <p:nvPicPr>
-          <p:cNvPr id="126" name="" descr=""/>
-          <p:cNvPicPr/>
+            <a:endParaRPr b="0" lang="nl-NL" sz="2200" spc="-1" strike="noStrike">
+              <a:latin typeface="Arial"/>
+            </a:endParaRPr>
+          </a:p>
+        </p:txBody>
+      </p:sp>
+      <p:sp>
+        <p:nvSpPr>
+          <p:cNvPr id="82" name="CustomShape 3"/>
+          <p:cNvSpPr/>
           <p:nvPr/>
-        </p:nvPicPr>
-        <p:blipFill>
-          <a:blip r:embed="rId3"/>
-          <a:stretch/>
-        </p:blipFill>
-        <p:spPr>
-          <a:xfrm>
-            <a:off x="1635120" y="3265200"/>
-            <a:ext cx="4389480" cy="2194560"/>
-          </a:xfrm>
-          <a:prstGeom prst="rect">
-            <a:avLst/>
-          </a:prstGeom>
-          <a:ln>
-            <a:noFill/>
-          </a:ln>
-        </p:spPr>
-      </p:pic>
-      <p:sp>
-        <p:nvSpPr>
-          <p:cNvPr id="127" name="TextShape 3"/>
-          <p:cNvSpPr txBox="1"/>
-          <p:nvPr/>
-        </p:nvSpPr>
-        <p:spPr>
-          <a:xfrm>
-            <a:off x="5835960" y="3108960"/>
-            <a:ext cx="9068760" cy="1399680"/>
+        </p:nvSpPr>
+        <p:spPr>
+          <a:xfrm>
+            <a:off x="6192000" y="2676960"/>
+            <a:ext cx="8712360" cy="1399320"/>
           </a:xfrm>
           <a:prstGeom prst="rect">
             <a:avLst/>
@@ -6002,11 +3740,22 @@
             <a:noFill/>
           </a:ln>
         </p:spPr>
+        <p:style>
+          <a:lnRef idx="0"/>
+          <a:fillRef idx="0"/>
+          <a:effectRef idx="0"/>
+          <a:fontRef idx="minor"/>
+        </p:style>
         <p:txBody>
           <a:bodyPr lIns="0" rIns="0" tIns="0" bIns="0" anchor="ctr">
             <a:noAutofit/>
           </a:bodyPr>
           <a:p>
+            <a:pPr>
+              <a:lnSpc>
+                <a:spcPct val="100000"/>
+              </a:lnSpc>
+            </a:pPr>
             <a:r>
               <a:rPr b="1" lang="en-US" sz="4400" spc="-1" strike="noStrike">
                 <a:solidFill>
@@ -6025,10 +3774,7 @@
               </a:rPr>
               <a:t> </a:t>
             </a:r>
-            <a:endParaRPr b="0" lang="en-US" sz="1800" spc="-1" strike="noStrike">
-              <a:solidFill>
-                <a:srgbClr val="000000"/>
-              </a:solidFill>
+            <a:endParaRPr b="0" lang="nl-NL" sz="1800" spc="-1" strike="noStrike">
               <a:latin typeface="Arial"/>
             </a:endParaRPr>
           </a:p>
@@ -6036,18 +3782,18 @@
       </p:sp>
       <p:pic>
         <p:nvPicPr>
-          <p:cNvPr id="128" name="" descr=""/>
+          <p:cNvPr id="83" name="" descr=""/>
           <p:cNvPicPr/>
           <p:nvPr/>
         </p:nvPicPr>
         <p:blipFill>
-          <a:blip r:embed="rId4"/>
+          <a:blip r:embed="rId2"/>
           <a:stretch/>
         </p:blipFill>
         <p:spPr>
           <a:xfrm>
-            <a:off x="5760720" y="832680"/>
-            <a:ext cx="2789640" cy="1636200"/>
+            <a:off x="864000" y="3528000"/>
+            <a:ext cx="2789280" cy="1635840"/>
           </a:xfrm>
           <a:prstGeom prst="rect">
             <a:avLst/>
@@ -6059,14 +3805,14 @@
       </p:pic>
       <p:sp>
         <p:nvSpPr>
-          <p:cNvPr id="129" name="TextShape 4"/>
-          <p:cNvSpPr txBox="1"/>
+          <p:cNvPr id="84" name="CustomShape 4"/>
+          <p:cNvSpPr/>
           <p:nvPr/>
         </p:nvSpPr>
         <p:spPr>
           <a:xfrm>
-            <a:off x="6024600" y="4023360"/>
-            <a:ext cx="4206240" cy="1188720"/>
+            <a:off x="5616000" y="3816000"/>
+            <a:ext cx="4205880" cy="1188360"/>
           </a:xfrm>
           <a:prstGeom prst="rect">
             <a:avLst/>
@@ -6080,12 +3826,18 @@
             <a:noFill/>
           </a:ln>
         </p:spPr>
+        <p:style>
+          <a:lnRef idx="0"/>
+          <a:fillRef idx="0"/>
+          <a:effectRef idx="0"/>
+          <a:fontRef idx="minor"/>
+        </p:style>
         <p:txBody>
           <a:bodyPr lIns="0" rIns="0" tIns="0" bIns="0">
-            <a:normAutofit fontScale="77000"/>
-          </a:bodyPr>
-          <a:p>
-            <a:pPr marL="432000" indent="-324000">
+            <a:normAutofit fontScale="27000"/>
+          </a:bodyPr>
+          <a:p>
+            <a:pPr marL="432000" indent="-323640">
               <a:lnSpc>
                 <a:spcPct val="100000"/>
               </a:lnSpc>
@@ -6109,17 +3861,64 @@
                 </a:solidFill>
                 <a:latin typeface="Chandas"/>
               </a:rPr>
-              <a:t>Gebruik versleuteling met een geheime code.</a:t>
+              <a:t>Gebruik versleuteling met een geheime code die alleen bij zender / ontvanger bekend is.</a:t>
             </a:r>
-            <a:endParaRPr b="0" lang="en-US" sz="2200" spc="-1" strike="noStrike">
-              <a:solidFill>
-                <a:srgbClr val="ffbf00"/>
-              </a:solidFill>
-              <a:latin typeface="Chandas"/>
-              <a:ea typeface="Arial"/>
-            </a:endParaRPr>
-          </a:p>
-        </p:txBody>
+            <a:endParaRPr b="0" lang="nl-NL" sz="2200" spc="-1" strike="noStrike">
+              <a:latin typeface="Arial"/>
+            </a:endParaRPr>
+          </a:p>
+        </p:txBody>
+      </p:sp>
+      <p:pic>
+        <p:nvPicPr>
+          <p:cNvPr id="85" name="" descr=""/>
+          <p:cNvPicPr/>
+          <p:nvPr/>
+        </p:nvPicPr>
+        <p:blipFill>
+          <a:blip r:embed="rId3"/>
+          <a:stretch/>
+        </p:blipFill>
+        <p:spPr>
+          <a:xfrm>
+            <a:off x="5759640" y="720000"/>
+            <a:ext cx="3744360" cy="1872000"/>
+          </a:xfrm>
+          <a:prstGeom prst="rect">
+            <a:avLst/>
+          </a:prstGeom>
+          <a:ln>
+            <a:noFill/>
+          </a:ln>
+        </p:spPr>
+      </p:pic>
+      <p:sp>
+        <p:nvSpPr>
+          <p:cNvPr id="86" name="Line 5"/>
+          <p:cNvSpPr/>
+          <p:nvPr/>
+        </p:nvSpPr>
+        <p:spPr>
+          <a:xfrm>
+            <a:off x="5112000" y="288000"/>
+            <a:ext cx="0" cy="5040000"/>
+          </a:xfrm>
+          <a:prstGeom prst="line">
+            <a:avLst/>
+          </a:prstGeom>
+          <a:ln w="180000">
+            <a:solidFill>
+              <a:srgbClr val="ffffa6"/>
+            </a:solidFill>
+            <a:round/>
+          </a:ln>
+        </p:spPr>
+        <p:style>
+          <a:lnRef idx="0"/>
+          <a:fillRef idx="0"/>
+          <a:effectRef idx="0"/>
+          <a:fontRef idx="minor"/>
+        </p:style>
       </p:sp>
     </p:spTree>
   </p:cSld>
@@ -6163,14 +3962,14 @@
       </p:grpSpPr>
       <p:sp>
         <p:nvSpPr>
-          <p:cNvPr id="130" name="TextShape 1"/>
-          <p:cNvSpPr txBox="1"/>
+          <p:cNvPr id="87" name="CustomShape 1"/>
+          <p:cNvSpPr/>
           <p:nvPr/>
         </p:nvSpPr>
         <p:spPr>
           <a:xfrm>
             <a:off x="503640" y="-360"/>
-            <a:ext cx="9068760" cy="1399680"/>
+            <a:ext cx="9068400" cy="1399320"/>
           </a:xfrm>
           <a:prstGeom prst="rect">
             <a:avLst/>
@@ -6180,44 +3979,141 @@
             <a:noFill/>
           </a:ln>
         </p:spPr>
+        <p:style>
+          <a:lnRef idx="0"/>
+          <a:fillRef idx="0"/>
+          <a:effectRef idx="0"/>
+          <a:fontRef idx="minor"/>
+        </p:style>
         <p:txBody>
           <a:bodyPr lIns="0" rIns="0" tIns="0" bIns="0" anchor="ctr">
             <a:noAutofit/>
           </a:bodyPr>
           <a:p>
+            <a:pPr>
+              <a:lnSpc>
+                <a:spcPct val="100000"/>
+              </a:lnSpc>
+            </a:pPr>
             <a:r>
               <a:rPr b="1" lang="en-US" sz="4400" spc="-1" strike="noStrike">
                 <a:solidFill>
-                  <a:srgbClr val="8d281e"/>
+                  <a:srgbClr val="ffffd7"/>
                 </a:solidFill>
                 <a:latin typeface="Chandas"/>
               </a:rPr>
-              <a:t>Micro:bit Code</a:t>
+              <a:t>D</a:t>
             </a:r>
-            <a:endParaRPr b="0" lang="en-US" sz="4400" spc="-1" strike="noStrike">
-              <a:solidFill>
-                <a:srgbClr val="8d281e"/>
-              </a:solidFill>
-              <a:latin typeface="Arial"/>
-            </a:endParaRPr>
-          </a:p>
-        </p:txBody>
+            <a:r>
+              <a:rPr b="1" lang="en-US" sz="4400" spc="-1" strike="noStrike">
+                <a:solidFill>
+                  <a:srgbClr val="ffffd7"/>
+                </a:solidFill>
+                <a:latin typeface="Chandas"/>
+              </a:rPr>
+              <a:t>e</a:t>
+            </a:r>
+            <a:r>
+              <a:rPr b="1" lang="en-US" sz="4400" spc="-1" strike="noStrike">
+                <a:solidFill>
+                  <a:srgbClr val="ffffd7"/>
+                </a:solidFill>
+                <a:latin typeface="Chandas"/>
+              </a:rPr>
+              <a:t> </a:t>
+            </a:r>
+            <a:r>
+              <a:rPr b="1" lang="en-US" sz="4400" spc="-1" strike="noStrike">
+                <a:solidFill>
+                  <a:srgbClr val="ffffd7"/>
+                </a:solidFill>
+                <a:latin typeface="Chandas"/>
+              </a:rPr>
+              <a:t>o</a:t>
+            </a:r>
+            <a:r>
+              <a:rPr b="1" lang="en-US" sz="4400" spc="-1" strike="noStrike">
+                <a:solidFill>
+                  <a:srgbClr val="ffffd7"/>
+                </a:solidFill>
+                <a:latin typeface="Chandas"/>
+              </a:rPr>
+              <a:t>p</a:t>
+            </a:r>
+            <a:r>
+              <a:rPr b="1" lang="en-US" sz="4400" spc="-1" strike="noStrike">
+                <a:solidFill>
+                  <a:srgbClr val="ffffd7"/>
+                </a:solidFill>
+                <a:latin typeface="Chandas"/>
+              </a:rPr>
+              <a:t>z</a:t>
+            </a:r>
+            <a:r>
+              <a:rPr b="1" lang="en-US" sz="4400" spc="-1" strike="noStrike">
+                <a:solidFill>
+                  <a:srgbClr val="ffffd7"/>
+                </a:solidFill>
+                <a:latin typeface="Chandas"/>
+              </a:rPr>
+              <a:t>e</a:t>
+            </a:r>
+            <a:r>
+              <a:rPr b="1" lang="en-US" sz="4400" spc="-1" strike="noStrike">
+                <a:solidFill>
+                  <a:srgbClr val="ffffd7"/>
+                </a:solidFill>
+                <a:latin typeface="Chandas"/>
+              </a:rPr>
+              <a:t>t</a:t>
+            </a:r>
+            <a:endParaRPr b="0" lang="nl-NL" sz="4400" spc="-1" strike="noStrike">
+              <a:latin typeface="Arial"/>
+            </a:endParaRPr>
+          </a:p>
+        </p:txBody>
+      </p:sp>
+      <p:sp>
+        <p:nvSpPr>
+          <p:cNvPr id="88" name="CustomShape 2"/>
+          <p:cNvSpPr/>
+          <p:nvPr/>
+        </p:nvSpPr>
+        <p:spPr>
+          <a:xfrm>
+            <a:off x="6192000" y="2676960"/>
+            <a:ext cx="8712360" cy="1399320"/>
+          </a:xfrm>
+          <a:prstGeom prst="rect">
+            <a:avLst/>
+          </a:prstGeom>
+          <a:noFill/>
+          <a:ln>
+            <a:noFill/>
+          </a:ln>
+        </p:spPr>
+        <p:style>
+          <a:lnRef idx="0"/>
+          <a:fillRef idx="0"/>
+          <a:effectRef idx="0"/>
+          <a:fontRef idx="minor"/>
+        </p:style>
       </p:sp>
       <p:pic>
         <p:nvPicPr>
-          <p:cNvPr id="131" name="" descr=""/>
+          <p:cNvPr id="89" name="" descr=""/>
           <p:cNvPicPr/>
           <p:nvPr/>
         </p:nvPicPr>
         <p:blipFill>
           <a:blip r:embed="rId2"/>
-          <a:srcRect l="3411" t="33759" r="43047" b="19452"/>
+          <a:srcRect l="0" t="0" r="7951" b="0"/>
           <a:stretch/>
         </p:blipFill>
         <p:spPr>
           <a:xfrm>
-            <a:off x="510120" y="1005840"/>
-            <a:ext cx="8633880" cy="4243320"/>
+            <a:off x="503640" y="1219320"/>
+            <a:ext cx="2016000" cy="1588680"/>
           </a:xfrm>
           <a:prstGeom prst="rect">
             <a:avLst/>
@@ -6227,6 +4123,336 @@
           </a:ln>
         </p:spPr>
       </p:pic>
+      <p:sp>
+        <p:nvSpPr>
+          <p:cNvPr id="90" name="CustomShape 3"/>
+          <p:cNvSpPr/>
+          <p:nvPr/>
+        </p:nvSpPr>
+        <p:spPr>
+          <a:xfrm>
+            <a:off x="4464000" y="1800360"/>
+            <a:ext cx="4608000" cy="648000"/>
+          </a:xfrm>
+          <a:prstGeom prst="rect">
+            <a:avLst/>
+          </a:prstGeom>
+          <a:solidFill>
+            <a:srgbClr val="729fcf"/>
+          </a:solidFill>
+          <a:ln>
+            <a:solidFill>
+              <a:srgbClr val="3465a4"/>
+            </a:solidFill>
+          </a:ln>
+        </p:spPr>
+        <p:style>
+          <a:lnRef idx="0"/>
+          <a:fillRef idx="0"/>
+          <a:effectRef idx="0"/>
+          <a:fontRef idx="minor"/>
+        </p:style>
+        <p:txBody>
+          <a:bodyPr wrap="none" lIns="90000" rIns="90000" tIns="45000" bIns="45000" anchor="ctr">
+            <a:noAutofit/>
+          </a:bodyPr>
+          <a:p>
+            <a:pPr algn="ctr"/>
+            <a:r>
+              <a:rPr b="0" lang="nl-NL" sz="1800" spc="-1" strike="noStrike">
+                <a:latin typeface="Arial"/>
+              </a:rPr>
+              <a:t>bericht  = “Welcome to Eden”</a:t>
+            </a:r>
+            <a:endParaRPr b="0" lang="nl-NL" sz="1800" spc="-1" strike="noStrike">
+              <a:latin typeface="Arial"/>
+            </a:endParaRPr>
+          </a:p>
+          <a:p>
+            <a:pPr algn="ctr"/>
+            <a:r>
+              <a:rPr b="0" lang="nl-NL" sz="1800" spc="-1" strike="noStrike">
+                <a:latin typeface="Arial"/>
+              </a:rPr>
+              <a:t>Verstuur ( versleutel(bericht))</a:t>
+            </a:r>
+            <a:endParaRPr b="0" lang="nl-NL" sz="1800" spc="-1" strike="noStrike">
+              <a:latin typeface="Arial"/>
+            </a:endParaRPr>
+          </a:p>
+        </p:txBody>
+      </p:sp>
+      <p:sp>
+        <p:nvSpPr>
+          <p:cNvPr id="91" name="CustomShape 4"/>
+          <p:cNvSpPr/>
+          <p:nvPr/>
+        </p:nvSpPr>
+        <p:spPr>
+          <a:xfrm>
+            <a:off x="4464000" y="792000"/>
+            <a:ext cx="4608000" cy="648000"/>
+          </a:xfrm>
+          <a:prstGeom prst="rect">
+            <a:avLst/>
+          </a:prstGeom>
+          <a:solidFill>
+            <a:srgbClr val="729fcf"/>
+          </a:solidFill>
+          <a:ln>
+            <a:solidFill>
+              <a:srgbClr val="3465a4"/>
+            </a:solidFill>
+          </a:ln>
+        </p:spPr>
+        <p:style>
+          <a:lnRef idx="0"/>
+          <a:fillRef idx="0"/>
+          <a:effectRef idx="0"/>
+          <a:fontRef idx="minor"/>
+        </p:style>
+        <p:txBody>
+          <a:bodyPr wrap="none" lIns="90000" rIns="90000" tIns="45000" bIns="45000" anchor="ctr">
+            <a:noAutofit/>
+          </a:bodyPr>
+          <a:p>
+            <a:pPr algn="ctr"/>
+            <a:r>
+              <a:rPr b="0" lang="nl-NL" sz="1800" spc="-1" strike="noStrike">
+                <a:latin typeface="Arial"/>
+              </a:rPr>
+              <a:t>Bericht = ontvangen_radiotekst</a:t>
+            </a:r>
+            <a:endParaRPr b="0" lang="nl-NL" sz="1800" spc="-1" strike="noStrike">
+              <a:latin typeface="Arial"/>
+            </a:endParaRPr>
+          </a:p>
+          <a:p>
+            <a:pPr algn="ctr"/>
+            <a:r>
+              <a:rPr b="0" lang="nl-NL" sz="1800" spc="-1" strike="noStrike">
+                <a:latin typeface="Arial"/>
+              </a:rPr>
+              <a:t>toon ( ontsleutel(bericht))</a:t>
+            </a:r>
+            <a:endParaRPr b="0" lang="nl-NL" sz="1800" spc="-1" strike="noStrike">
+              <a:latin typeface="Arial"/>
+            </a:endParaRPr>
+          </a:p>
+        </p:txBody>
+      </p:sp>
+      <p:sp>
+        <p:nvSpPr>
+          <p:cNvPr id="92" name="CustomShape 5"/>
+          <p:cNvSpPr/>
+          <p:nvPr/>
+        </p:nvSpPr>
+        <p:spPr>
+          <a:xfrm>
+            <a:off x="4464000" y="2808360"/>
+            <a:ext cx="4608000" cy="648000"/>
+          </a:xfrm>
+          <a:prstGeom prst="rect">
+            <a:avLst/>
+          </a:prstGeom>
+          <a:solidFill>
+            <a:srgbClr val="729fcf"/>
+          </a:solidFill>
+          <a:ln>
+            <a:solidFill>
+              <a:srgbClr val="3465a4"/>
+            </a:solidFill>
+          </a:ln>
+        </p:spPr>
+        <p:style>
+          <a:lnRef idx="0"/>
+          <a:fillRef idx="0"/>
+          <a:effectRef idx="0"/>
+          <a:fontRef idx="minor"/>
+        </p:style>
+        <p:txBody>
+          <a:bodyPr wrap="none" lIns="90000" rIns="90000" tIns="45000" bIns="45000" anchor="ctr">
+            <a:noAutofit/>
+          </a:bodyPr>
+          <a:p>
+            <a:pPr algn="ctr">
+              <a:lnSpc>
+                <a:spcPct val="100000"/>
+              </a:lnSpc>
+            </a:pPr>
+            <a:r>
+              <a:rPr b="0" lang="nl-NL" sz="1800" spc="-1" strike="noStrike">
+                <a:latin typeface="Arial"/>
+              </a:rPr>
+              <a:t>Functie versleutel(letter_reeks)</a:t>
+            </a:r>
+            <a:endParaRPr b="0" lang="nl-NL" sz="1800" spc="-1" strike="noStrike">
+              <a:latin typeface="Arial"/>
+            </a:endParaRPr>
+          </a:p>
+          <a:p>
+            <a:pPr algn="ctr">
+              <a:lnSpc>
+                <a:spcPct val="100000"/>
+              </a:lnSpc>
+            </a:pPr>
+            <a:r>
+              <a:rPr b="0" lang="nl-NL" sz="1800" spc="-1" strike="noStrike">
+                <a:latin typeface="Arial"/>
+              </a:rPr>
+              <a:t>Verander elke letter met X</a:t>
+            </a:r>
+            <a:endParaRPr b="0" lang="nl-NL" sz="1800" spc="-1" strike="noStrike">
+              <a:latin typeface="Arial"/>
+            </a:endParaRPr>
+          </a:p>
+        </p:txBody>
+      </p:sp>
+      <p:sp>
+        <p:nvSpPr>
+          <p:cNvPr id="93" name="CustomShape 6"/>
+          <p:cNvSpPr/>
+          <p:nvPr/>
+        </p:nvSpPr>
+        <p:spPr>
+          <a:xfrm>
+            <a:off x="4464000" y="3816000"/>
+            <a:ext cx="4608000" cy="648000"/>
+          </a:xfrm>
+          <a:prstGeom prst="rect">
+            <a:avLst/>
+          </a:prstGeom>
+          <a:solidFill>
+            <a:srgbClr val="729fcf"/>
+          </a:solidFill>
+          <a:ln>
+            <a:solidFill>
+              <a:srgbClr val="3465a4"/>
+            </a:solidFill>
+          </a:ln>
+        </p:spPr>
+        <p:style>
+          <a:lnRef idx="0"/>
+          <a:fillRef idx="0"/>
+          <a:effectRef idx="0"/>
+          <a:fontRef idx="minor"/>
+        </p:style>
+        <p:txBody>
+          <a:bodyPr wrap="none" lIns="90000" rIns="90000" tIns="45000" bIns="45000" anchor="ctr">
+            <a:noAutofit/>
+          </a:bodyPr>
+          <a:p>
+            <a:pPr algn="ctr">
+              <a:lnSpc>
+                <a:spcPct val="100000"/>
+              </a:lnSpc>
+            </a:pPr>
+            <a:r>
+              <a:rPr b="0" lang="nl-NL" sz="1800" spc="-1" strike="noStrike">
+                <a:latin typeface="Arial"/>
+              </a:rPr>
+              <a:t>Functie ontsleutel(letter_reeks)</a:t>
+            </a:r>
+            <a:endParaRPr b="0" lang="nl-NL" sz="1800" spc="-1" strike="noStrike">
+              <a:latin typeface="Arial"/>
+            </a:endParaRPr>
+          </a:p>
+          <a:p>
+            <a:pPr algn="ctr">
+              <a:lnSpc>
+                <a:spcPct val="100000"/>
+              </a:lnSpc>
+            </a:pPr>
+            <a:r>
+              <a:rPr b="0" lang="nl-NL" sz="1800" spc="-1" strike="noStrike">
+                <a:latin typeface="Arial"/>
+              </a:rPr>
+              <a:t>Verander elke letter terug met X</a:t>
+            </a:r>
+            <a:endParaRPr b="0" lang="nl-NL" sz="1800" spc="-1" strike="noStrike">
+              <a:latin typeface="Arial"/>
+            </a:endParaRPr>
+          </a:p>
+        </p:txBody>
+      </p:sp>
+      <p:cxnSp>
+        <p:nvCxnSpPr>
+          <p:cNvPr id="94" name="Line 7"/>
+          <p:cNvCxnSpPr/>
+          <p:nvPr/>
+        </p:nvCxnSpPr>
+        <p:spPr>
+          <a:xfrm>
+            <a:off x="0" y="0"/>
+            <a:ext cx="360" cy="360"/>
+          </a:xfrm>
+          <a:prstGeom prst="line">
+            <a:avLst/>
+          </a:prstGeom>
+          <a:ln w="72000">
+            <a:solidFill>
+              <a:srgbClr val="f6f9d4"/>
+            </a:solidFill>
+            <a:round/>
+          </a:ln>
+        </p:spPr>
+      </p:cxnSp>
+      <p:sp>
+        <p:nvSpPr>
+          <p:cNvPr id="95" name="Line 8"/>
+          <p:cNvSpPr/>
+          <p:nvPr/>
+        </p:nvSpPr>
+        <p:spPr>
+          <a:xfrm>
+            <a:off x="864000" y="2052360"/>
+            <a:ext cx="0" cy="1526760"/>
+          </a:xfrm>
+          <a:prstGeom prst="line">
+            <a:avLst/>
+          </a:prstGeom>
+          <a:ln w="72000">
+            <a:solidFill>
+              <a:srgbClr val="f6f9d4"/>
+            </a:solidFill>
+            <a:round/>
+          </a:ln>
+        </p:spPr>
+        <p:style>
+          <a:lnRef idx="0"/>
+          <a:fillRef idx="0"/>
+          <a:effectRef idx="0"/>
+          <a:fontRef idx="minor"/>
+        </p:style>
+      </p:sp>
+      <p:sp>
+        <p:nvSpPr>
+          <p:cNvPr id="96" name="Line 9"/>
+          <p:cNvSpPr/>
+          <p:nvPr/>
+        </p:nvSpPr>
+        <p:spPr>
+          <a:xfrm flipV="1">
+            <a:off x="2016000" y="1008000"/>
+            <a:ext cx="2448000" cy="504000"/>
+          </a:xfrm>
+          <a:prstGeom prst="line">
+            <a:avLst/>
+          </a:prstGeom>
+          <a:ln w="72000">
+            <a:solidFill>
+              <a:srgbClr val="f6f9d4"/>
+            </a:solidFill>
+            <a:round/>
+          </a:ln>
+        </p:spPr>
+        <p:style>
+          <a:lnRef idx="0"/>
+          <a:fillRef idx="0"/>
+          <a:effectRef idx="0"/>
+          <a:fontRef idx="minor"/>
+        </p:style>
+      </p:sp>
     </p:spTree>
   </p:cSld>
   <mc:AlternateContent>
@@ -6269,14 +4495,14 @@
       </p:grpSpPr>
       <p:sp>
         <p:nvSpPr>
-          <p:cNvPr id="132" name="TextShape 1"/>
-          <p:cNvSpPr txBox="1"/>
+          <p:cNvPr id="97" name="CustomShape 1"/>
+          <p:cNvSpPr/>
           <p:nvPr/>
         </p:nvSpPr>
         <p:spPr>
           <a:xfrm>
             <a:off x="503640" y="-360"/>
-            <a:ext cx="9068760" cy="1399680"/>
+            <a:ext cx="9068400" cy="1399320"/>
           </a:xfrm>
           <a:prstGeom prst="rect">
             <a:avLst/>
@@ -6286,11 +4512,22 @@
             <a:noFill/>
           </a:ln>
         </p:spPr>
+        <p:style>
+          <a:lnRef idx="0"/>
+          <a:fillRef idx="0"/>
+          <a:effectRef idx="0"/>
+          <a:fontRef idx="minor"/>
+        </p:style>
         <p:txBody>
           <a:bodyPr lIns="0" rIns="0" tIns="0" bIns="0" anchor="ctr">
             <a:noAutofit/>
           </a:bodyPr>
           <a:p>
+            <a:pPr>
+              <a:lnSpc>
+                <a:spcPct val="100000"/>
+              </a:lnSpc>
+            </a:pPr>
             <a:r>
               <a:rPr b="1" lang="en-US" sz="4400" spc="-1" strike="noStrike">
                 <a:solidFill>
@@ -6298,12 +4535,9 @@
                 </a:solidFill>
                 <a:latin typeface="Chandas"/>
               </a:rPr>
-              <a:t>Demo</a:t>
+              <a:t>Micro:bit Code</a:t>
             </a:r>
-            <a:endParaRPr b="0" lang="en-US" sz="4400" spc="-1" strike="noStrike">
-              <a:solidFill>
-                <a:srgbClr val="8d281e"/>
-              </a:solidFill>
+            <a:endParaRPr b="0" lang="nl-NL" sz="4400" spc="-1" strike="noStrike">
               <a:latin typeface="Arial"/>
             </a:endParaRPr>
           </a:p>
@@ -6311,18 +4545,19 @@
       </p:sp>
       <p:pic>
         <p:nvPicPr>
-          <p:cNvPr id="133" name="" descr=""/>
+          <p:cNvPr id="98" name="" descr=""/>
           <p:cNvPicPr/>
           <p:nvPr/>
         </p:nvPicPr>
         <p:blipFill>
           <a:blip r:embed="rId2"/>
+          <a:srcRect l="3411" t="33755" r="43042" b="19452"/>
           <a:stretch/>
         </p:blipFill>
         <p:spPr>
           <a:xfrm>
-            <a:off x="457200" y="1120320"/>
-            <a:ext cx="9239040" cy="4000320"/>
+            <a:off x="510120" y="1005840"/>
+            <a:ext cx="8633520" cy="4242960"/>
           </a:xfrm>
           <a:prstGeom prst="rect">
             <a:avLst/>
@@ -6346,6 +4581,119 @@
 </file>
 
 <file path=ppt/slides/slide5.xml><?xml version="1.0" encoding="utf-8"?>
+<p:sld xmlns:a="http://schemas.openxmlformats.org/drawingml/2006/main" xmlns:p="http://schemas.openxmlformats.org/presentationml/2006/main" xmlns:r="http://schemas.openxmlformats.org/officeDocument/2006/relationships" xmlns:p14="http://schemas.microsoft.com/office/powerpoint/2010/main" xmlns:p15="http://schemas.microsoft.com/office/powerpoint/2012/main" xmlns:mc="http://schemas.openxmlformats.org/markup-compatibility/2006">
+  <p:cSld>
+    <p:bg>
+      <p:bgPr>
+        <a:blipFill rotWithShape="0">
+          <a:blip r:embed="rId1"/>
+          <a:stretch>
+            <a:fillRect/>
+          </a:stretch>
+        </a:blipFill>
+      </p:bgPr>
+    </p:bg>
+    <p:spTree>
+      <p:nvGrpSpPr>
+        <p:cNvPr id="1" name=""/>
+        <p:cNvGrpSpPr/>
+        <p:nvPr/>
+      </p:nvGrpSpPr>
+      <p:grpSpPr>
+        <a:xfrm>
+          <a:off x="0" y="0"/>
+          <a:ext cx="0" cy="0"/>
+          <a:chOff x="0" y="0"/>
+          <a:chExt cx="0" cy="0"/>
+        </a:xfrm>
+      </p:grpSpPr>
+      <p:sp>
+        <p:nvSpPr>
+          <p:cNvPr id="99" name="CustomShape 1"/>
+          <p:cNvSpPr/>
+          <p:nvPr/>
+        </p:nvSpPr>
+        <p:spPr>
+          <a:xfrm>
+            <a:off x="503640" y="-360"/>
+            <a:ext cx="9068400" cy="1399320"/>
+          </a:xfrm>
+          <a:prstGeom prst="rect">
+            <a:avLst/>
+          </a:prstGeom>
+          <a:noFill/>
+          <a:ln>
+            <a:noFill/>
+          </a:ln>
+        </p:spPr>
+        <p:style>
+          <a:lnRef idx="0"/>
+          <a:fillRef idx="0"/>
+          <a:effectRef idx="0"/>
+          <a:fontRef idx="minor"/>
+        </p:style>
+        <p:txBody>
+          <a:bodyPr lIns="0" rIns="0" tIns="0" bIns="0" anchor="ctr">
+            <a:noAutofit/>
+          </a:bodyPr>
+          <a:p>
+            <a:pPr>
+              <a:lnSpc>
+                <a:spcPct val="100000"/>
+              </a:lnSpc>
+            </a:pPr>
+            <a:r>
+              <a:rPr b="1" lang="en-US" sz="4400" spc="-1" strike="noStrike">
+                <a:solidFill>
+                  <a:srgbClr val="8d281e"/>
+                </a:solidFill>
+                <a:latin typeface="Chandas"/>
+              </a:rPr>
+              <a:t>Demo</a:t>
+            </a:r>
+            <a:endParaRPr b="0" lang="nl-NL" sz="4400" spc="-1" strike="noStrike">
+              <a:latin typeface="Arial"/>
+            </a:endParaRPr>
+          </a:p>
+        </p:txBody>
+      </p:sp>
+      <p:pic>
+        <p:nvPicPr>
+          <p:cNvPr id="100" name="" descr=""/>
+          <p:cNvPicPr/>
+          <p:nvPr/>
+        </p:nvPicPr>
+        <p:blipFill>
+          <a:blip r:embed="rId2"/>
+          <a:stretch/>
+        </p:blipFill>
+        <p:spPr>
+          <a:xfrm>
+            <a:off x="457200" y="1120320"/>
+            <a:ext cx="9238680" cy="3999960"/>
+          </a:xfrm>
+          <a:prstGeom prst="rect">
+            <a:avLst/>
+          </a:prstGeom>
+          <a:ln>
+            <a:noFill/>
+          </a:ln>
+        </p:spPr>
+      </p:pic>
+    </p:spTree>
+  </p:cSld>
+  <mc:AlternateContent>
+    <mc:Choice Requires="p14">
+      <p:transition spd="slow" p14:dur="2000"/>
+    </mc:Choice>
+    <mc:Fallback>
+      <p:transition spd="slow"/>
+    </mc:Fallback>
+  </mc:AlternateContent>
+</p:sld>
+</file>
+
+<file path=ppt/slides/slide6.xml><?xml version="1.0" encoding="utf-8"?>
 <p:sld xmlns:a="http://schemas.openxmlformats.org/drawingml/2006/main" xmlns:p="http://schemas.openxmlformats.org/presentationml/2006/main" xmlns:r="http://schemas.openxmlformats.org/officeDocument/2006/relationships" xmlns:p14="http://schemas.microsoft.com/office/powerpoint/2010/main" xmlns:p15="http://schemas.microsoft.com/office/powerpoint/2012/main" xmlns:mc="http://schemas.openxmlformats.org/markup-compatibility/2006">
   <p:cSld>
     <p:bg>
@@ -6372,14 +4720,14 @@
       </p:grpSpPr>
       <p:sp>
         <p:nvSpPr>
-          <p:cNvPr id="134" name="TextShape 1"/>
-          <p:cNvSpPr txBox="1"/>
+          <p:cNvPr id="101" name="CustomShape 1"/>
+          <p:cNvSpPr/>
           <p:nvPr/>
         </p:nvSpPr>
         <p:spPr>
           <a:xfrm>
             <a:off x="2926080" y="1540080"/>
-            <a:ext cx="4222440" cy="1524240"/>
+            <a:ext cx="4222080" cy="1523880"/>
           </a:xfrm>
           <a:prstGeom prst="rect">
             <a:avLst/>
@@ -6389,11 +4737,22 @@
             <a:noFill/>
           </a:ln>
         </p:spPr>
+        <p:style>
+          <a:lnRef idx="0"/>
+          <a:fillRef idx="0"/>
+          <a:effectRef idx="0"/>
+          <a:fontRef idx="minor"/>
+        </p:style>
         <p:txBody>
           <a:bodyPr lIns="0" rIns="0" tIns="0" bIns="0" anchor="ctr">
             <a:noAutofit/>
           </a:bodyPr>
           <a:p>
+            <a:pPr>
+              <a:lnSpc>
+                <a:spcPct val="100000"/>
+              </a:lnSpc>
+            </a:pPr>
             <a:r>
               <a:rPr b="0" lang="en-US" sz="4800" spc="-1" strike="noStrike">
                 <a:solidFill>
@@ -6403,11 +4762,8 @@
               </a:rPr>
               <a:t>Vragen ?</a:t>
             </a:r>
-            <a:endParaRPr b="0" lang="en-US" sz="4800" spc="-1" strike="noStrike">
-              <a:solidFill>
-                <a:srgbClr val="fff5ce"/>
-              </a:solidFill>
-              <a:latin typeface="Chandas"/>
+            <a:endParaRPr b="0" lang="nl-NL" sz="4800" spc="-1" strike="noStrike">
+              <a:latin typeface="Arial"/>
             </a:endParaRPr>
           </a:p>
         </p:txBody>
@@ -6875,230 +5231,4 @@
     </a:fmtScheme>
   </a:themeElements>
 </a:theme>
-</file>
-
-<file path=ppt/theme/theme3.xml><?xml version="1.0" encoding="utf-8"?>
-<a:theme xmlns:a="http://schemas.openxmlformats.org/drawingml/2006/main" name="Office Theme">
-  <a:themeElements>
-    <a:clrScheme name="Office">
-      <a:dk1>
-        <a:sysClr val="windowText" lastClr="000000"/>
-      </a:dk1>
-      <a:lt1>
-        <a:sysClr val="window" lastClr="FFFFFF"/>
-      </a:lt1>
-      <a:dk2>
-        <a:srgbClr val="1f497d"/>
-      </a:dk2>
-      <a:lt2>
-        <a:srgbClr val="eeece1"/>
-      </a:lt2>
-      <a:accent1>
-        <a:srgbClr val="4f81bd"/>
-      </a:accent1>
-      <a:accent2>
-        <a:srgbClr val="c0504d"/>
-      </a:accent2>
-      <a:accent3>
-        <a:srgbClr val="9bbb59"/>
-      </a:accent3>
-      <a:accent4>
-        <a:srgbClr val="8064a2"/>
-      </a:accent4>
-      <a:accent5>
-        <a:srgbClr val="4bacc6"/>
-      </a:accent5>
-      <a:accent6>
-        <a:srgbClr val="f79646"/>
-      </a:accent6>
-      <a:hlink>
-        <a:srgbClr val="0000ff"/>
-      </a:hlink>
-      <a:folHlink>
-        <a:srgbClr val="800080"/>
-      </a:folHlink>
-    </a:clrScheme>
-    <a:fontScheme name="Office">
-      <a:majorFont>
-        <a:latin typeface="Arial"/>
-        <a:ea typeface="DejaVu Sans"/>
-        <a:cs typeface="DejaVu Sans"/>
-      </a:majorFont>
-      <a:minorFont>
-        <a:latin typeface="Arial"/>
-        <a:ea typeface="DejaVu Sans"/>
-        <a:cs typeface="DejaVu Sans"/>
-      </a:minorFont>
-    </a:fontScheme>
-    <a:fmtScheme name="Office">
-      <a:fillStyleLst>
-        <a:solidFill>
-          <a:schemeClr val="phClr"/>
-        </a:solidFill>
-        <a:gradFill rotWithShape="1">
-          <a:gsLst>
-            <a:gs pos="0">
-              <a:schemeClr val="phClr">
-                <a:tint val="50000"/>
-                <a:satMod val="300000"/>
-              </a:schemeClr>
-            </a:gs>
-            <a:gs pos="35000">
-              <a:schemeClr val="phClr">
-                <a:tint val="37000"/>
-                <a:satMod val="300000"/>
-              </a:schemeClr>
-            </a:gs>
-            <a:gs pos="100000">
-              <a:schemeClr val="phClr">
-                <a:tint val="15000"/>
-                <a:satMod val="350000"/>
-              </a:schemeClr>
-            </a:gs>
-          </a:gsLst>
-          <a:lin ang="16200000" scaled="1"/>
-        </a:gradFill>
-        <a:gradFill rotWithShape="1">
-          <a:gsLst>
-            <a:gs pos="0">
-              <a:schemeClr val="phClr">
-                <a:shade val="51000"/>
-                <a:satMod val="130000"/>
-              </a:schemeClr>
-            </a:gs>
-            <a:gs pos="80000">
-              <a:schemeClr val="phClr">
-                <a:shade val="93000"/>
-                <a:satMod val="130000"/>
-              </a:schemeClr>
-            </a:gs>
-            <a:gs pos="100000">
-              <a:schemeClr val="phClr">
-                <a:shade val="94000"/>
-                <a:satMod val="135000"/>
-              </a:schemeClr>
-            </a:gs>
-          </a:gsLst>
-          <a:lin ang="16200000" scaled="0"/>
-        </a:gradFill>
-      </a:fillStyleLst>
-      <a:lnStyleLst>
-        <a:ln w="9525" cap="flat" cmpd="sng" algn="ctr">
-          <a:solidFill>
-            <a:schemeClr val="phClr">
-              <a:shade val="95000"/>
-              <a:satMod val="105000"/>
-            </a:schemeClr>
-          </a:solidFill>
-          <a:prstDash val="solid"/>
-          <a:miter/>
-        </a:ln>
-        <a:ln w="25400" cap="flat" cmpd="sng" algn="ctr">
-          <a:solidFill>
-            <a:schemeClr val="phClr"/>
-          </a:solidFill>
-          <a:prstDash val="solid"/>
-          <a:miter/>
-        </a:ln>
-        <a:ln w="38100" cap="flat" cmpd="sng" algn="ctr">
-          <a:solidFill>
-            <a:schemeClr val="phClr"/>
-          </a:solidFill>
-          <a:prstDash val="solid"/>
-          <a:miter/>
-        </a:ln>
-      </a:lnStyleLst>
-      <a:effectStyleLst>
-        <a:effectStyle>
-          <a:effectLst>
-            <a:outerShdw blurRad="40000" dist="20000" dir="5400000" rotWithShape="0">
-              <a:srgbClr val="000000">
-                <a:alpha val="38000"/>
-              </a:srgbClr>
-            </a:outerShdw>
-          </a:effectLst>
-        </a:effectStyle>
-        <a:effectStyle>
-          <a:effectLst>
-            <a:outerShdw blurRad="40000" dist="23000" dir="5400000" rotWithShape="0">
-              <a:srgbClr val="000000">
-                <a:alpha val="35000"/>
-              </a:srgbClr>
-            </a:outerShdw>
-          </a:effectLst>
-        </a:effectStyle>
-        <a:effectStyle>
-          <a:effectLst>
-            <a:outerShdw blurRad="40000" dist="23000" dir="5400000" rotWithShape="0">
-              <a:srgbClr val="000000">
-                <a:alpha val="35000"/>
-              </a:srgbClr>
-            </a:outerShdw>
-          </a:effectLst>
-          <a:scene3d>
-            <a:camera prst="orthographicFront">
-              <a:rot lat="0" lon="0" rev="0"/>
-            </a:camera>
-            <a:lightRig rig="threePt" dir="t">
-              <a:rot lat="0" lon="0" rev="1200000"/>
-            </a:lightRig>
-          </a:scene3d>
-          <a:sp3d>
-            <a:bevelT w="63500" h="25400"/>
-          </a:sp3d>
-        </a:effectStyle>
-      </a:effectStyleLst>
-      <a:bgFillStyleLst>
-        <a:solidFill>
-          <a:schemeClr val="phClr"/>
-        </a:solidFill>
-        <a:gradFill rotWithShape="1">
-          <a:gsLst>
-            <a:gs pos="0">
-              <a:schemeClr val="phClr">
-                <a:tint val="40000"/>
-                <a:satMod val="350000"/>
-              </a:schemeClr>
-            </a:gs>
-            <a:gs pos="40000">
-              <a:schemeClr val="phClr">
-                <a:tint val="45000"/>
-                <a:shade val="99000"/>
-                <a:satMod val="350000"/>
-              </a:schemeClr>
-            </a:gs>
-            <a:gs pos="100000">
-              <a:schemeClr val="phClr">
-                <a:shade val="20000"/>
-                <a:satMod val="255000"/>
-              </a:schemeClr>
-            </a:gs>
-          </a:gsLst>
-          <a:path path="circle">
-            <a:fillToRect l="50000" t="-80000" r="50000" b="180000"/>
-          </a:path>
-        </a:gradFill>
-        <a:gradFill rotWithShape="1">
-          <a:gsLst>
-            <a:gs pos="0">
-              <a:schemeClr val="phClr">
-                <a:tint val="80000"/>
-                <a:satMod val="300000"/>
-              </a:schemeClr>
-            </a:gs>
-            <a:gs pos="100000">
-              <a:schemeClr val="phClr">
-                <a:shade val="30000"/>
-                <a:satMod val="200000"/>
-              </a:schemeClr>
-            </a:gs>
-          </a:gsLst>
-          <a:path path="circle">
-            <a:fillToRect l="50000" t="50000" r="50000" b="50000"/>
-          </a:path>
-        </a:gradFill>
-      </a:bgFillStyleLst>
-    </a:fmtScheme>
-  </a:themeElements>
-</a:theme>
 </file>
--- a/Voorbeeld-presentatie.pptx
+++ b/Voorbeeld-presentatie.pptx
@@ -12,6 +12,7 @@
     <p:sldId id="259" r:id="rId7"/>
     <p:sldId id="260" r:id="rId8"/>
     <p:sldId id="261" r:id="rId9"/>
+    <p:sldId id="262" r:id="rId10"/>
   </p:sldIdLst>
   <p:sldSz cx="10077450" cy="5668962"/>
   <p:notesSz cx="7559675" cy="10691812"/>
@@ -70,7 +71,7 @@
         <p:spPr>
           <a:xfrm>
             <a:off x="503640" y="225720"/>
-            <a:ext cx="9068400" cy="946080"/>
+            <a:ext cx="9068040" cy="945720"/>
           </a:xfrm>
           <a:prstGeom prst="rect">
             <a:avLst/>
@@ -82,7 +83,7 @@
           </a:bodyPr>
           <a:p>
             <a:pPr algn="ctr"/>
-            <a:endParaRPr b="0" lang="nl-NL" sz="4400" spc="-1" strike="noStrike">
+            <a:endParaRPr b="0" lang="en-US" sz="4400" spc="-1" strike="noStrike">
               <a:latin typeface="Arial"/>
             </a:endParaRPr>
           </a:p>
@@ -112,7 +113,7 @@
             <a:normAutofit/>
           </a:bodyPr>
           <a:p>
-            <a:endParaRPr b="0" lang="nl-NL" sz="3200" spc="-1" strike="noStrike">
+            <a:endParaRPr b="0" lang="en-US" sz="3200" spc="-1" strike="noStrike">
               <a:latin typeface="Arial"/>
             </a:endParaRPr>
           </a:p>
@@ -142,7 +143,7 @@
             <a:normAutofit/>
           </a:bodyPr>
           <a:p>
-            <a:endParaRPr b="0" lang="nl-NL" sz="3200" spc="-1" strike="noStrike">
+            <a:endParaRPr b="0" lang="en-US" sz="3200" spc="-1" strike="noStrike">
               <a:latin typeface="Arial"/>
             </a:endParaRPr>
           </a:p>
@@ -183,7 +184,7 @@
         <p:spPr>
           <a:xfrm>
             <a:off x="503640" y="225720"/>
-            <a:ext cx="9068400" cy="946080"/>
+            <a:ext cx="9068040" cy="945720"/>
           </a:xfrm>
           <a:prstGeom prst="rect">
             <a:avLst/>
@@ -195,7 +196,7 @@
           </a:bodyPr>
           <a:p>
             <a:pPr algn="ctr"/>
-            <a:endParaRPr b="0" lang="nl-NL" sz="4400" spc="-1" strike="noStrike">
+            <a:endParaRPr b="0" lang="en-US" sz="4400" spc="-1" strike="noStrike">
               <a:latin typeface="Arial"/>
             </a:endParaRPr>
           </a:p>
@@ -225,7 +226,7 @@
             <a:normAutofit/>
           </a:bodyPr>
           <a:p>
-            <a:endParaRPr b="0" lang="nl-NL" sz="3200" spc="-1" strike="noStrike">
+            <a:endParaRPr b="0" lang="en-US" sz="3200" spc="-1" strike="noStrike">
               <a:latin typeface="Arial"/>
             </a:endParaRPr>
           </a:p>
@@ -255,7 +256,7 @@
             <a:normAutofit/>
           </a:bodyPr>
           <a:p>
-            <a:endParaRPr b="0" lang="nl-NL" sz="3200" spc="-1" strike="noStrike">
+            <a:endParaRPr b="0" lang="en-US" sz="3200" spc="-1" strike="noStrike">
               <a:latin typeface="Arial"/>
             </a:endParaRPr>
           </a:p>
@@ -285,7 +286,7 @@
             <a:normAutofit/>
           </a:bodyPr>
           <a:p>
-            <a:endParaRPr b="0" lang="nl-NL" sz="3200" spc="-1" strike="noStrike">
+            <a:endParaRPr b="0" lang="en-US" sz="3200" spc="-1" strike="noStrike">
               <a:latin typeface="Arial"/>
             </a:endParaRPr>
           </a:p>
@@ -315,7 +316,7 @@
             <a:normAutofit/>
           </a:bodyPr>
           <a:p>
-            <a:endParaRPr b="0" lang="nl-NL" sz="3200" spc="-1" strike="noStrike">
+            <a:endParaRPr b="0" lang="en-US" sz="3200" spc="-1" strike="noStrike">
               <a:latin typeface="Arial"/>
             </a:endParaRPr>
           </a:p>
@@ -356,7 +357,7 @@
         <p:spPr>
           <a:xfrm>
             <a:off x="503640" y="225720"/>
-            <a:ext cx="9068400" cy="946080"/>
+            <a:ext cx="9068040" cy="945720"/>
           </a:xfrm>
           <a:prstGeom prst="rect">
             <a:avLst/>
@@ -368,7 +369,7 @@
           </a:bodyPr>
           <a:p>
             <a:pPr algn="ctr"/>
-            <a:endParaRPr b="0" lang="nl-NL" sz="4400" spc="-1" strike="noStrike">
+            <a:endParaRPr b="0" lang="en-US" sz="4400" spc="-1" strike="noStrike">
               <a:latin typeface="Arial"/>
             </a:endParaRPr>
           </a:p>
@@ -398,7 +399,7 @@
             <a:normAutofit/>
           </a:bodyPr>
           <a:p>
-            <a:endParaRPr b="0" lang="nl-NL" sz="3200" spc="-1" strike="noStrike">
+            <a:endParaRPr b="0" lang="en-US" sz="3200" spc="-1" strike="noStrike">
               <a:latin typeface="Arial"/>
             </a:endParaRPr>
           </a:p>
@@ -428,7 +429,7 @@
             <a:normAutofit/>
           </a:bodyPr>
           <a:p>
-            <a:endParaRPr b="0" lang="nl-NL" sz="3200" spc="-1" strike="noStrike">
+            <a:endParaRPr b="0" lang="en-US" sz="3200" spc="-1" strike="noStrike">
               <a:latin typeface="Arial"/>
             </a:endParaRPr>
           </a:p>
@@ -458,7 +459,7 @@
             <a:normAutofit/>
           </a:bodyPr>
           <a:p>
-            <a:endParaRPr b="0" lang="nl-NL" sz="3200" spc="-1" strike="noStrike">
+            <a:endParaRPr b="0" lang="en-US" sz="3200" spc="-1" strike="noStrike">
               <a:latin typeface="Arial"/>
             </a:endParaRPr>
           </a:p>
@@ -488,7 +489,7 @@
             <a:normAutofit/>
           </a:bodyPr>
           <a:p>
-            <a:endParaRPr b="0" lang="nl-NL" sz="3200" spc="-1" strike="noStrike">
+            <a:endParaRPr b="0" lang="en-US" sz="3200" spc="-1" strike="noStrike">
               <a:latin typeface="Arial"/>
             </a:endParaRPr>
           </a:p>
@@ -518,7 +519,7 @@
             <a:normAutofit/>
           </a:bodyPr>
           <a:p>
-            <a:endParaRPr b="0" lang="nl-NL" sz="3200" spc="-1" strike="noStrike">
+            <a:endParaRPr b="0" lang="en-US" sz="3200" spc="-1" strike="noStrike">
               <a:latin typeface="Arial"/>
             </a:endParaRPr>
           </a:p>
@@ -548,7 +549,7 @@
             <a:normAutofit/>
           </a:bodyPr>
           <a:p>
-            <a:endParaRPr b="0" lang="nl-NL" sz="3200" spc="-1" strike="noStrike">
+            <a:endParaRPr b="0" lang="en-US" sz="3200" spc="-1" strike="noStrike">
               <a:latin typeface="Arial"/>
             </a:endParaRPr>
           </a:p>
@@ -611,7 +612,7 @@
         <p:spPr>
           <a:xfrm>
             <a:off x="503640" y="225720"/>
-            <a:ext cx="9068400" cy="946080"/>
+            <a:ext cx="9068040" cy="945720"/>
           </a:xfrm>
           <a:prstGeom prst="rect">
             <a:avLst/>
@@ -623,7 +624,7 @@
           </a:bodyPr>
           <a:p>
             <a:pPr algn="ctr"/>
-            <a:endParaRPr b="0" lang="nl-NL" sz="4400" spc="-1" strike="noStrike">
+            <a:endParaRPr b="0" lang="en-US" sz="4400" spc="-1" strike="noStrike">
               <a:latin typeface="Arial"/>
             </a:endParaRPr>
           </a:p>
@@ -654,7 +655,7 @@
           </a:bodyPr>
           <a:p>
             <a:pPr algn="ctr"/>
-            <a:endParaRPr b="0" lang="nl-NL" sz="3200" spc="-1" strike="noStrike">
+            <a:endParaRPr b="0" lang="en-US" sz="3200" spc="-1" strike="noStrike">
               <a:latin typeface="Arial"/>
             </a:endParaRPr>
           </a:p>
@@ -695,7 +696,7 @@
         <p:spPr>
           <a:xfrm>
             <a:off x="503640" y="225720"/>
-            <a:ext cx="9068400" cy="946080"/>
+            <a:ext cx="9068040" cy="945720"/>
           </a:xfrm>
           <a:prstGeom prst="rect">
             <a:avLst/>
@@ -707,7 +708,7 @@
           </a:bodyPr>
           <a:p>
             <a:pPr algn="ctr"/>
-            <a:endParaRPr b="0" lang="nl-NL" sz="4400" spc="-1" strike="noStrike">
+            <a:endParaRPr b="0" lang="en-US" sz="4400" spc="-1" strike="noStrike">
               <a:latin typeface="Arial"/>
             </a:endParaRPr>
           </a:p>
@@ -737,7 +738,7 @@
             <a:normAutofit/>
           </a:bodyPr>
           <a:p>
-            <a:endParaRPr b="0" lang="nl-NL" sz="3200" spc="-1" strike="noStrike">
+            <a:endParaRPr b="0" lang="en-US" sz="3200" spc="-1" strike="noStrike">
               <a:latin typeface="Arial"/>
             </a:endParaRPr>
           </a:p>
@@ -778,7 +779,7 @@
         <p:spPr>
           <a:xfrm>
             <a:off x="503640" y="225720"/>
-            <a:ext cx="9068400" cy="946080"/>
+            <a:ext cx="9068040" cy="945720"/>
           </a:xfrm>
           <a:prstGeom prst="rect">
             <a:avLst/>
@@ -790,7 +791,7 @@
           </a:bodyPr>
           <a:p>
             <a:pPr algn="ctr"/>
-            <a:endParaRPr b="0" lang="nl-NL" sz="4400" spc="-1" strike="noStrike">
+            <a:endParaRPr b="0" lang="en-US" sz="4400" spc="-1" strike="noStrike">
               <a:latin typeface="Arial"/>
             </a:endParaRPr>
           </a:p>
@@ -820,7 +821,7 @@
             <a:normAutofit/>
           </a:bodyPr>
           <a:p>
-            <a:endParaRPr b="0" lang="nl-NL" sz="3200" spc="-1" strike="noStrike">
+            <a:endParaRPr b="0" lang="en-US" sz="3200" spc="-1" strike="noStrike">
               <a:latin typeface="Arial"/>
             </a:endParaRPr>
           </a:p>
@@ -850,7 +851,7 @@
             <a:normAutofit/>
           </a:bodyPr>
           <a:p>
-            <a:endParaRPr b="0" lang="nl-NL" sz="3200" spc="-1" strike="noStrike">
+            <a:endParaRPr b="0" lang="en-US" sz="3200" spc="-1" strike="noStrike">
               <a:latin typeface="Arial"/>
             </a:endParaRPr>
           </a:p>
@@ -891,7 +892,7 @@
         <p:spPr>
           <a:xfrm>
             <a:off x="503640" y="225720"/>
-            <a:ext cx="9068400" cy="946080"/>
+            <a:ext cx="9068040" cy="945720"/>
           </a:xfrm>
           <a:prstGeom prst="rect">
             <a:avLst/>
@@ -903,7 +904,7 @@
           </a:bodyPr>
           <a:p>
             <a:pPr algn="ctr"/>
-            <a:endParaRPr b="0" lang="nl-NL" sz="4400" spc="-1" strike="noStrike">
+            <a:endParaRPr b="0" lang="en-US" sz="4400" spc="-1" strike="noStrike">
               <a:latin typeface="Arial"/>
             </a:endParaRPr>
           </a:p>
@@ -944,7 +945,7 @@
         <p:spPr>
           <a:xfrm>
             <a:off x="503640" y="225720"/>
-            <a:ext cx="9068400" cy="4386600"/>
+            <a:ext cx="9068040" cy="4385160"/>
           </a:xfrm>
           <a:prstGeom prst="rect">
             <a:avLst/>
@@ -956,7 +957,7 @@
           </a:bodyPr>
           <a:p>
             <a:pPr algn="ctr"/>
-            <a:endParaRPr b="0" lang="nl-NL" sz="3200" spc="-1" strike="noStrike">
+            <a:endParaRPr b="0" lang="en-US" sz="3200" spc="-1" strike="noStrike">
               <a:latin typeface="Arial"/>
             </a:endParaRPr>
           </a:p>
@@ -997,7 +998,7 @@
         <p:spPr>
           <a:xfrm>
             <a:off x="503640" y="225720"/>
-            <a:ext cx="9068400" cy="946080"/>
+            <a:ext cx="9068040" cy="945720"/>
           </a:xfrm>
           <a:prstGeom prst="rect">
             <a:avLst/>
@@ -1009,7 +1010,7 @@
           </a:bodyPr>
           <a:p>
             <a:pPr algn="ctr"/>
-            <a:endParaRPr b="0" lang="nl-NL" sz="4400" spc="-1" strike="noStrike">
+            <a:endParaRPr b="0" lang="en-US" sz="4400" spc="-1" strike="noStrike">
               <a:latin typeface="Arial"/>
             </a:endParaRPr>
           </a:p>
@@ -1039,7 +1040,7 @@
             <a:normAutofit/>
           </a:bodyPr>
           <a:p>
-            <a:endParaRPr b="0" lang="nl-NL" sz="3200" spc="-1" strike="noStrike">
+            <a:endParaRPr b="0" lang="en-US" sz="3200" spc="-1" strike="noStrike">
               <a:latin typeface="Arial"/>
             </a:endParaRPr>
           </a:p>
@@ -1069,7 +1070,7 @@
             <a:normAutofit/>
           </a:bodyPr>
           <a:p>
-            <a:endParaRPr b="0" lang="nl-NL" sz="3200" spc="-1" strike="noStrike">
+            <a:endParaRPr b="0" lang="en-US" sz="3200" spc="-1" strike="noStrike">
               <a:latin typeface="Arial"/>
             </a:endParaRPr>
           </a:p>
@@ -1099,7 +1100,7 @@
             <a:normAutofit/>
           </a:bodyPr>
           <a:p>
-            <a:endParaRPr b="0" lang="nl-NL" sz="3200" spc="-1" strike="noStrike">
+            <a:endParaRPr b="0" lang="en-US" sz="3200" spc="-1" strike="noStrike">
               <a:latin typeface="Arial"/>
             </a:endParaRPr>
           </a:p>
@@ -1140,7 +1141,7 @@
         <p:spPr>
           <a:xfrm>
             <a:off x="503640" y="225720"/>
-            <a:ext cx="9068400" cy="946080"/>
+            <a:ext cx="9068040" cy="945720"/>
           </a:xfrm>
           <a:prstGeom prst="rect">
             <a:avLst/>
@@ -1152,7 +1153,7 @@
           </a:bodyPr>
           <a:p>
             <a:pPr algn="ctr"/>
-            <a:endParaRPr b="0" lang="nl-NL" sz="4400" spc="-1" strike="noStrike">
+            <a:endParaRPr b="0" lang="en-US" sz="4400" spc="-1" strike="noStrike">
               <a:latin typeface="Arial"/>
             </a:endParaRPr>
           </a:p>
@@ -1183,7 +1184,7 @@
           </a:bodyPr>
           <a:p>
             <a:pPr algn="ctr"/>
-            <a:endParaRPr b="0" lang="nl-NL" sz="3200" spc="-1" strike="noStrike">
+            <a:endParaRPr b="0" lang="en-US" sz="3200" spc="-1" strike="noStrike">
               <a:latin typeface="Arial"/>
             </a:endParaRPr>
           </a:p>
@@ -1224,7 +1225,7 @@
         <p:spPr>
           <a:xfrm>
             <a:off x="503640" y="225720"/>
-            <a:ext cx="9068400" cy="946080"/>
+            <a:ext cx="9068040" cy="945720"/>
           </a:xfrm>
           <a:prstGeom prst="rect">
             <a:avLst/>
@@ -1236,7 +1237,7 @@
           </a:bodyPr>
           <a:p>
             <a:pPr algn="ctr"/>
-            <a:endParaRPr b="0" lang="nl-NL" sz="4400" spc="-1" strike="noStrike">
+            <a:endParaRPr b="0" lang="en-US" sz="4400" spc="-1" strike="noStrike">
               <a:latin typeface="Arial"/>
             </a:endParaRPr>
           </a:p>
@@ -1266,7 +1267,7 @@
             <a:normAutofit/>
           </a:bodyPr>
           <a:p>
-            <a:endParaRPr b="0" lang="nl-NL" sz="3200" spc="-1" strike="noStrike">
+            <a:endParaRPr b="0" lang="en-US" sz="3200" spc="-1" strike="noStrike">
               <a:latin typeface="Arial"/>
             </a:endParaRPr>
           </a:p>
@@ -1296,7 +1297,7 @@
             <a:normAutofit/>
           </a:bodyPr>
           <a:p>
-            <a:endParaRPr b="0" lang="nl-NL" sz="3200" spc="-1" strike="noStrike">
+            <a:endParaRPr b="0" lang="en-US" sz="3200" spc="-1" strike="noStrike">
               <a:latin typeface="Arial"/>
             </a:endParaRPr>
           </a:p>
@@ -1326,7 +1327,7 @@
             <a:normAutofit/>
           </a:bodyPr>
           <a:p>
-            <a:endParaRPr b="0" lang="nl-NL" sz="3200" spc="-1" strike="noStrike">
+            <a:endParaRPr b="0" lang="en-US" sz="3200" spc="-1" strike="noStrike">
               <a:latin typeface="Arial"/>
             </a:endParaRPr>
           </a:p>
@@ -1367,7 +1368,7 @@
         <p:spPr>
           <a:xfrm>
             <a:off x="503640" y="225720"/>
-            <a:ext cx="9068400" cy="946080"/>
+            <a:ext cx="9068040" cy="945720"/>
           </a:xfrm>
           <a:prstGeom prst="rect">
             <a:avLst/>
@@ -1379,7 +1380,7 @@
           </a:bodyPr>
           <a:p>
             <a:pPr algn="ctr"/>
-            <a:endParaRPr b="0" lang="nl-NL" sz="4400" spc="-1" strike="noStrike">
+            <a:endParaRPr b="0" lang="en-US" sz="4400" spc="-1" strike="noStrike">
               <a:latin typeface="Arial"/>
             </a:endParaRPr>
           </a:p>
@@ -1409,7 +1410,7 @@
             <a:normAutofit/>
           </a:bodyPr>
           <a:p>
-            <a:endParaRPr b="0" lang="nl-NL" sz="3200" spc="-1" strike="noStrike">
+            <a:endParaRPr b="0" lang="en-US" sz="3200" spc="-1" strike="noStrike">
               <a:latin typeface="Arial"/>
             </a:endParaRPr>
           </a:p>
@@ -1439,7 +1440,7 @@
             <a:normAutofit/>
           </a:bodyPr>
           <a:p>
-            <a:endParaRPr b="0" lang="nl-NL" sz="3200" spc="-1" strike="noStrike">
+            <a:endParaRPr b="0" lang="en-US" sz="3200" spc="-1" strike="noStrike">
               <a:latin typeface="Arial"/>
             </a:endParaRPr>
           </a:p>
@@ -1469,7 +1470,7 @@
             <a:normAutofit/>
           </a:bodyPr>
           <a:p>
-            <a:endParaRPr b="0" lang="nl-NL" sz="3200" spc="-1" strike="noStrike">
+            <a:endParaRPr b="0" lang="en-US" sz="3200" spc="-1" strike="noStrike">
               <a:latin typeface="Arial"/>
             </a:endParaRPr>
           </a:p>
@@ -1510,7 +1511,7 @@
         <p:spPr>
           <a:xfrm>
             <a:off x="503640" y="225720"/>
-            <a:ext cx="9068400" cy="946080"/>
+            <a:ext cx="9068040" cy="945720"/>
           </a:xfrm>
           <a:prstGeom prst="rect">
             <a:avLst/>
@@ -1522,7 +1523,7 @@
           </a:bodyPr>
           <a:p>
             <a:pPr algn="ctr"/>
-            <a:endParaRPr b="0" lang="nl-NL" sz="4400" spc="-1" strike="noStrike">
+            <a:endParaRPr b="0" lang="en-US" sz="4400" spc="-1" strike="noStrike">
               <a:latin typeface="Arial"/>
             </a:endParaRPr>
           </a:p>
@@ -1552,7 +1553,7 @@
             <a:normAutofit/>
           </a:bodyPr>
           <a:p>
-            <a:endParaRPr b="0" lang="nl-NL" sz="3200" spc="-1" strike="noStrike">
+            <a:endParaRPr b="0" lang="en-US" sz="3200" spc="-1" strike="noStrike">
               <a:latin typeface="Arial"/>
             </a:endParaRPr>
           </a:p>
@@ -1582,7 +1583,7 @@
             <a:normAutofit/>
           </a:bodyPr>
           <a:p>
-            <a:endParaRPr b="0" lang="nl-NL" sz="3200" spc="-1" strike="noStrike">
+            <a:endParaRPr b="0" lang="en-US" sz="3200" spc="-1" strike="noStrike">
               <a:latin typeface="Arial"/>
             </a:endParaRPr>
           </a:p>
@@ -1623,7 +1624,7 @@
         <p:spPr>
           <a:xfrm>
             <a:off x="503640" y="225720"/>
-            <a:ext cx="9068400" cy="946080"/>
+            <a:ext cx="9068040" cy="945720"/>
           </a:xfrm>
           <a:prstGeom prst="rect">
             <a:avLst/>
@@ -1635,7 +1636,7 @@
           </a:bodyPr>
           <a:p>
             <a:pPr algn="ctr"/>
-            <a:endParaRPr b="0" lang="nl-NL" sz="4400" spc="-1" strike="noStrike">
+            <a:endParaRPr b="0" lang="en-US" sz="4400" spc="-1" strike="noStrike">
               <a:latin typeface="Arial"/>
             </a:endParaRPr>
           </a:p>
@@ -1665,7 +1666,7 @@
             <a:normAutofit/>
           </a:bodyPr>
           <a:p>
-            <a:endParaRPr b="0" lang="nl-NL" sz="3200" spc="-1" strike="noStrike">
+            <a:endParaRPr b="0" lang="en-US" sz="3200" spc="-1" strike="noStrike">
               <a:latin typeface="Arial"/>
             </a:endParaRPr>
           </a:p>
@@ -1695,7 +1696,7 @@
             <a:normAutofit/>
           </a:bodyPr>
           <a:p>
-            <a:endParaRPr b="0" lang="nl-NL" sz="3200" spc="-1" strike="noStrike">
+            <a:endParaRPr b="0" lang="en-US" sz="3200" spc="-1" strike="noStrike">
               <a:latin typeface="Arial"/>
             </a:endParaRPr>
           </a:p>
@@ -1725,7 +1726,7 @@
             <a:normAutofit/>
           </a:bodyPr>
           <a:p>
-            <a:endParaRPr b="0" lang="nl-NL" sz="3200" spc="-1" strike="noStrike">
+            <a:endParaRPr b="0" lang="en-US" sz="3200" spc="-1" strike="noStrike">
               <a:latin typeface="Arial"/>
             </a:endParaRPr>
           </a:p>
@@ -1755,7 +1756,7 @@
             <a:normAutofit/>
           </a:bodyPr>
           <a:p>
-            <a:endParaRPr b="0" lang="nl-NL" sz="3200" spc="-1" strike="noStrike">
+            <a:endParaRPr b="0" lang="en-US" sz="3200" spc="-1" strike="noStrike">
               <a:latin typeface="Arial"/>
             </a:endParaRPr>
           </a:p>
@@ -1796,7 +1797,7 @@
         <p:spPr>
           <a:xfrm>
             <a:off x="503640" y="225720"/>
-            <a:ext cx="9068400" cy="946080"/>
+            <a:ext cx="9068040" cy="945720"/>
           </a:xfrm>
           <a:prstGeom prst="rect">
             <a:avLst/>
@@ -1808,7 +1809,7 @@
           </a:bodyPr>
           <a:p>
             <a:pPr algn="ctr"/>
-            <a:endParaRPr b="0" lang="nl-NL" sz="4400" spc="-1" strike="noStrike">
+            <a:endParaRPr b="0" lang="en-US" sz="4400" spc="-1" strike="noStrike">
               <a:latin typeface="Arial"/>
             </a:endParaRPr>
           </a:p>
@@ -1838,7 +1839,7 @@
             <a:normAutofit/>
           </a:bodyPr>
           <a:p>
-            <a:endParaRPr b="0" lang="nl-NL" sz="3200" spc="-1" strike="noStrike">
+            <a:endParaRPr b="0" lang="en-US" sz="3200" spc="-1" strike="noStrike">
               <a:latin typeface="Arial"/>
             </a:endParaRPr>
           </a:p>
@@ -1868,7 +1869,7 @@
             <a:normAutofit/>
           </a:bodyPr>
           <a:p>
-            <a:endParaRPr b="0" lang="nl-NL" sz="3200" spc="-1" strike="noStrike">
+            <a:endParaRPr b="0" lang="en-US" sz="3200" spc="-1" strike="noStrike">
               <a:latin typeface="Arial"/>
             </a:endParaRPr>
           </a:p>
@@ -1898,7 +1899,7 @@
             <a:normAutofit/>
           </a:bodyPr>
           <a:p>
-            <a:endParaRPr b="0" lang="nl-NL" sz="3200" spc="-1" strike="noStrike">
+            <a:endParaRPr b="0" lang="en-US" sz="3200" spc="-1" strike="noStrike">
               <a:latin typeface="Arial"/>
             </a:endParaRPr>
           </a:p>
@@ -1928,7 +1929,7 @@
             <a:normAutofit/>
           </a:bodyPr>
           <a:p>
-            <a:endParaRPr b="0" lang="nl-NL" sz="3200" spc="-1" strike="noStrike">
+            <a:endParaRPr b="0" lang="en-US" sz="3200" spc="-1" strike="noStrike">
               <a:latin typeface="Arial"/>
             </a:endParaRPr>
           </a:p>
@@ -1958,7 +1959,7 @@
             <a:normAutofit/>
           </a:bodyPr>
           <a:p>
-            <a:endParaRPr b="0" lang="nl-NL" sz="3200" spc="-1" strike="noStrike">
+            <a:endParaRPr b="0" lang="en-US" sz="3200" spc="-1" strike="noStrike">
               <a:latin typeface="Arial"/>
             </a:endParaRPr>
           </a:p>
@@ -1988,7 +1989,7 @@
             <a:normAutofit/>
           </a:bodyPr>
           <a:p>
-            <a:endParaRPr b="0" lang="nl-NL" sz="3200" spc="-1" strike="noStrike">
+            <a:endParaRPr b="0" lang="en-US" sz="3200" spc="-1" strike="noStrike">
               <a:latin typeface="Arial"/>
             </a:endParaRPr>
           </a:p>
@@ -2029,7 +2030,7 @@
         <p:spPr>
           <a:xfrm>
             <a:off x="503640" y="225720"/>
-            <a:ext cx="9068400" cy="946080"/>
+            <a:ext cx="9068040" cy="945720"/>
           </a:xfrm>
           <a:prstGeom prst="rect">
             <a:avLst/>
@@ -2041,7 +2042,7 @@
           </a:bodyPr>
           <a:p>
             <a:pPr algn="ctr"/>
-            <a:endParaRPr b="0" lang="nl-NL" sz="4400" spc="-1" strike="noStrike">
+            <a:endParaRPr b="0" lang="en-US" sz="4400" spc="-1" strike="noStrike">
               <a:latin typeface="Arial"/>
             </a:endParaRPr>
           </a:p>
@@ -2071,7 +2072,7 @@
             <a:normAutofit/>
           </a:bodyPr>
           <a:p>
-            <a:endParaRPr b="0" lang="nl-NL" sz="3200" spc="-1" strike="noStrike">
+            <a:endParaRPr b="0" lang="en-US" sz="3200" spc="-1" strike="noStrike">
               <a:latin typeface="Arial"/>
             </a:endParaRPr>
           </a:p>
@@ -2112,7 +2113,7 @@
         <p:spPr>
           <a:xfrm>
             <a:off x="503640" y="225720"/>
-            <a:ext cx="9068400" cy="946080"/>
+            <a:ext cx="9068040" cy="945720"/>
           </a:xfrm>
           <a:prstGeom prst="rect">
             <a:avLst/>
@@ -2124,7 +2125,7 @@
           </a:bodyPr>
           <a:p>
             <a:pPr algn="ctr"/>
-            <a:endParaRPr b="0" lang="nl-NL" sz="4400" spc="-1" strike="noStrike">
+            <a:endParaRPr b="0" lang="en-US" sz="4400" spc="-1" strike="noStrike">
               <a:latin typeface="Arial"/>
             </a:endParaRPr>
           </a:p>
@@ -2154,7 +2155,7 @@
             <a:normAutofit/>
           </a:bodyPr>
           <a:p>
-            <a:endParaRPr b="0" lang="nl-NL" sz="3200" spc="-1" strike="noStrike">
+            <a:endParaRPr b="0" lang="en-US" sz="3200" spc="-1" strike="noStrike">
               <a:latin typeface="Arial"/>
             </a:endParaRPr>
           </a:p>
@@ -2184,7 +2185,7 @@
             <a:normAutofit/>
           </a:bodyPr>
           <a:p>
-            <a:endParaRPr b="0" lang="nl-NL" sz="3200" spc="-1" strike="noStrike">
+            <a:endParaRPr b="0" lang="en-US" sz="3200" spc="-1" strike="noStrike">
               <a:latin typeface="Arial"/>
             </a:endParaRPr>
           </a:p>
@@ -2225,7 +2226,7 @@
         <p:spPr>
           <a:xfrm>
             <a:off x="503640" y="225720"/>
-            <a:ext cx="9068400" cy="946080"/>
+            <a:ext cx="9068040" cy="945720"/>
           </a:xfrm>
           <a:prstGeom prst="rect">
             <a:avLst/>
@@ -2237,7 +2238,7 @@
           </a:bodyPr>
           <a:p>
             <a:pPr algn="ctr"/>
-            <a:endParaRPr b="0" lang="nl-NL" sz="4400" spc="-1" strike="noStrike">
+            <a:endParaRPr b="0" lang="en-US" sz="4400" spc="-1" strike="noStrike">
               <a:latin typeface="Arial"/>
             </a:endParaRPr>
           </a:p>
@@ -2278,7 +2279,7 @@
         <p:spPr>
           <a:xfrm>
             <a:off x="503640" y="225720"/>
-            <a:ext cx="9068400" cy="4386600"/>
+            <a:ext cx="9068040" cy="4385160"/>
           </a:xfrm>
           <a:prstGeom prst="rect">
             <a:avLst/>
@@ -2290,7 +2291,7 @@
           </a:bodyPr>
           <a:p>
             <a:pPr algn="ctr"/>
-            <a:endParaRPr b="0" lang="nl-NL" sz="3200" spc="-1" strike="noStrike">
+            <a:endParaRPr b="0" lang="en-US" sz="3200" spc="-1" strike="noStrike">
               <a:latin typeface="Arial"/>
             </a:endParaRPr>
           </a:p>
@@ -2331,7 +2332,7 @@
         <p:spPr>
           <a:xfrm>
             <a:off x="503640" y="225720"/>
-            <a:ext cx="9068400" cy="946080"/>
+            <a:ext cx="9068040" cy="945720"/>
           </a:xfrm>
           <a:prstGeom prst="rect">
             <a:avLst/>
@@ -2343,7 +2344,7 @@
           </a:bodyPr>
           <a:p>
             <a:pPr algn="ctr"/>
-            <a:endParaRPr b="0" lang="nl-NL" sz="4400" spc="-1" strike="noStrike">
+            <a:endParaRPr b="0" lang="en-US" sz="4400" spc="-1" strike="noStrike">
               <a:latin typeface="Arial"/>
             </a:endParaRPr>
           </a:p>
@@ -2373,7 +2374,7 @@
             <a:normAutofit/>
           </a:bodyPr>
           <a:p>
-            <a:endParaRPr b="0" lang="nl-NL" sz="3200" spc="-1" strike="noStrike">
+            <a:endParaRPr b="0" lang="en-US" sz="3200" spc="-1" strike="noStrike">
               <a:latin typeface="Arial"/>
             </a:endParaRPr>
           </a:p>
@@ -2403,7 +2404,7 @@
             <a:normAutofit/>
           </a:bodyPr>
           <a:p>
-            <a:endParaRPr b="0" lang="nl-NL" sz="3200" spc="-1" strike="noStrike">
+            <a:endParaRPr b="0" lang="en-US" sz="3200" spc="-1" strike="noStrike">
               <a:latin typeface="Arial"/>
             </a:endParaRPr>
           </a:p>
@@ -2433,7 +2434,7 @@
             <a:normAutofit/>
           </a:bodyPr>
           <a:p>
-            <a:endParaRPr b="0" lang="nl-NL" sz="3200" spc="-1" strike="noStrike">
+            <a:endParaRPr b="0" lang="en-US" sz="3200" spc="-1" strike="noStrike">
               <a:latin typeface="Arial"/>
             </a:endParaRPr>
           </a:p>
@@ -2474,7 +2475,7 @@
         <p:spPr>
           <a:xfrm>
             <a:off x="503640" y="225720"/>
-            <a:ext cx="9068400" cy="946080"/>
+            <a:ext cx="9068040" cy="945720"/>
           </a:xfrm>
           <a:prstGeom prst="rect">
             <a:avLst/>
@@ -2486,7 +2487,7 @@
           </a:bodyPr>
           <a:p>
             <a:pPr algn="ctr"/>
-            <a:endParaRPr b="0" lang="nl-NL" sz="4400" spc="-1" strike="noStrike">
+            <a:endParaRPr b="0" lang="en-US" sz="4400" spc="-1" strike="noStrike">
               <a:latin typeface="Arial"/>
             </a:endParaRPr>
           </a:p>
@@ -2516,7 +2517,7 @@
             <a:normAutofit/>
           </a:bodyPr>
           <a:p>
-            <a:endParaRPr b="0" lang="nl-NL" sz="3200" spc="-1" strike="noStrike">
+            <a:endParaRPr b="0" lang="en-US" sz="3200" spc="-1" strike="noStrike">
               <a:latin typeface="Arial"/>
             </a:endParaRPr>
           </a:p>
@@ -2546,7 +2547,7 @@
             <a:normAutofit/>
           </a:bodyPr>
           <a:p>
-            <a:endParaRPr b="0" lang="nl-NL" sz="3200" spc="-1" strike="noStrike">
+            <a:endParaRPr b="0" lang="en-US" sz="3200" spc="-1" strike="noStrike">
               <a:latin typeface="Arial"/>
             </a:endParaRPr>
           </a:p>
@@ -2576,7 +2577,7 @@
             <a:normAutofit/>
           </a:bodyPr>
           <a:p>
-            <a:endParaRPr b="0" lang="nl-NL" sz="3200" spc="-1" strike="noStrike">
+            <a:endParaRPr b="0" lang="en-US" sz="3200" spc="-1" strike="noStrike">
               <a:latin typeface="Arial"/>
             </a:endParaRPr>
           </a:p>
@@ -2617,7 +2618,7 @@
         <p:spPr>
           <a:xfrm>
             <a:off x="503640" y="225720"/>
-            <a:ext cx="9068400" cy="946080"/>
+            <a:ext cx="9068040" cy="945720"/>
           </a:xfrm>
           <a:prstGeom prst="rect">
             <a:avLst/>
@@ -2629,7 +2630,7 @@
           </a:bodyPr>
           <a:p>
             <a:pPr algn="ctr"/>
-            <a:endParaRPr b="0" lang="nl-NL" sz="4400" spc="-1" strike="noStrike">
+            <a:endParaRPr b="0" lang="en-US" sz="4400" spc="-1" strike="noStrike">
               <a:latin typeface="Arial"/>
             </a:endParaRPr>
           </a:p>
@@ -2659,7 +2660,7 @@
             <a:normAutofit/>
           </a:bodyPr>
           <a:p>
-            <a:endParaRPr b="0" lang="nl-NL" sz="3200" spc="-1" strike="noStrike">
+            <a:endParaRPr b="0" lang="en-US" sz="3200" spc="-1" strike="noStrike">
               <a:latin typeface="Arial"/>
             </a:endParaRPr>
           </a:p>
@@ -2689,7 +2690,7 @@
             <a:normAutofit/>
           </a:bodyPr>
           <a:p>
-            <a:endParaRPr b="0" lang="nl-NL" sz="3200" spc="-1" strike="noStrike">
+            <a:endParaRPr b="0" lang="en-US" sz="3200" spc="-1" strike="noStrike">
               <a:latin typeface="Arial"/>
             </a:endParaRPr>
           </a:p>
@@ -2719,7 +2720,7 @@
             <a:normAutofit/>
           </a:bodyPr>
           <a:p>
-            <a:endParaRPr b="0" lang="nl-NL" sz="3200" spc="-1" strike="noStrike">
+            <a:endParaRPr b="0" lang="en-US" sz="3200" spc="-1" strike="noStrike">
               <a:latin typeface="Arial"/>
             </a:endParaRPr>
           </a:p>
@@ -2770,8 +2771,8 @@
         </p:nvSpPr>
         <p:spPr>
           <a:xfrm flipH="1">
-            <a:off x="1514880" y="3407760"/>
-            <a:ext cx="7044480" cy="738720"/>
+            <a:off x="1514160" y="3407760"/>
+            <a:ext cx="7044120" cy="738360"/>
           </a:xfrm>
           <a:prstGeom prst="rect">
             <a:avLst/>
@@ -2801,7 +2802,7 @@
         <p:spPr>
           <a:xfrm>
             <a:off x="0" y="-439920"/>
-            <a:ext cx="10076040" cy="4815000"/>
+            <a:ext cx="10075680" cy="4814640"/>
           </a:xfrm>
           <a:prstGeom prst="rect">
             <a:avLst/>
@@ -2824,7 +2825,7 @@
         <p:spPr>
           <a:xfrm>
             <a:off x="503640" y="225720"/>
-            <a:ext cx="9068400" cy="946080"/>
+            <a:ext cx="9068040" cy="945720"/>
           </a:xfrm>
           <a:prstGeom prst="rect">
             <a:avLst/>
@@ -2836,12 +2837,12 @@
           </a:bodyPr>
           <a:p>
             <a:r>
-              <a:rPr b="0" lang="nl-NL" sz="1800" spc="-1" strike="noStrike">
+              <a:rPr b="0" lang="en-US" sz="1800" spc="-1" strike="noStrike">
                 <a:latin typeface="Arial"/>
               </a:rPr>
               <a:t>Click to edit the title text format</a:t>
             </a:r>
-            <a:endParaRPr b="0" lang="nl-NL" sz="1800" spc="-1" strike="noStrike">
+            <a:endParaRPr b="0" lang="en-US" sz="1800" spc="-1" strike="noStrike">
               <a:latin typeface="Arial"/>
             </a:endParaRPr>
           </a:p>
@@ -2860,7 +2861,7 @@
         <p:spPr>
           <a:xfrm>
             <a:off x="503640" y="1326240"/>
-            <a:ext cx="9069120" cy="3287520"/>
+            <a:ext cx="9068760" cy="3287160"/>
           </a:xfrm>
           <a:prstGeom prst="rect">
             <a:avLst/>
@@ -2883,12 +2884,12 @@
               <a:buChar char=""/>
             </a:pPr>
             <a:r>
-              <a:rPr b="0" lang="nl-NL" sz="3200" spc="-1" strike="noStrike">
+              <a:rPr b="0" lang="en-US" sz="1800" spc="-1" strike="noStrike">
                 <a:latin typeface="Arial"/>
               </a:rPr>
               <a:t>Click to edit the outline text format</a:t>
             </a:r>
-            <a:endParaRPr b="0" lang="nl-NL" sz="3200" spc="-1" strike="noStrike">
+            <a:endParaRPr b="0" lang="en-US" sz="1800" spc="-1" strike="noStrike">
               <a:latin typeface="Arial"/>
             </a:endParaRPr>
           </a:p>
@@ -2905,12 +2906,12 @@
               <a:buChar char=""/>
             </a:pPr>
             <a:r>
-              <a:rPr b="0" lang="nl-NL" sz="2800" spc="-1" strike="noStrike">
+              <a:rPr b="0" lang="en-US" sz="1800" spc="-1" strike="noStrike">
                 <a:latin typeface="Arial"/>
               </a:rPr>
               <a:t>Second Outline Level</a:t>
             </a:r>
-            <a:endParaRPr b="0" lang="nl-NL" sz="2800" spc="-1" strike="noStrike">
+            <a:endParaRPr b="0" lang="en-US" sz="1800" spc="-1" strike="noStrike">
               <a:latin typeface="Arial"/>
             </a:endParaRPr>
           </a:p>
@@ -2927,12 +2928,12 @@
               <a:buChar char=""/>
             </a:pPr>
             <a:r>
-              <a:rPr b="0" lang="nl-NL" sz="2400" spc="-1" strike="noStrike">
+              <a:rPr b="0" lang="en-US" sz="1800" spc="-1" strike="noStrike">
                 <a:latin typeface="Arial"/>
               </a:rPr>
               <a:t>Third Outline Level</a:t>
             </a:r>
-            <a:endParaRPr b="0" lang="nl-NL" sz="2400" spc="-1" strike="noStrike">
+            <a:endParaRPr b="0" lang="en-US" sz="1800" spc="-1" strike="noStrike">
               <a:latin typeface="Arial"/>
             </a:endParaRPr>
           </a:p>
@@ -2949,12 +2950,12 @@
               <a:buChar char=""/>
             </a:pPr>
             <a:r>
-              <a:rPr b="0" lang="nl-NL" sz="2000" spc="-1" strike="noStrike">
+              <a:rPr b="0" lang="en-US" sz="1800" spc="-1" strike="noStrike">
                 <a:latin typeface="Arial"/>
               </a:rPr>
               <a:t>Fourth Outline Level</a:t>
             </a:r>
-            <a:endParaRPr b="0" lang="nl-NL" sz="2000" spc="-1" strike="noStrike">
+            <a:endParaRPr b="0" lang="en-US" sz="1800" spc="-1" strike="noStrike">
               <a:latin typeface="Arial"/>
             </a:endParaRPr>
           </a:p>
@@ -2971,12 +2972,12 @@
               <a:buChar char=""/>
             </a:pPr>
             <a:r>
-              <a:rPr b="0" lang="nl-NL" sz="2000" spc="-1" strike="noStrike">
+              <a:rPr b="0" lang="en-US" sz="1800" spc="-1" strike="noStrike">
                 <a:latin typeface="Arial"/>
               </a:rPr>
               <a:t>Fifth Outline Level</a:t>
             </a:r>
-            <a:endParaRPr b="0" lang="nl-NL" sz="2000" spc="-1" strike="noStrike">
+            <a:endParaRPr b="0" lang="en-US" sz="1800" spc="-1" strike="noStrike">
               <a:latin typeface="Arial"/>
             </a:endParaRPr>
           </a:p>
@@ -2993,12 +2994,12 @@
               <a:buChar char=""/>
             </a:pPr>
             <a:r>
-              <a:rPr b="0" lang="nl-NL" sz="2000" spc="-1" strike="noStrike">
+              <a:rPr b="0" lang="en-US" sz="1800" spc="-1" strike="noStrike">
                 <a:latin typeface="Arial"/>
               </a:rPr>
               <a:t>Sixth Outline Level</a:t>
             </a:r>
-            <a:endParaRPr b="0" lang="nl-NL" sz="2000" spc="-1" strike="noStrike">
+            <a:endParaRPr b="0" lang="en-US" sz="1800" spc="-1" strike="noStrike">
               <a:latin typeface="Arial"/>
             </a:endParaRPr>
           </a:p>
@@ -3015,12 +3016,12 @@
               <a:buChar char=""/>
             </a:pPr>
             <a:r>
-              <a:rPr b="0" lang="nl-NL" sz="2000" spc="-1" strike="noStrike">
+              <a:rPr b="0" lang="en-US" sz="1800" spc="-1" strike="noStrike">
                 <a:latin typeface="Arial"/>
               </a:rPr>
               <a:t>Seventh Outline Level</a:t>
             </a:r>
-            <a:endParaRPr b="0" lang="nl-NL" sz="2000" spc="-1" strike="noStrike">
+            <a:endParaRPr b="0" lang="en-US" sz="1800" spc="-1" strike="noStrike">
               <a:latin typeface="Arial"/>
             </a:endParaRPr>
           </a:p>
@@ -3076,7 +3077,7 @@
         <p:spPr>
           <a:xfrm>
             <a:off x="503640" y="225720"/>
-            <a:ext cx="9068400" cy="946080"/>
+            <a:ext cx="9068040" cy="945720"/>
           </a:xfrm>
           <a:prstGeom prst="rect">
             <a:avLst/>
@@ -3088,12 +3089,12 @@
           </a:bodyPr>
           <a:p>
             <a:r>
-              <a:rPr b="0" lang="nl-NL" sz="1800" spc="-1" strike="noStrike">
+              <a:rPr b="0" lang="en-US" sz="1800" spc="-1" strike="noStrike">
                 <a:latin typeface="Arial"/>
               </a:rPr>
               <a:t>Click to edit the title text format</a:t>
             </a:r>
-            <a:endParaRPr b="0" lang="nl-NL" sz="1800" spc="-1" strike="noStrike">
+            <a:endParaRPr b="0" lang="en-US" sz="1800" spc="-1" strike="noStrike">
               <a:latin typeface="Arial"/>
             </a:endParaRPr>
           </a:p>
@@ -3135,12 +3136,12 @@
               <a:buChar char=""/>
             </a:pPr>
             <a:r>
-              <a:rPr b="0" lang="nl-NL" sz="3200" spc="-1" strike="noStrike">
+              <a:rPr b="0" lang="en-US" sz="3200" spc="-1" strike="noStrike">
                 <a:latin typeface="Arial"/>
               </a:rPr>
               <a:t>Click to edit the outline text format</a:t>
             </a:r>
-            <a:endParaRPr b="0" lang="nl-NL" sz="3200" spc="-1" strike="noStrike">
+            <a:endParaRPr b="0" lang="en-US" sz="3200" spc="-1" strike="noStrike">
               <a:latin typeface="Arial"/>
             </a:endParaRPr>
           </a:p>
@@ -3157,12 +3158,12 @@
               <a:buChar char=""/>
             </a:pPr>
             <a:r>
-              <a:rPr b="0" lang="nl-NL" sz="2800" spc="-1" strike="noStrike">
+              <a:rPr b="0" lang="en-US" sz="2800" spc="-1" strike="noStrike">
                 <a:latin typeface="Arial"/>
               </a:rPr>
               <a:t>Second Outline Level</a:t>
             </a:r>
-            <a:endParaRPr b="0" lang="nl-NL" sz="2800" spc="-1" strike="noStrike">
+            <a:endParaRPr b="0" lang="en-US" sz="2800" spc="-1" strike="noStrike">
               <a:latin typeface="Arial"/>
             </a:endParaRPr>
           </a:p>
@@ -3179,12 +3180,12 @@
               <a:buChar char=""/>
             </a:pPr>
             <a:r>
-              <a:rPr b="0" lang="nl-NL" sz="2400" spc="-1" strike="noStrike">
+              <a:rPr b="0" lang="en-US" sz="2400" spc="-1" strike="noStrike">
                 <a:latin typeface="Arial"/>
               </a:rPr>
               <a:t>Third Outline Level</a:t>
             </a:r>
-            <a:endParaRPr b="0" lang="nl-NL" sz="2400" spc="-1" strike="noStrike">
+            <a:endParaRPr b="0" lang="en-US" sz="2400" spc="-1" strike="noStrike">
               <a:latin typeface="Arial"/>
             </a:endParaRPr>
           </a:p>
@@ -3201,12 +3202,12 @@
               <a:buChar char=""/>
             </a:pPr>
             <a:r>
-              <a:rPr b="0" lang="nl-NL" sz="2000" spc="-1" strike="noStrike">
+              <a:rPr b="0" lang="en-US" sz="2000" spc="-1" strike="noStrike">
                 <a:latin typeface="Arial"/>
               </a:rPr>
               <a:t>Fourth Outline Level</a:t>
             </a:r>
-            <a:endParaRPr b="0" lang="nl-NL" sz="2000" spc="-1" strike="noStrike">
+            <a:endParaRPr b="0" lang="en-US" sz="2000" spc="-1" strike="noStrike">
               <a:latin typeface="Arial"/>
             </a:endParaRPr>
           </a:p>
@@ -3223,12 +3224,12 @@
               <a:buChar char=""/>
             </a:pPr>
             <a:r>
-              <a:rPr b="0" lang="nl-NL" sz="2000" spc="-1" strike="noStrike">
+              <a:rPr b="0" lang="en-US" sz="2000" spc="-1" strike="noStrike">
                 <a:latin typeface="Arial"/>
               </a:rPr>
               <a:t>Fifth Outline Level</a:t>
             </a:r>
-            <a:endParaRPr b="0" lang="nl-NL" sz="2000" spc="-1" strike="noStrike">
+            <a:endParaRPr b="0" lang="en-US" sz="2000" spc="-1" strike="noStrike">
               <a:latin typeface="Arial"/>
             </a:endParaRPr>
           </a:p>
@@ -3245,12 +3246,12 @@
               <a:buChar char=""/>
             </a:pPr>
             <a:r>
-              <a:rPr b="0" lang="nl-NL" sz="2000" spc="-1" strike="noStrike">
+              <a:rPr b="0" lang="en-US" sz="2000" spc="-1" strike="noStrike">
                 <a:latin typeface="Arial"/>
               </a:rPr>
               <a:t>Sixth Outline Level</a:t>
             </a:r>
-            <a:endParaRPr b="0" lang="nl-NL" sz="2000" spc="-1" strike="noStrike">
+            <a:endParaRPr b="0" lang="en-US" sz="2000" spc="-1" strike="noStrike">
               <a:latin typeface="Arial"/>
             </a:endParaRPr>
           </a:p>
@@ -3267,12 +3268,12 @@
               <a:buChar char=""/>
             </a:pPr>
             <a:r>
-              <a:rPr b="0" lang="nl-NL" sz="2000" spc="-1" strike="noStrike">
+              <a:rPr b="0" lang="en-US" sz="2000" spc="-1" strike="noStrike">
                 <a:latin typeface="Arial"/>
               </a:rPr>
               <a:t>Seventh Outline Level</a:t>
             </a:r>
-            <a:endParaRPr b="0" lang="nl-NL" sz="2000" spc="-1" strike="noStrike">
+            <a:endParaRPr b="0" lang="en-US" sz="2000" spc="-1" strike="noStrike">
               <a:latin typeface="Arial"/>
             </a:endParaRPr>
           </a:p>
@@ -3324,7 +3325,7 @@
         <p:spPr>
           <a:xfrm>
             <a:off x="503640" y="3231720"/>
-            <a:ext cx="9068400" cy="562320"/>
+            <a:ext cx="9068040" cy="561960"/>
           </a:xfrm>
           <a:prstGeom prst="rect">
             <a:avLst/>
@@ -3363,7 +3364,7 @@
               </a:rPr>
               <a:t>Eindproject Groep 5</a:t>
             </a:r>
-            <a:endParaRPr b="0" lang="nl-NL" sz="6000" spc="-1" strike="noStrike">
+            <a:endParaRPr b="0" lang="en-US" sz="6000" spc="-1" strike="noStrike">
               <a:latin typeface="Arial"/>
             </a:endParaRPr>
           </a:p>
@@ -3378,7 +3379,7 @@
         <p:spPr>
           <a:xfrm>
             <a:off x="457200" y="4568760"/>
-            <a:ext cx="9068400" cy="460080"/>
+            <a:ext cx="9068040" cy="459720"/>
           </a:xfrm>
           <a:prstGeom prst="rect">
             <a:avLst/>
@@ -3417,7 +3418,7 @@
               </a:rPr>
               <a:t>Groepslid1, groepslid 2</a:t>
             </a:r>
-            <a:endParaRPr b="0" lang="nl-NL" sz="1400" spc="-1" strike="noStrike">
+            <a:endParaRPr b="0" lang="en-US" sz="1400" spc="-1" strike="noStrike">
               <a:latin typeface="Arial"/>
             </a:endParaRPr>
           </a:p>
@@ -3605,7 +3606,7 @@
         <p:spPr>
           <a:xfrm>
             <a:off x="503640" y="-360"/>
-            <a:ext cx="9068400" cy="1399320"/>
+            <a:ext cx="9068040" cy="1398960"/>
           </a:xfrm>
           <a:prstGeom prst="rect">
             <a:avLst/>
@@ -3637,6 +3638,7 @@
                   <a:srgbClr val="ffffd7"/>
                 </a:solidFill>
                 <a:latin typeface="Chandas"/>
+                <a:ea typeface="DejaVu Sans"/>
               </a:rPr>
               <a:t>Probleem</a:t>
             </a:r>
@@ -3646,10 +3648,11 @@
                   <a:srgbClr val="000000"/>
                 </a:solidFill>
                 <a:latin typeface="Arial"/>
+                <a:ea typeface="DejaVu Sans"/>
               </a:rPr>
               <a:t> </a:t>
             </a:r>
-            <a:endParaRPr b="0" lang="nl-NL" sz="1800" spc="-1" strike="noStrike">
+            <a:endParaRPr b="0" lang="en-US" sz="1800" spc="-1" strike="noStrike">
               <a:latin typeface="Arial"/>
             </a:endParaRPr>
           </a:p>
@@ -3664,7 +3667,7 @@
         <p:spPr>
           <a:xfrm>
             <a:off x="144000" y="1080000"/>
-            <a:ext cx="4536000" cy="2098800"/>
+            <a:ext cx="4535640" cy="2098440"/>
           </a:xfrm>
           <a:prstGeom prst="rect">
             <a:avLst/>
@@ -3689,7 +3692,7 @@
             <a:normAutofit fontScale="45000"/>
           </a:bodyPr>
           <a:p>
-            <a:pPr marL="432000" indent="-323640">
+            <a:pPr marL="432000" indent="-323280">
               <a:lnSpc>
                 <a:spcPct val="100000"/>
               </a:lnSpc>
@@ -3712,10 +3715,11 @@
                   <a:srgbClr val="ffbf00"/>
                 </a:solidFill>
                 <a:latin typeface="Chandas"/>
+                <a:ea typeface="DejaVu Sans"/>
               </a:rPr>
               <a:t>Radio communcatie tussen microbits wordt door iedereen op hetzelfde kanaal ontvangen. Dat is niet altijd wenselijk.</a:t>
             </a:r>
-            <a:endParaRPr b="0" lang="nl-NL" sz="2200" spc="-1" strike="noStrike">
+            <a:endParaRPr b="0" lang="en-US" sz="2200" spc="-1" strike="noStrike">
               <a:latin typeface="Arial"/>
             </a:endParaRPr>
           </a:p>
@@ -3730,7 +3734,7 @@
         <p:spPr>
           <a:xfrm>
             <a:off x="6192000" y="2676960"/>
-            <a:ext cx="8712360" cy="1399320"/>
+            <a:ext cx="8712000" cy="1398960"/>
           </a:xfrm>
           <a:prstGeom prst="rect">
             <a:avLst/>
@@ -3762,6 +3766,7 @@
                   <a:srgbClr val="ffffd7"/>
                 </a:solidFill>
                 <a:latin typeface="Chandas"/>
+                <a:ea typeface="DejaVu Sans"/>
               </a:rPr>
               <a:t>Oplossing:</a:t>
             </a:r>
@@ -3771,10 +3776,11 @@
                   <a:srgbClr val="000000"/>
                 </a:solidFill>
                 <a:latin typeface="Arial"/>
+                <a:ea typeface="DejaVu Sans"/>
               </a:rPr>
               <a:t> </a:t>
             </a:r>
-            <a:endParaRPr b="0" lang="nl-NL" sz="1800" spc="-1" strike="noStrike">
+            <a:endParaRPr b="0" lang="en-US" sz="1800" spc="-1" strike="noStrike">
               <a:latin typeface="Arial"/>
             </a:endParaRPr>
           </a:p>
@@ -3793,7 +3799,7 @@
         <p:spPr>
           <a:xfrm>
             <a:off x="864000" y="3528000"/>
-            <a:ext cx="2789280" cy="1635840"/>
+            <a:ext cx="2788920" cy="1635480"/>
           </a:xfrm>
           <a:prstGeom prst="rect">
             <a:avLst/>
@@ -3812,7 +3818,7 @@
         <p:spPr>
           <a:xfrm>
             <a:off x="5616000" y="3816000"/>
-            <a:ext cx="4205880" cy="1188360"/>
+            <a:ext cx="4205520" cy="1188000"/>
           </a:xfrm>
           <a:prstGeom prst="rect">
             <a:avLst/>
@@ -3837,7 +3843,7 @@
             <a:normAutofit fontScale="27000"/>
           </a:bodyPr>
           <a:p>
-            <a:pPr marL="432000" indent="-323640">
+            <a:pPr marL="432000" indent="-323280">
               <a:lnSpc>
                 <a:spcPct val="100000"/>
               </a:lnSpc>
@@ -3860,10 +3866,11 @@
                   <a:srgbClr val="ffbf00"/>
                 </a:solidFill>
                 <a:latin typeface="Chandas"/>
+                <a:ea typeface="DejaVu Sans"/>
               </a:rPr>
               <a:t>Gebruik versleuteling met een geheime code die alleen bij zender / ontvanger bekend is.</a:t>
             </a:r>
-            <a:endParaRPr b="0" lang="nl-NL" sz="2200" spc="-1" strike="noStrike">
+            <a:endParaRPr b="0" lang="en-US" sz="2200" spc="-1" strike="noStrike">
               <a:latin typeface="Arial"/>
             </a:endParaRPr>
           </a:p>
@@ -3882,7 +3889,7 @@
         <p:spPr>
           <a:xfrm>
             <a:off x="5759640" y="720000"/>
-            <a:ext cx="3744360" cy="1872000"/>
+            <a:ext cx="3744000" cy="1871640"/>
           </a:xfrm>
           <a:prstGeom prst="rect">
             <a:avLst/>
@@ -3969,7 +3976,7 @@
         <p:spPr>
           <a:xfrm>
             <a:off x="503640" y="-360"/>
-            <a:ext cx="9068400" cy="1399320"/>
+            <a:ext cx="9068040" cy="1398960"/>
           </a:xfrm>
           <a:prstGeom prst="rect">
             <a:avLst/>
@@ -4001,6 +4008,7 @@
                   <a:srgbClr val="ffffd7"/>
                 </a:solidFill>
                 <a:latin typeface="Chandas"/>
+                <a:ea typeface="DejaVu Sans"/>
               </a:rPr>
               <a:t>D</a:t>
             </a:r>
@@ -4010,6 +4018,7 @@
                   <a:srgbClr val="ffffd7"/>
                 </a:solidFill>
                 <a:latin typeface="Chandas"/>
+                <a:ea typeface="DejaVu Sans"/>
               </a:rPr>
               <a:t>e</a:t>
             </a:r>
@@ -4019,6 +4028,7 @@
                   <a:srgbClr val="ffffd7"/>
                 </a:solidFill>
                 <a:latin typeface="Chandas"/>
+                <a:ea typeface="DejaVu Sans"/>
               </a:rPr>
               <a:t> </a:t>
             </a:r>
@@ -4028,8 +4038,9 @@
                   <a:srgbClr val="ffffd7"/>
                 </a:solidFill>
                 <a:latin typeface="Chandas"/>
-              </a:rPr>
-              <a:t>o</a:t>
+                <a:ea typeface="DejaVu Sans"/>
+              </a:rPr>
+              <a:t>a</a:t>
             </a:r>
             <a:r>
               <a:rPr b="1" lang="en-US" sz="4400" spc="-1" strike="noStrike">
@@ -4037,8 +4048,9 @@
                   <a:srgbClr val="ffffd7"/>
                 </a:solidFill>
                 <a:latin typeface="Chandas"/>
-              </a:rPr>
-              <a:t>p</a:t>
+                <a:ea typeface="DejaVu Sans"/>
+              </a:rPr>
+              <a:t>f</a:t>
             </a:r>
             <a:r>
               <a:rPr b="1" lang="en-US" sz="4400" spc="-1" strike="noStrike">
@@ -4046,8 +4058,9 @@
                   <a:srgbClr val="ffffd7"/>
                 </a:solidFill>
                 <a:latin typeface="Chandas"/>
-              </a:rPr>
-              <a:t>z</a:t>
+                <a:ea typeface="DejaVu Sans"/>
+              </a:rPr>
+              <a:t>l</a:t>
             </a:r>
             <a:r>
               <a:rPr b="1" lang="en-US" sz="4400" spc="-1" strike="noStrike">
@@ -4055,8 +4068,9 @@
                   <a:srgbClr val="ffffd7"/>
                 </a:solidFill>
                 <a:latin typeface="Chandas"/>
-              </a:rPr>
-              <a:t>e</a:t>
+                <a:ea typeface="DejaVu Sans"/>
+              </a:rPr>
+              <a:t>u</a:t>
             </a:r>
             <a:r>
               <a:rPr b="1" lang="en-US" sz="4400" spc="-1" strike="noStrike">
@@ -4064,10 +4078,121 @@
                   <a:srgbClr val="ffffd7"/>
                 </a:solidFill>
                 <a:latin typeface="Chandas"/>
+                <a:ea typeface="DejaVu Sans"/>
+              </a:rPr>
+              <a:t>i</a:t>
+            </a:r>
+            <a:r>
+              <a:rPr b="1" lang="en-US" sz="4400" spc="-1" strike="noStrike">
+                <a:solidFill>
+                  <a:srgbClr val="ffffd7"/>
+                </a:solidFill>
+                <a:latin typeface="Chandas"/>
+                <a:ea typeface="DejaVu Sans"/>
+              </a:rPr>
+              <a:t>s</a:t>
+            </a:r>
+            <a:r>
+              <a:rPr b="1" lang="en-US" sz="4400" spc="-1" strike="noStrike">
+                <a:solidFill>
+                  <a:srgbClr val="ffffd7"/>
+                </a:solidFill>
+                <a:latin typeface="Chandas"/>
+                <a:ea typeface="DejaVu Sans"/>
               </a:rPr>
               <a:t>t</a:t>
             </a:r>
-            <a:endParaRPr b="0" lang="nl-NL" sz="4400" spc="-1" strike="noStrike">
+            <a:r>
+              <a:rPr b="1" lang="en-US" sz="4400" spc="-1" strike="noStrike">
+                <a:solidFill>
+                  <a:srgbClr val="ffffd7"/>
+                </a:solidFill>
+                <a:latin typeface="Chandas"/>
+                <a:ea typeface="DejaVu Sans"/>
+              </a:rPr>
+              <a:t>e</a:t>
+            </a:r>
+            <a:r>
+              <a:rPr b="1" lang="en-US" sz="4400" spc="-1" strike="noStrike">
+                <a:solidFill>
+                  <a:srgbClr val="ffffd7"/>
+                </a:solidFill>
+                <a:latin typeface="Chandas"/>
+                <a:ea typeface="DejaVu Sans"/>
+              </a:rPr>
+              <a:t>r</a:t>
+            </a:r>
+            <a:r>
+              <a:rPr b="1" lang="en-US" sz="4400" spc="-1" strike="noStrike">
+                <a:solidFill>
+                  <a:srgbClr val="ffffd7"/>
+                </a:solidFill>
+                <a:latin typeface="Chandas"/>
+                <a:ea typeface="DejaVu Sans"/>
+              </a:rPr>
+              <a:t> </a:t>
+            </a:r>
+            <a:r>
+              <a:rPr b="1" lang="en-US" sz="4400" spc="-1" strike="noStrike">
+                <a:solidFill>
+                  <a:srgbClr val="ffffd7"/>
+                </a:solidFill>
+                <a:latin typeface="Chandas"/>
+                <a:ea typeface="DejaVu Sans"/>
+              </a:rPr>
+              <a:t>m</a:t>
+            </a:r>
+            <a:r>
+              <a:rPr b="1" lang="en-US" sz="4400" spc="-1" strike="noStrike">
+                <a:solidFill>
+                  <a:srgbClr val="ffffd7"/>
+                </a:solidFill>
+                <a:latin typeface="Chandas"/>
+                <a:ea typeface="DejaVu Sans"/>
+              </a:rPr>
+              <a:t>o</a:t>
+            </a:r>
+            <a:r>
+              <a:rPr b="1" lang="en-US" sz="4400" spc="-1" strike="noStrike">
+                <a:solidFill>
+                  <a:srgbClr val="ffffd7"/>
+                </a:solidFill>
+                <a:latin typeface="Chandas"/>
+                <a:ea typeface="DejaVu Sans"/>
+              </a:rPr>
+              <a:t>d</a:t>
+            </a:r>
+            <a:r>
+              <a:rPr b="1" lang="en-US" sz="4400" spc="-1" strike="noStrike">
+                <a:solidFill>
+                  <a:srgbClr val="ffffd7"/>
+                </a:solidFill>
+                <a:latin typeface="Chandas"/>
+                <a:ea typeface="DejaVu Sans"/>
+              </a:rPr>
+              <a:t>u</a:t>
+            </a:r>
+            <a:r>
+              <a:rPr b="1" lang="en-US" sz="4400" spc="-1" strike="noStrike">
+                <a:solidFill>
+                  <a:srgbClr val="ffffd7"/>
+                </a:solidFill>
+                <a:latin typeface="Chandas"/>
+                <a:ea typeface="DejaVu Sans"/>
+              </a:rPr>
+              <a:t>l</a:t>
+            </a:r>
+            <a:r>
+              <a:rPr b="1" lang="en-US" sz="4400" spc="-1" strike="noStrike">
+                <a:solidFill>
+                  <a:srgbClr val="ffffd7"/>
+                </a:solidFill>
+                <a:latin typeface="Chandas"/>
+                <a:ea typeface="DejaVu Sans"/>
+              </a:rPr>
+              <a:t>e</a:t>
+            </a:r>
+            <a:endParaRPr b="0" lang="en-US" sz="4400" spc="-1" strike="noStrike">
               <a:latin typeface="Arial"/>
             </a:endParaRPr>
           </a:p>
@@ -4082,7 +4207,7 @@
         <p:spPr>
           <a:xfrm>
             <a:off x="6192000" y="2676960"/>
-            <a:ext cx="8712360" cy="1399320"/>
+            <a:ext cx="8712000" cy="1398960"/>
           </a:xfrm>
           <a:prstGeom prst="rect">
             <a:avLst/>
@@ -4112,8 +4237,8 @@
         </p:blipFill>
         <p:spPr>
           <a:xfrm>
-            <a:off x="503640" y="1219320"/>
-            <a:ext cx="2016000" cy="1588680"/>
+            <a:off x="395640" y="1651320"/>
+            <a:ext cx="2015640" cy="1588320"/>
           </a:xfrm>
           <a:prstGeom prst="rect">
             <a:avLst/>
@@ -4131,8 +4256,8 @@
         </p:nvSpPr>
         <p:spPr>
           <a:xfrm>
-            <a:off x="4464000" y="1800360"/>
-            <a:ext cx="4608000" cy="648000"/>
+            <a:off x="3366720" y="1254960"/>
+            <a:ext cx="3399840" cy="647640"/>
           </a:xfrm>
           <a:prstGeom prst="rect">
             <a:avLst/>
@@ -4157,41 +4282,113 @@
             <a:noAutofit/>
           </a:bodyPr>
           <a:p>
-            <a:pPr algn="ctr"/>
-            <a:r>
-              <a:rPr b="0" lang="nl-NL" sz="1800" spc="-1" strike="noStrike">
+            <a:pPr algn="ctr">
+              <a:lnSpc>
+                <a:spcPct val="100000"/>
+              </a:lnSpc>
+            </a:pPr>
+            <a:r>
+              <a:rPr b="0" lang="nl-NL" sz="1500" spc="-1" strike="noStrike">
+                <a:solidFill>
+                  <a:srgbClr val="000000"/>
+                </a:solidFill>
                 <a:latin typeface="Arial"/>
-              </a:rPr>
-              <a:t>bericht  = “Welcome to Eden”</a:t>
-            </a:r>
-            <a:endParaRPr b="0" lang="nl-NL" sz="1800" spc="-1" strike="noStrike">
-              <a:latin typeface="Arial"/>
-            </a:endParaRPr>
-          </a:p>
-          <a:p>
-            <a:pPr algn="ctr"/>
-            <a:r>
-              <a:rPr b="0" lang="nl-NL" sz="1800" spc="-1" strike="noStrike">
+                <a:ea typeface="DejaVu Sans"/>
+              </a:rPr>
+              <a:t>Bericht = ontvangen_radiotekst</a:t>
+            </a:r>
+            <a:endParaRPr b="0" lang="en-US" sz="1500" spc="-1" strike="noStrike">
+              <a:latin typeface="Arial"/>
+            </a:endParaRPr>
+          </a:p>
+          <a:p>
+            <a:pPr algn="ctr">
+              <a:lnSpc>
+                <a:spcPct val="100000"/>
+              </a:lnSpc>
+            </a:pPr>
+            <a:r>
+              <a:rPr b="0" lang="nl-NL" sz="1500" spc="-1" strike="noStrike">
+                <a:solidFill>
+                  <a:srgbClr val="000000"/>
+                </a:solidFill>
                 <a:latin typeface="Arial"/>
-              </a:rPr>
-              <a:t>Verstuur ( versleutel(bericht))</a:t>
-            </a:r>
-            <a:endParaRPr b="0" lang="nl-NL" sz="1800" spc="-1" strike="noStrike">
-              <a:latin typeface="Arial"/>
-            </a:endParaRPr>
-          </a:p>
-        </p:txBody>
-      </p:sp>
-      <p:sp>
-        <p:nvSpPr>
-          <p:cNvPr id="91" name="CustomShape 4"/>
+                <a:ea typeface="DejaVu Sans"/>
+              </a:rPr>
+              <a:t>toon (bericht)</a:t>
+            </a:r>
+            <a:endParaRPr b="0" lang="en-US" sz="1500" spc="-1" strike="noStrike">
+              <a:latin typeface="Arial"/>
+            </a:endParaRPr>
+          </a:p>
+        </p:txBody>
+      </p:sp>
+      <p:sp>
+        <p:nvSpPr>
+          <p:cNvPr id="91" name="Line 4"/>
           <p:cNvSpPr/>
           <p:nvPr/>
         </p:nvSpPr>
         <p:spPr>
           <a:xfrm>
-            <a:off x="4464000" y="792000"/>
-            <a:ext cx="4608000" cy="648000"/>
+            <a:off x="0" y="0"/>
+            <a:ext cx="360" cy="360"/>
+          </a:xfrm>
+          <a:prstGeom prst="line">
+            <a:avLst/>
+          </a:prstGeom>
+          <a:ln w="72000">
+            <a:solidFill>
+              <a:srgbClr val="f6f9d4"/>
+            </a:solidFill>
+            <a:round/>
+          </a:ln>
+        </p:spPr>
+        <p:style>
+          <a:lnRef idx="0"/>
+          <a:fillRef idx="0"/>
+          <a:effectRef idx="0"/>
+          <a:fontRef idx="minor"/>
+        </p:style>
+      </p:sp>
+      <p:sp>
+        <p:nvSpPr>
+          <p:cNvPr id="92" name="Line 5"/>
+          <p:cNvSpPr/>
+          <p:nvPr/>
+        </p:nvSpPr>
+        <p:spPr>
+          <a:xfrm flipV="1">
+            <a:off x="1908000" y="1620720"/>
+            <a:ext cx="1458720" cy="323280"/>
+          </a:xfrm>
+          <a:prstGeom prst="line">
+            <a:avLst/>
+          </a:prstGeom>
+          <a:ln w="72000">
+            <a:solidFill>
+              <a:srgbClr val="f6f9d4"/>
+            </a:solidFill>
+            <a:round/>
+          </a:ln>
+        </p:spPr>
+        <p:style>
+          <a:lnRef idx="0"/>
+          <a:fillRef idx="0"/>
+          <a:effectRef idx="0"/>
+          <a:fontRef idx="minor"/>
+        </p:style>
+      </p:sp>
+      <p:sp>
+        <p:nvSpPr>
+          <p:cNvPr id="93" name="CustomShape 6"/>
+          <p:cNvSpPr/>
+          <p:nvPr/>
+        </p:nvSpPr>
+        <p:spPr>
+          <a:xfrm>
+            <a:off x="6858000" y="3749040"/>
+            <a:ext cx="3017520" cy="1645920"/>
           </a:xfrm>
           <a:prstGeom prst="rect">
             <a:avLst/>
@@ -4218,240 +4415,28 @@
           <a:p>
             <a:pPr algn="ctr"/>
             <a:r>
-              <a:rPr b="0" lang="nl-NL" sz="1800" spc="-1" strike="noStrike">
+              <a:rPr b="0" lang="en-US" sz="1800" spc="-1" strike="noStrike">
                 <a:latin typeface="Arial"/>
               </a:rPr>
-              <a:t>Bericht = ontvangen_radiotekst</a:t>
-            </a:r>
-            <a:endParaRPr b="0" lang="nl-NL" sz="1800" spc="-1" strike="noStrike">
+              <a:t>De afluister module toont </a:t>
+            </a:r>
+            <a:endParaRPr b="0" lang="en-US" sz="1800" spc="-1" strike="noStrike">
               <a:latin typeface="Arial"/>
             </a:endParaRPr>
           </a:p>
           <a:p>
             <a:pPr algn="ctr"/>
             <a:r>
-              <a:rPr b="0" lang="nl-NL" sz="1800" spc="-1" strike="noStrike">
+              <a:rPr b="0" lang="en-US" sz="1800" spc="-1" strike="noStrike">
                 <a:latin typeface="Arial"/>
               </a:rPr>
-              <a:t>toon ( ontsleutel(bericht))</a:t>
-            </a:r>
-            <a:endParaRPr b="0" lang="nl-NL" sz="1800" spc="-1" strike="noStrike">
-              <a:latin typeface="Arial"/>
-            </a:endParaRPr>
-          </a:p>
-        </p:txBody>
-      </p:sp>
-      <p:sp>
-        <p:nvSpPr>
-          <p:cNvPr id="92" name="CustomShape 5"/>
-          <p:cNvSpPr/>
-          <p:nvPr/>
-        </p:nvSpPr>
-        <p:spPr>
-          <a:xfrm>
-            <a:off x="4464000" y="2808360"/>
-            <a:ext cx="4608000" cy="648000"/>
-          </a:xfrm>
-          <a:prstGeom prst="rect">
-            <a:avLst/>
-          </a:prstGeom>
-          <a:solidFill>
-            <a:srgbClr val="729fcf"/>
-          </a:solidFill>
-          <a:ln>
-            <a:solidFill>
-              <a:srgbClr val="3465a4"/>
-            </a:solidFill>
-          </a:ln>
-        </p:spPr>
-        <p:style>
-          <a:lnRef idx="0"/>
-          <a:fillRef idx="0"/>
-          <a:effectRef idx="0"/>
-          <a:fontRef idx="minor"/>
-        </p:style>
-        <p:txBody>
-          <a:bodyPr wrap="none" lIns="90000" rIns="90000" tIns="45000" bIns="45000" anchor="ctr">
-            <a:noAutofit/>
-          </a:bodyPr>
-          <a:p>
-            <a:pPr algn="ctr">
-              <a:lnSpc>
-                <a:spcPct val="100000"/>
-              </a:lnSpc>
-            </a:pPr>
-            <a:r>
-              <a:rPr b="0" lang="nl-NL" sz="1800" spc="-1" strike="noStrike">
-                <a:latin typeface="Arial"/>
-              </a:rPr>
-              <a:t>Functie versleutel(letter_reeks)</a:t>
-            </a:r>
-            <a:endParaRPr b="0" lang="nl-NL" sz="1800" spc="-1" strike="noStrike">
-              <a:latin typeface="Arial"/>
-            </a:endParaRPr>
-          </a:p>
-          <a:p>
-            <a:pPr algn="ctr">
-              <a:lnSpc>
-                <a:spcPct val="100000"/>
-              </a:lnSpc>
-            </a:pPr>
-            <a:r>
-              <a:rPr b="0" lang="nl-NL" sz="1800" spc="-1" strike="noStrike">
-                <a:latin typeface="Arial"/>
-              </a:rPr>
-              <a:t>Verander elke letter met X</a:t>
-            </a:r>
-            <a:endParaRPr b="0" lang="nl-NL" sz="1800" spc="-1" strike="noStrike">
-              <a:latin typeface="Arial"/>
-            </a:endParaRPr>
-          </a:p>
-        </p:txBody>
-      </p:sp>
-      <p:sp>
-        <p:nvSpPr>
-          <p:cNvPr id="93" name="CustomShape 6"/>
-          <p:cNvSpPr/>
-          <p:nvPr/>
-        </p:nvSpPr>
-        <p:spPr>
-          <a:xfrm>
-            <a:off x="4464000" y="3816000"/>
-            <a:ext cx="4608000" cy="648000"/>
-          </a:xfrm>
-          <a:prstGeom prst="rect">
-            <a:avLst/>
-          </a:prstGeom>
-          <a:solidFill>
-            <a:srgbClr val="729fcf"/>
-          </a:solidFill>
-          <a:ln>
-            <a:solidFill>
-              <a:srgbClr val="3465a4"/>
-            </a:solidFill>
-          </a:ln>
-        </p:spPr>
-        <p:style>
-          <a:lnRef idx="0"/>
-          <a:fillRef idx="0"/>
-          <a:effectRef idx="0"/>
-          <a:fontRef idx="minor"/>
-        </p:style>
-        <p:txBody>
-          <a:bodyPr wrap="none" lIns="90000" rIns="90000" tIns="45000" bIns="45000" anchor="ctr">
-            <a:noAutofit/>
-          </a:bodyPr>
-          <a:p>
-            <a:pPr algn="ctr">
-              <a:lnSpc>
-                <a:spcPct val="100000"/>
-              </a:lnSpc>
-            </a:pPr>
-            <a:r>
-              <a:rPr b="0" lang="nl-NL" sz="1800" spc="-1" strike="noStrike">
-                <a:latin typeface="Arial"/>
-              </a:rPr>
-              <a:t>Functie ontsleutel(letter_reeks)</a:t>
-            </a:r>
-            <a:endParaRPr b="0" lang="nl-NL" sz="1800" spc="-1" strike="noStrike">
-              <a:latin typeface="Arial"/>
-            </a:endParaRPr>
-          </a:p>
-          <a:p>
-            <a:pPr algn="ctr">
-              <a:lnSpc>
-                <a:spcPct val="100000"/>
-              </a:lnSpc>
-            </a:pPr>
-            <a:r>
-              <a:rPr b="0" lang="nl-NL" sz="1800" spc="-1" strike="noStrike">
-                <a:latin typeface="Arial"/>
-              </a:rPr>
-              <a:t>Verander elke letter terug met X</a:t>
-            </a:r>
-            <a:endParaRPr b="0" lang="nl-NL" sz="1800" spc="-1" strike="noStrike">
-              <a:latin typeface="Arial"/>
-            </a:endParaRPr>
-          </a:p>
-        </p:txBody>
-      </p:sp>
-      <p:cxnSp>
-        <p:nvCxnSpPr>
-          <p:cNvPr id="94" name="Line 7"/>
-          <p:cNvCxnSpPr/>
-          <p:nvPr/>
-        </p:nvCxnSpPr>
-        <p:spPr>
-          <a:xfrm>
-            <a:off x="0" y="0"/>
-            <a:ext cx="360" cy="360"/>
-          </a:xfrm>
-          <a:prstGeom prst="line">
-            <a:avLst/>
-          </a:prstGeom>
-          <a:ln w="72000">
-            <a:solidFill>
-              <a:srgbClr val="f6f9d4"/>
-            </a:solidFill>
-            <a:round/>
-          </a:ln>
-        </p:spPr>
-      </p:cxnSp>
-      <p:sp>
-        <p:nvSpPr>
-          <p:cNvPr id="95" name="Line 8"/>
-          <p:cNvSpPr/>
-          <p:nvPr/>
-        </p:nvSpPr>
-        <p:spPr>
-          <a:xfrm>
-            <a:off x="864000" y="2052360"/>
-            <a:ext cx="0" cy="1526760"/>
-          </a:xfrm>
-          <a:prstGeom prst="line">
-            <a:avLst/>
-          </a:prstGeom>
-          <a:ln w="72000">
-            <a:solidFill>
-              <a:srgbClr val="f6f9d4"/>
-            </a:solidFill>
-            <a:round/>
-          </a:ln>
-        </p:spPr>
-        <p:style>
-          <a:lnRef idx="0"/>
-          <a:fillRef idx="0"/>
-          <a:effectRef idx="0"/>
-          <a:fontRef idx="minor"/>
-        </p:style>
-      </p:sp>
-      <p:sp>
-        <p:nvSpPr>
-          <p:cNvPr id="96" name="Line 9"/>
-          <p:cNvSpPr/>
-          <p:nvPr/>
-        </p:nvSpPr>
-        <p:spPr>
-          <a:xfrm flipV="1">
-            <a:off x="2016000" y="1008000"/>
-            <a:ext cx="2448000" cy="504000"/>
-          </a:xfrm>
-          <a:prstGeom prst="line">
-            <a:avLst/>
-          </a:prstGeom>
-          <a:ln w="72000">
-            <a:solidFill>
-              <a:srgbClr val="f6f9d4"/>
-            </a:solidFill>
-            <a:round/>
-          </a:ln>
-        </p:spPr>
-        <p:style>
-          <a:lnRef idx="0"/>
-          <a:fillRef idx="0"/>
-          <a:effectRef idx="0"/>
-          <a:fontRef idx="minor"/>
-        </p:style>
+              <a:t>alle tekstberichten </a:t>
+            </a:r>
+            <a:endParaRPr b="0" lang="en-US" sz="1800" spc="-1" strike="noStrike">
+              <a:latin typeface="Arial"/>
+            </a:endParaRPr>
+          </a:p>
+        </p:txBody>
       </p:sp>
     </p:spTree>
   </p:cSld>
@@ -4495,14 +4480,14 @@
       </p:grpSpPr>
       <p:sp>
         <p:nvSpPr>
-          <p:cNvPr id="97" name="CustomShape 1"/>
+          <p:cNvPr id="94" name="CustomShape 1"/>
           <p:cNvSpPr/>
           <p:nvPr/>
         </p:nvSpPr>
         <p:spPr>
           <a:xfrm>
             <a:off x="503640" y="-360"/>
-            <a:ext cx="9068400" cy="1399320"/>
+            <a:ext cx="9068040" cy="1398960"/>
           </a:xfrm>
           <a:prstGeom prst="rect">
             <a:avLst/>
@@ -4531,33 +4516,60 @@
             <a:r>
               <a:rPr b="1" lang="en-US" sz="4400" spc="-1" strike="noStrike">
                 <a:solidFill>
-                  <a:srgbClr val="8d281e"/>
+                  <a:srgbClr val="ffffd7"/>
                 </a:solidFill>
                 <a:latin typeface="Chandas"/>
-              </a:rPr>
-              <a:t>Micro:bit Code</a:t>
-            </a:r>
-            <a:endParaRPr b="0" lang="nl-NL" sz="4400" spc="-1" strike="noStrike">
-              <a:latin typeface="Arial"/>
-            </a:endParaRPr>
-          </a:p>
-        </p:txBody>
+                <a:ea typeface="DejaVu Sans"/>
+              </a:rPr>
+              <a:t>De opzet</a:t>
+            </a:r>
+            <a:endParaRPr b="0" lang="en-US" sz="4400" spc="-1" strike="noStrike">
+              <a:latin typeface="Arial"/>
+            </a:endParaRPr>
+          </a:p>
+        </p:txBody>
+      </p:sp>
+      <p:sp>
+        <p:nvSpPr>
+          <p:cNvPr id="95" name="CustomShape 2"/>
+          <p:cNvSpPr/>
+          <p:nvPr/>
+        </p:nvSpPr>
+        <p:spPr>
+          <a:xfrm>
+            <a:off x="6192000" y="2676960"/>
+            <a:ext cx="8712000" cy="1398960"/>
+          </a:xfrm>
+          <a:prstGeom prst="rect">
+            <a:avLst/>
+          </a:prstGeom>
+          <a:noFill/>
+          <a:ln>
+            <a:noFill/>
+          </a:ln>
+        </p:spPr>
+        <p:style>
+          <a:lnRef idx="0"/>
+          <a:fillRef idx="0"/>
+          <a:effectRef idx="0"/>
+          <a:fontRef idx="minor"/>
+        </p:style>
       </p:sp>
       <p:pic>
         <p:nvPicPr>
-          <p:cNvPr id="98" name="" descr=""/>
+          <p:cNvPr id="96" name="" descr=""/>
           <p:cNvPicPr/>
           <p:nvPr/>
         </p:nvPicPr>
         <p:blipFill>
           <a:blip r:embed="rId2"/>
-          <a:srcRect l="3411" t="33755" r="43042" b="19452"/>
+          <a:srcRect l="0" t="0" r="7951" b="0"/>
           <a:stretch/>
         </p:blipFill>
         <p:spPr>
           <a:xfrm>
-            <a:off x="510120" y="1005840"/>
-            <a:ext cx="8633520" cy="4242960"/>
+            <a:off x="395640" y="1651320"/>
+            <a:ext cx="2015640" cy="1588320"/>
           </a:xfrm>
           <a:prstGeom prst="rect">
             <a:avLst/>
@@ -4567,6 +4579,541 @@
           </a:ln>
         </p:spPr>
       </p:pic>
+      <p:sp>
+        <p:nvSpPr>
+          <p:cNvPr id="97" name="CustomShape 3"/>
+          <p:cNvSpPr/>
+          <p:nvPr/>
+        </p:nvSpPr>
+        <p:spPr>
+          <a:xfrm>
+            <a:off x="3366720" y="2263320"/>
+            <a:ext cx="3399840" cy="647640"/>
+          </a:xfrm>
+          <a:prstGeom prst="rect">
+            <a:avLst/>
+          </a:prstGeom>
+          <a:solidFill>
+            <a:srgbClr val="729fcf"/>
+          </a:solidFill>
+          <a:ln>
+            <a:solidFill>
+              <a:srgbClr val="3465a4"/>
+            </a:solidFill>
+          </a:ln>
+        </p:spPr>
+        <p:style>
+          <a:lnRef idx="0"/>
+          <a:fillRef idx="0"/>
+          <a:effectRef idx="0"/>
+          <a:fontRef idx="minor"/>
+        </p:style>
+        <p:txBody>
+          <a:bodyPr wrap="none" lIns="90000" rIns="90000" tIns="45000" bIns="45000" anchor="ctr">
+            <a:noAutofit/>
+          </a:bodyPr>
+          <a:p>
+            <a:pPr algn="ctr">
+              <a:lnSpc>
+                <a:spcPct val="100000"/>
+              </a:lnSpc>
+            </a:pPr>
+            <a:r>
+              <a:rPr b="0" lang="nl-NL" sz="1500" spc="-1" strike="noStrike">
+                <a:solidFill>
+                  <a:srgbClr val="000000"/>
+                </a:solidFill>
+                <a:latin typeface="Arial"/>
+                <a:ea typeface="DejaVu Sans"/>
+              </a:rPr>
+              <a:t>bericht  = “His name is Peter”</a:t>
+            </a:r>
+            <a:endParaRPr b="0" lang="en-US" sz="1500" spc="-1" strike="noStrike">
+              <a:latin typeface="Arial"/>
+            </a:endParaRPr>
+          </a:p>
+          <a:p>
+            <a:pPr algn="ctr">
+              <a:lnSpc>
+                <a:spcPct val="100000"/>
+              </a:lnSpc>
+            </a:pPr>
+            <a:r>
+              <a:rPr b="0" lang="nl-NL" sz="1500" spc="-1" strike="noStrike">
+                <a:solidFill>
+                  <a:srgbClr val="000000"/>
+                </a:solidFill>
+                <a:latin typeface="Arial"/>
+                <a:ea typeface="DejaVu Sans"/>
+              </a:rPr>
+              <a:t>Verstuur ( versleutel(bericht))</a:t>
+            </a:r>
+            <a:endParaRPr b="0" lang="en-US" sz="1500" spc="-1" strike="noStrike">
+              <a:latin typeface="Arial"/>
+            </a:endParaRPr>
+          </a:p>
+        </p:txBody>
+      </p:sp>
+      <p:sp>
+        <p:nvSpPr>
+          <p:cNvPr id="98" name="CustomShape 4"/>
+          <p:cNvSpPr/>
+          <p:nvPr/>
+        </p:nvSpPr>
+        <p:spPr>
+          <a:xfrm>
+            <a:off x="3366720" y="1254960"/>
+            <a:ext cx="3399840" cy="647640"/>
+          </a:xfrm>
+          <a:prstGeom prst="rect">
+            <a:avLst/>
+          </a:prstGeom>
+          <a:solidFill>
+            <a:srgbClr val="729fcf"/>
+          </a:solidFill>
+          <a:ln>
+            <a:solidFill>
+              <a:srgbClr val="3465a4"/>
+            </a:solidFill>
+          </a:ln>
+        </p:spPr>
+        <p:style>
+          <a:lnRef idx="0"/>
+          <a:fillRef idx="0"/>
+          <a:effectRef idx="0"/>
+          <a:fontRef idx="minor"/>
+        </p:style>
+        <p:txBody>
+          <a:bodyPr wrap="none" lIns="90000" rIns="90000" tIns="45000" bIns="45000" anchor="ctr">
+            <a:noAutofit/>
+          </a:bodyPr>
+          <a:p>
+            <a:pPr algn="ctr">
+              <a:lnSpc>
+                <a:spcPct val="100000"/>
+              </a:lnSpc>
+            </a:pPr>
+            <a:r>
+              <a:rPr b="0" lang="nl-NL" sz="1500" spc="-1" strike="noStrike">
+                <a:solidFill>
+                  <a:srgbClr val="000000"/>
+                </a:solidFill>
+                <a:latin typeface="Arial"/>
+                <a:ea typeface="DejaVu Sans"/>
+              </a:rPr>
+              <a:t>Bericht = ontvangen_radiotekst</a:t>
+            </a:r>
+            <a:endParaRPr b="0" lang="en-US" sz="1500" spc="-1" strike="noStrike">
+              <a:latin typeface="Arial"/>
+            </a:endParaRPr>
+          </a:p>
+          <a:p>
+            <a:pPr algn="ctr">
+              <a:lnSpc>
+                <a:spcPct val="100000"/>
+              </a:lnSpc>
+            </a:pPr>
+            <a:r>
+              <a:rPr b="0" lang="nl-NL" sz="1500" spc="-1" strike="noStrike">
+                <a:solidFill>
+                  <a:srgbClr val="000000"/>
+                </a:solidFill>
+                <a:latin typeface="Arial"/>
+                <a:ea typeface="DejaVu Sans"/>
+              </a:rPr>
+              <a:t>toon ( ontsleutel(bericht))</a:t>
+            </a:r>
+            <a:endParaRPr b="0" lang="en-US" sz="1500" spc="-1" strike="noStrike">
+              <a:latin typeface="Arial"/>
+            </a:endParaRPr>
+          </a:p>
+        </p:txBody>
+      </p:sp>
+      <p:sp>
+        <p:nvSpPr>
+          <p:cNvPr id="99" name="CustomShape 5"/>
+          <p:cNvSpPr/>
+          <p:nvPr/>
+        </p:nvSpPr>
+        <p:spPr>
+          <a:xfrm>
+            <a:off x="3366720" y="3271320"/>
+            <a:ext cx="3399840" cy="647640"/>
+          </a:xfrm>
+          <a:prstGeom prst="rect">
+            <a:avLst/>
+          </a:prstGeom>
+          <a:solidFill>
+            <a:srgbClr val="729fcf"/>
+          </a:solidFill>
+          <a:ln>
+            <a:solidFill>
+              <a:srgbClr val="3465a4"/>
+            </a:solidFill>
+          </a:ln>
+        </p:spPr>
+        <p:style>
+          <a:lnRef idx="0"/>
+          <a:fillRef idx="0"/>
+          <a:effectRef idx="0"/>
+          <a:fontRef idx="minor"/>
+        </p:style>
+        <p:txBody>
+          <a:bodyPr wrap="none" lIns="90000" rIns="90000" tIns="45000" bIns="45000" anchor="ctr">
+            <a:noAutofit/>
+          </a:bodyPr>
+          <a:p>
+            <a:pPr algn="ctr">
+              <a:lnSpc>
+                <a:spcPct val="100000"/>
+              </a:lnSpc>
+            </a:pPr>
+            <a:r>
+              <a:rPr b="0" lang="nl-NL" sz="1500" spc="-1" strike="noStrike">
+                <a:solidFill>
+                  <a:srgbClr val="000000"/>
+                </a:solidFill>
+                <a:latin typeface="Arial"/>
+                <a:ea typeface="DejaVu Sans"/>
+              </a:rPr>
+              <a:t>Functie versleutel(letter_reeks)</a:t>
+            </a:r>
+            <a:endParaRPr b="0" lang="en-US" sz="1500" spc="-1" strike="noStrike">
+              <a:latin typeface="Arial"/>
+            </a:endParaRPr>
+          </a:p>
+          <a:p>
+            <a:pPr algn="ctr">
+              <a:lnSpc>
+                <a:spcPct val="100000"/>
+              </a:lnSpc>
+            </a:pPr>
+            <a:r>
+              <a:rPr b="0" lang="nl-NL" sz="1500" spc="-1" strike="noStrike">
+                <a:solidFill>
+                  <a:srgbClr val="000000"/>
+                </a:solidFill>
+                <a:latin typeface="Arial"/>
+                <a:ea typeface="DejaVu Sans"/>
+              </a:rPr>
+              <a:t>Verander elke letter heen met code x</a:t>
+            </a:r>
+            <a:endParaRPr b="0" lang="en-US" sz="1500" spc="-1" strike="noStrike">
+              <a:latin typeface="Arial"/>
+            </a:endParaRPr>
+          </a:p>
+        </p:txBody>
+      </p:sp>
+      <p:sp>
+        <p:nvSpPr>
+          <p:cNvPr id="100" name="CustomShape 6"/>
+          <p:cNvSpPr/>
+          <p:nvPr/>
+        </p:nvSpPr>
+        <p:spPr>
+          <a:xfrm>
+            <a:off x="3366720" y="4278960"/>
+            <a:ext cx="3399840" cy="647640"/>
+          </a:xfrm>
+          <a:prstGeom prst="rect">
+            <a:avLst/>
+          </a:prstGeom>
+          <a:solidFill>
+            <a:srgbClr val="729fcf"/>
+          </a:solidFill>
+          <a:ln>
+            <a:solidFill>
+              <a:srgbClr val="3465a4"/>
+            </a:solidFill>
+          </a:ln>
+        </p:spPr>
+        <p:style>
+          <a:lnRef idx="0"/>
+          <a:fillRef idx="0"/>
+          <a:effectRef idx="0"/>
+          <a:fontRef idx="minor"/>
+        </p:style>
+        <p:txBody>
+          <a:bodyPr wrap="none" lIns="90000" rIns="90000" tIns="45000" bIns="45000" anchor="ctr">
+            <a:noAutofit/>
+          </a:bodyPr>
+          <a:p>
+            <a:pPr algn="ctr">
+              <a:lnSpc>
+                <a:spcPct val="100000"/>
+              </a:lnSpc>
+            </a:pPr>
+            <a:r>
+              <a:rPr b="0" lang="nl-NL" sz="1500" spc="-1" strike="noStrike">
+                <a:solidFill>
+                  <a:srgbClr val="000000"/>
+                </a:solidFill>
+                <a:latin typeface="Arial"/>
+                <a:ea typeface="DejaVu Sans"/>
+              </a:rPr>
+              <a:t>Functie ontsleutel(letter_reeks)</a:t>
+            </a:r>
+            <a:endParaRPr b="0" lang="en-US" sz="1500" spc="-1" strike="noStrike">
+              <a:latin typeface="Arial"/>
+            </a:endParaRPr>
+          </a:p>
+          <a:p>
+            <a:pPr algn="ctr">
+              <a:lnSpc>
+                <a:spcPct val="100000"/>
+              </a:lnSpc>
+            </a:pPr>
+            <a:r>
+              <a:rPr b="0" lang="nl-NL" sz="1500" spc="-1" strike="noStrike">
+                <a:solidFill>
+                  <a:srgbClr val="000000"/>
+                </a:solidFill>
+                <a:latin typeface="Arial"/>
+                <a:ea typeface="DejaVu Sans"/>
+              </a:rPr>
+              <a:t>Verander elke letter terug met code x</a:t>
+            </a:r>
+            <a:endParaRPr b="0" lang="en-US" sz="1500" spc="-1" strike="noStrike">
+              <a:latin typeface="Arial"/>
+            </a:endParaRPr>
+          </a:p>
+        </p:txBody>
+      </p:sp>
+      <p:sp>
+        <p:nvSpPr>
+          <p:cNvPr id="101" name="Line 7"/>
+          <p:cNvSpPr/>
+          <p:nvPr/>
+        </p:nvSpPr>
+        <p:spPr>
+          <a:xfrm>
+            <a:off x="0" y="0"/>
+            <a:ext cx="360" cy="360"/>
+          </a:xfrm>
+          <a:prstGeom prst="line">
+            <a:avLst/>
+          </a:prstGeom>
+          <a:ln w="72000">
+            <a:solidFill>
+              <a:srgbClr val="f6f9d4"/>
+            </a:solidFill>
+            <a:round/>
+          </a:ln>
+        </p:spPr>
+        <p:style>
+          <a:lnRef idx="0"/>
+          <a:fillRef idx="0"/>
+          <a:effectRef idx="0"/>
+          <a:fontRef idx="minor"/>
+        </p:style>
+      </p:sp>
+      <p:sp>
+        <p:nvSpPr>
+          <p:cNvPr id="102" name="Line 8"/>
+          <p:cNvSpPr/>
+          <p:nvPr/>
+        </p:nvSpPr>
+        <p:spPr>
+          <a:xfrm>
+            <a:off x="756000" y="2484360"/>
+            <a:ext cx="0" cy="1526760"/>
+          </a:xfrm>
+          <a:prstGeom prst="line">
+            <a:avLst/>
+          </a:prstGeom>
+          <a:ln w="72000">
+            <a:solidFill>
+              <a:srgbClr val="f6f9d4"/>
+            </a:solidFill>
+            <a:round/>
+          </a:ln>
+        </p:spPr>
+        <p:style>
+          <a:lnRef idx="0"/>
+          <a:fillRef idx="0"/>
+          <a:effectRef idx="0"/>
+          <a:fontRef idx="minor"/>
+        </p:style>
+      </p:sp>
+      <p:sp>
+        <p:nvSpPr>
+          <p:cNvPr id="103" name="Line 9"/>
+          <p:cNvSpPr/>
+          <p:nvPr/>
+        </p:nvSpPr>
+        <p:spPr>
+          <a:xfrm flipV="1">
+            <a:off x="1908000" y="1620720"/>
+            <a:ext cx="1458720" cy="323280"/>
+          </a:xfrm>
+          <a:prstGeom prst="line">
+            <a:avLst/>
+          </a:prstGeom>
+          <a:ln w="72000">
+            <a:solidFill>
+              <a:srgbClr val="f6f9d4"/>
+            </a:solidFill>
+            <a:round/>
+          </a:ln>
+        </p:spPr>
+        <p:style>
+          <a:lnRef idx="0"/>
+          <a:fillRef idx="0"/>
+          <a:effectRef idx="0"/>
+          <a:fontRef idx="minor"/>
+        </p:style>
+      </p:sp>
+      <p:sp>
+        <p:nvSpPr>
+          <p:cNvPr id="104" name="Line 10"/>
+          <p:cNvSpPr/>
+          <p:nvPr/>
+        </p:nvSpPr>
+        <p:spPr>
+          <a:xfrm>
+            <a:off x="742680" y="3985200"/>
+            <a:ext cx="1526760" cy="12960"/>
+          </a:xfrm>
+          <a:prstGeom prst="line">
+            <a:avLst/>
+          </a:prstGeom>
+          <a:ln w="72000">
+            <a:solidFill>
+              <a:srgbClr val="f6f9d4"/>
+            </a:solidFill>
+            <a:round/>
+          </a:ln>
+        </p:spPr>
+        <p:style>
+          <a:lnRef idx="0"/>
+          <a:fillRef idx="0"/>
+          <a:effectRef idx="0"/>
+          <a:fontRef idx="minor"/>
+        </p:style>
+      </p:sp>
+      <p:sp>
+        <p:nvSpPr>
+          <p:cNvPr id="105" name="Line 11"/>
+          <p:cNvSpPr/>
+          <p:nvPr/>
+        </p:nvSpPr>
+        <p:spPr>
+          <a:xfrm flipV="1">
+            <a:off x="2241720" y="2613600"/>
+            <a:ext cx="667800" cy="1384560"/>
+          </a:xfrm>
+          <a:prstGeom prst="line">
+            <a:avLst/>
+          </a:prstGeom>
+          <a:ln w="72000">
+            <a:solidFill>
+              <a:srgbClr val="f6f9d4"/>
+            </a:solidFill>
+            <a:round/>
+          </a:ln>
+        </p:spPr>
+        <p:style>
+          <a:lnRef idx="0"/>
+          <a:fillRef idx="0"/>
+          <a:effectRef idx="0"/>
+          <a:fontRef idx="minor"/>
+        </p:style>
+      </p:sp>
+      <p:sp>
+        <p:nvSpPr>
+          <p:cNvPr id="106" name="Line 12"/>
+          <p:cNvSpPr/>
+          <p:nvPr/>
+        </p:nvSpPr>
+        <p:spPr>
+          <a:xfrm>
+            <a:off x="2909520" y="2613600"/>
+            <a:ext cx="457200" cy="0"/>
+          </a:xfrm>
+          <a:prstGeom prst="line">
+            <a:avLst/>
+          </a:prstGeom>
+          <a:ln w="72000">
+            <a:solidFill>
+              <a:srgbClr val="f6f9d4"/>
+            </a:solidFill>
+            <a:round/>
+          </a:ln>
+        </p:spPr>
+        <p:style>
+          <a:lnRef idx="0"/>
+          <a:fillRef idx="0"/>
+          <a:effectRef idx="0"/>
+          <a:fontRef idx="minor"/>
+        </p:style>
+      </p:sp>
+      <p:sp>
+        <p:nvSpPr>
+          <p:cNvPr id="107" name="CustomShape 13"/>
+          <p:cNvSpPr/>
+          <p:nvPr/>
+        </p:nvSpPr>
+        <p:spPr>
+          <a:xfrm>
+            <a:off x="6858000" y="3749040"/>
+            <a:ext cx="3017520" cy="1645920"/>
+          </a:xfrm>
+          <a:prstGeom prst="rect">
+            <a:avLst/>
+          </a:prstGeom>
+          <a:solidFill>
+            <a:srgbClr val="729fcf"/>
+          </a:solidFill>
+          <a:ln>
+            <a:solidFill>
+              <a:srgbClr val="3465a4"/>
+            </a:solidFill>
+          </a:ln>
+        </p:spPr>
+        <p:style>
+          <a:lnRef idx="0"/>
+          <a:fillRef idx="0"/>
+          <a:effectRef idx="0"/>
+          <a:fontRef idx="minor"/>
+        </p:style>
+        <p:txBody>
+          <a:bodyPr wrap="none" lIns="90000" rIns="90000" tIns="45000" bIns="45000" anchor="ctr">
+            <a:noAutofit/>
+          </a:bodyPr>
+          <a:p>
+            <a:r>
+              <a:rPr b="0" lang="en-US" sz="1800" spc="-1" strike="noStrike">
+                <a:latin typeface="Arial"/>
+              </a:rPr>
+              <a:t>De zender is ook ontvanger.</a:t>
+            </a:r>
+            <a:br/>
+            <a:r>
+              <a:rPr b="0" lang="en-US" sz="1800" spc="-1" strike="noStrike">
+                <a:latin typeface="Arial"/>
+              </a:rPr>
+              <a:t>Voor verzending wordt </a:t>
+            </a:r>
+            <a:br/>
+            <a:r>
+              <a:rPr b="0" lang="en-US" sz="1800" spc="-1" strike="noStrike">
+                <a:latin typeface="Arial"/>
+              </a:rPr>
+              <a:t>een bericht versleuteld. Na </a:t>
+            </a:r>
+            <a:br/>
+            <a:r>
+              <a:rPr b="0" lang="en-US" sz="1800" spc="-1" strike="noStrike">
+                <a:latin typeface="Arial"/>
+              </a:rPr>
+              <a:t>ontvangst ontsleuteld.</a:t>
+            </a:r>
+            <a:endParaRPr b="0" lang="en-US" sz="1800" spc="-1" strike="noStrike">
+              <a:latin typeface="Arial"/>
+            </a:endParaRPr>
+          </a:p>
+        </p:txBody>
+      </p:sp>
     </p:spTree>
   </p:cSld>
   <mc:AlternateContent>
@@ -4609,14 +5156,14 @@
       </p:grpSpPr>
       <p:sp>
         <p:nvSpPr>
-          <p:cNvPr id="99" name="CustomShape 1"/>
+          <p:cNvPr id="108" name="CustomShape 1"/>
           <p:cNvSpPr/>
           <p:nvPr/>
         </p:nvSpPr>
         <p:spPr>
           <a:xfrm>
             <a:off x="503640" y="-360"/>
-            <a:ext cx="9068400" cy="1399320"/>
+            <a:ext cx="9068040" cy="1398960"/>
           </a:xfrm>
           <a:prstGeom prst="rect">
             <a:avLst/>
@@ -4648,10 +5195,11 @@
                   <a:srgbClr val="8d281e"/>
                 </a:solidFill>
                 <a:latin typeface="Chandas"/>
-              </a:rPr>
-              <a:t>Demo</a:t>
-            </a:r>
-            <a:endParaRPr b="0" lang="nl-NL" sz="4400" spc="-1" strike="noStrike">
+                <a:ea typeface="DejaVu Sans"/>
+              </a:rPr>
+              <a:t>Micro:bit Code</a:t>
+            </a:r>
+            <a:endParaRPr b="0" lang="en-US" sz="4400" spc="-1" strike="noStrike">
               <a:latin typeface="Arial"/>
             </a:endParaRPr>
           </a:p>
@@ -4659,18 +5207,19 @@
       </p:sp>
       <p:pic>
         <p:nvPicPr>
-          <p:cNvPr id="100" name="" descr=""/>
+          <p:cNvPr id="109" name="" descr=""/>
           <p:cNvPicPr/>
           <p:nvPr/>
         </p:nvPicPr>
         <p:blipFill>
           <a:blip r:embed="rId2"/>
+          <a:srcRect l="3411" t="33750" r="43037" b="19452"/>
           <a:stretch/>
         </p:blipFill>
         <p:spPr>
           <a:xfrm>
-            <a:off x="457200" y="1120320"/>
-            <a:ext cx="9238680" cy="3999960"/>
+            <a:off x="510120" y="1005840"/>
+            <a:ext cx="8633160" cy="4242600"/>
           </a:xfrm>
           <a:prstGeom prst="rect">
             <a:avLst/>
@@ -4694,6 +5243,120 @@
 </file>
 
 <file path=ppt/slides/slide6.xml><?xml version="1.0" encoding="utf-8"?>
+<p:sld xmlns:a="http://schemas.openxmlformats.org/drawingml/2006/main" xmlns:p="http://schemas.openxmlformats.org/presentationml/2006/main" xmlns:r="http://schemas.openxmlformats.org/officeDocument/2006/relationships" xmlns:p14="http://schemas.microsoft.com/office/powerpoint/2010/main" xmlns:p15="http://schemas.microsoft.com/office/powerpoint/2012/main" xmlns:mc="http://schemas.openxmlformats.org/markup-compatibility/2006">
+  <p:cSld>
+    <p:bg>
+      <p:bgPr>
+        <a:blipFill rotWithShape="0">
+          <a:blip r:embed="rId1"/>
+          <a:stretch>
+            <a:fillRect/>
+          </a:stretch>
+        </a:blipFill>
+      </p:bgPr>
+    </p:bg>
+    <p:spTree>
+      <p:nvGrpSpPr>
+        <p:cNvPr id="1" name=""/>
+        <p:cNvGrpSpPr/>
+        <p:nvPr/>
+      </p:nvGrpSpPr>
+      <p:grpSpPr>
+        <a:xfrm>
+          <a:off x="0" y="0"/>
+          <a:ext cx="0" cy="0"/>
+          <a:chOff x="0" y="0"/>
+          <a:chExt cx="0" cy="0"/>
+        </a:xfrm>
+      </p:grpSpPr>
+      <p:sp>
+        <p:nvSpPr>
+          <p:cNvPr id="110" name="CustomShape 1"/>
+          <p:cNvSpPr/>
+          <p:nvPr/>
+        </p:nvSpPr>
+        <p:spPr>
+          <a:xfrm>
+            <a:off x="503640" y="-360"/>
+            <a:ext cx="9068040" cy="1398960"/>
+          </a:xfrm>
+          <a:prstGeom prst="rect">
+            <a:avLst/>
+          </a:prstGeom>
+          <a:noFill/>
+          <a:ln>
+            <a:noFill/>
+          </a:ln>
+        </p:spPr>
+        <p:style>
+          <a:lnRef idx="0"/>
+          <a:fillRef idx="0"/>
+          <a:effectRef idx="0"/>
+          <a:fontRef idx="minor"/>
+        </p:style>
+        <p:txBody>
+          <a:bodyPr lIns="0" rIns="0" tIns="0" bIns="0" anchor="ctr">
+            <a:noAutofit/>
+          </a:bodyPr>
+          <a:p>
+            <a:pPr>
+              <a:lnSpc>
+                <a:spcPct val="100000"/>
+              </a:lnSpc>
+            </a:pPr>
+            <a:r>
+              <a:rPr b="1" lang="en-US" sz="4400" spc="-1" strike="noStrike">
+                <a:solidFill>
+                  <a:srgbClr val="8d281e"/>
+                </a:solidFill>
+                <a:latin typeface="Chandas"/>
+                <a:ea typeface="DejaVu Sans"/>
+              </a:rPr>
+              <a:t>Demo</a:t>
+            </a:r>
+            <a:endParaRPr b="0" lang="en-US" sz="4400" spc="-1" strike="noStrike">
+              <a:latin typeface="Arial"/>
+            </a:endParaRPr>
+          </a:p>
+        </p:txBody>
+      </p:sp>
+      <p:pic>
+        <p:nvPicPr>
+          <p:cNvPr id="111" name="" descr=""/>
+          <p:cNvPicPr/>
+          <p:nvPr/>
+        </p:nvPicPr>
+        <p:blipFill>
+          <a:blip r:embed="rId2"/>
+          <a:stretch/>
+        </p:blipFill>
+        <p:spPr>
+          <a:xfrm>
+            <a:off x="457200" y="1120320"/>
+            <a:ext cx="9238320" cy="3999600"/>
+          </a:xfrm>
+          <a:prstGeom prst="rect">
+            <a:avLst/>
+          </a:prstGeom>
+          <a:ln>
+            <a:noFill/>
+          </a:ln>
+        </p:spPr>
+      </p:pic>
+    </p:spTree>
+  </p:cSld>
+  <mc:AlternateContent>
+    <mc:Choice Requires="p14">
+      <p:transition spd="slow" p14:dur="2000"/>
+    </mc:Choice>
+    <mc:Fallback>
+      <p:transition spd="slow"/>
+    </mc:Fallback>
+  </mc:AlternateContent>
+</p:sld>
+</file>
+
+<file path=ppt/slides/slide7.xml><?xml version="1.0" encoding="utf-8"?>
 <p:sld xmlns:a="http://schemas.openxmlformats.org/drawingml/2006/main" xmlns:p="http://schemas.openxmlformats.org/presentationml/2006/main" xmlns:r="http://schemas.openxmlformats.org/officeDocument/2006/relationships" xmlns:p14="http://schemas.microsoft.com/office/powerpoint/2010/main" xmlns:p15="http://schemas.microsoft.com/office/powerpoint/2012/main" xmlns:mc="http://schemas.openxmlformats.org/markup-compatibility/2006">
   <p:cSld>
     <p:bg>
@@ -4720,14 +5383,14 @@
       </p:grpSpPr>
       <p:sp>
         <p:nvSpPr>
-          <p:cNvPr id="101" name="CustomShape 1"/>
+          <p:cNvPr id="112" name="CustomShape 1"/>
           <p:cNvSpPr/>
           <p:nvPr/>
         </p:nvSpPr>
         <p:spPr>
           <a:xfrm>
             <a:off x="2926080" y="1540080"/>
-            <a:ext cx="4222080" cy="1523880"/>
+            <a:ext cx="4221720" cy="1523520"/>
           </a:xfrm>
           <a:prstGeom prst="rect">
             <a:avLst/>
@@ -4759,10 +5422,11 @@
                   <a:srgbClr val="fff5ce"/>
                 </a:solidFill>
                 <a:latin typeface="Chandas"/>
+                <a:ea typeface="DejaVu Sans"/>
               </a:rPr>
               <a:t>Vragen ?</a:t>
             </a:r>
-            <a:endParaRPr b="0" lang="nl-NL" sz="4800" spc="-1" strike="noStrike">
+            <a:endParaRPr b="0" lang="en-US" sz="4800" spc="-1" strike="noStrike">
               <a:latin typeface="Arial"/>
             </a:endParaRPr>
           </a:p>
